--- a/sztaki-occo-report.pptx
+++ b/sztaki-occo-report.pptx
@@ -5,7 +5,7 @@
     <p:sldMasterId id="2147483684" r:id="rId1"/>
   </p:sldMasterIdLst>
   <p:notesMasterIdLst>
-    <p:notesMasterId r:id="rId34"/>
+    <p:notesMasterId r:id="rId44"/>
   </p:notesMasterIdLst>
   <p:sldIdLst>
     <p:sldId id="256" r:id="rId2"/>
@@ -28,18 +28,28 @@
     <p:sldId id="273" r:id="rId19"/>
     <p:sldId id="274" r:id="rId20"/>
     <p:sldId id="275" r:id="rId21"/>
-    <p:sldId id="276" r:id="rId22"/>
-    <p:sldId id="277" r:id="rId23"/>
-    <p:sldId id="278" r:id="rId24"/>
-    <p:sldId id="279" r:id="rId25"/>
-    <p:sldId id="280" r:id="rId26"/>
-    <p:sldId id="281" r:id="rId27"/>
-    <p:sldId id="282" r:id="rId28"/>
-    <p:sldId id="283" r:id="rId29"/>
-    <p:sldId id="284" r:id="rId30"/>
-    <p:sldId id="285" r:id="rId31"/>
-    <p:sldId id="286" r:id="rId32"/>
-    <p:sldId id="287" r:id="rId33"/>
+    <p:sldId id="289" r:id="rId22"/>
+    <p:sldId id="290" r:id="rId23"/>
+    <p:sldId id="291" r:id="rId24"/>
+    <p:sldId id="292" r:id="rId25"/>
+    <p:sldId id="294" r:id="rId26"/>
+    <p:sldId id="295" r:id="rId27"/>
+    <p:sldId id="296" r:id="rId28"/>
+    <p:sldId id="297" r:id="rId29"/>
+    <p:sldId id="288" r:id="rId30"/>
+    <p:sldId id="293" r:id="rId31"/>
+    <p:sldId id="276" r:id="rId32"/>
+    <p:sldId id="277" r:id="rId33"/>
+    <p:sldId id="278" r:id="rId34"/>
+    <p:sldId id="279" r:id="rId35"/>
+    <p:sldId id="280" r:id="rId36"/>
+    <p:sldId id="281" r:id="rId37"/>
+    <p:sldId id="282" r:id="rId38"/>
+    <p:sldId id="283" r:id="rId39"/>
+    <p:sldId id="284" r:id="rId40"/>
+    <p:sldId id="285" r:id="rId41"/>
+    <p:sldId id="286" r:id="rId42"/>
+    <p:sldId id="287" r:id="rId43"/>
   </p:sldIdLst>
   <p:sldSz cx="9144000" cy="6858000" type="screen4x3"/>
   <p:notesSz cx="6858000" cy="9144000"/>
@@ -175,6 +185,16 @@
             <p14:sldId id="273"/>
             <p14:sldId id="274"/>
             <p14:sldId id="275"/>
+            <p14:sldId id="289"/>
+            <p14:sldId id="290"/>
+            <p14:sldId id="291"/>
+            <p14:sldId id="292"/>
+            <p14:sldId id="294"/>
+            <p14:sldId id="295"/>
+            <p14:sldId id="296"/>
+            <p14:sldId id="297"/>
+            <p14:sldId id="288"/>
+            <p14:sldId id="293"/>
           </p14:sldIdLst>
         </p14:section>
         <p14:section name="Development" id="{4B362548-B791-0C41-BB28-03440E7C79F9}">
@@ -281,7 +301,7 @@
           <a:p>
             <a:fld id="{8657918A-B7E8-B443-A5C0-EB3776EA76D3}" type="datetimeFigureOut">
               <a:rPr lang="en-US" smtClean="0"/>
-              <a:t>23/03/15</a:t>
+              <a:t>02/09/15</a:t>
             </a:fld>
             <a:endParaRPr lang="en-US"/>
           </a:p>
@@ -966,7 +986,7 @@
           <a:p>
             <a:fld id="{A7CE244C-F977-4E9B-A72F-98F6435E2E1C}" type="datetimeFigureOut">
               <a:rPr lang="hu-HU" smtClean="0"/>
-              <a:t>23/03/15</a:t>
+              <a:t>02/09/15</a:t>
             </a:fld>
             <a:endParaRPr lang="hu-HU"/>
           </a:p>
@@ -1131,7 +1151,7 @@
           <a:p>
             <a:fld id="{A7CE244C-F977-4E9B-A72F-98F6435E2E1C}" type="datetimeFigureOut">
               <a:rPr lang="hu-HU" smtClean="0"/>
-              <a:t>23/03/15</a:t>
+              <a:t>02/09/15</a:t>
             </a:fld>
             <a:endParaRPr lang="hu-HU"/>
           </a:p>
@@ -1306,7 +1326,7 @@
           <a:p>
             <a:fld id="{A7CE244C-F977-4E9B-A72F-98F6435E2E1C}" type="datetimeFigureOut">
               <a:rPr lang="hu-HU" smtClean="0"/>
-              <a:t>23/03/15</a:t>
+              <a:t>02/09/15</a:t>
             </a:fld>
             <a:endParaRPr lang="hu-HU"/>
           </a:p>
@@ -1489,7 +1509,7 @@
           <a:p>
             <a:fld id="{A7CE244C-F977-4E9B-A72F-98F6435E2E1C}" type="datetimeFigureOut">
               <a:rPr lang="hu-HU" smtClean="0"/>
-              <a:t>23/03/15</a:t>
+              <a:t>02/09/15</a:t>
             </a:fld>
             <a:endParaRPr lang="hu-HU"/>
           </a:p>
@@ -1760,7 +1780,7 @@
             <a:fld id="{A7CE244C-F977-4E9B-A72F-98F6435E2E1C}" type="datetimeFigureOut">
               <a:rPr lang="hu-HU" smtClean="0"/>
               <a:pPr/>
-              <a:t>23/03/15</a:t>
+              <a:t>02/09/15</a:t>
             </a:fld>
             <a:endParaRPr lang="hu-HU"/>
           </a:p>
@@ -2006,7 +2026,7 @@
           <a:p>
             <a:fld id="{A7CE244C-F977-4E9B-A72F-98F6435E2E1C}" type="datetimeFigureOut">
               <a:rPr lang="hu-HU" smtClean="0"/>
-              <a:t>23/03/15</a:t>
+              <a:t>02/09/15</a:t>
             </a:fld>
             <a:endParaRPr lang="hu-HU"/>
           </a:p>
@@ -2314,7 +2334,7 @@
           <a:p>
             <a:fld id="{A7CE244C-F977-4E9B-A72F-98F6435E2E1C}" type="datetimeFigureOut">
               <a:rPr lang="hu-HU" smtClean="0"/>
-              <a:t>23/03/15</a:t>
+              <a:t>02/09/15</a:t>
             </a:fld>
             <a:endParaRPr lang="hu-HU"/>
           </a:p>
@@ -2541,7 +2561,7 @@
           <a:p>
             <a:fld id="{A7CE244C-F977-4E9B-A72F-98F6435E2E1C}" type="datetimeFigureOut">
               <a:rPr lang="hu-HU" smtClean="0"/>
-              <a:t>23/03/15</a:t>
+              <a:t>02/09/15</a:t>
             </a:fld>
             <a:endParaRPr lang="hu-HU"/>
           </a:p>
@@ -2631,7 +2651,7 @@
           <a:p>
             <a:fld id="{A7CE244C-F977-4E9B-A72F-98F6435E2E1C}" type="datetimeFigureOut">
               <a:rPr lang="hu-HU" smtClean="0"/>
-              <a:t>23/03/15</a:t>
+              <a:t>02/09/15</a:t>
             </a:fld>
             <a:endParaRPr lang="hu-HU"/>
           </a:p>
@@ -2919,7 +2939,7 @@
           <a:p>
             <a:fld id="{A7CE244C-F977-4E9B-A72F-98F6435E2E1C}" type="datetimeFigureOut">
               <a:rPr lang="hu-HU" smtClean="0"/>
-              <a:t>23/03/15</a:t>
+              <a:t>02/09/15</a:t>
             </a:fld>
             <a:endParaRPr lang="hu-HU"/>
           </a:p>
@@ -3188,7 +3208,7 @@
           <a:p>
             <a:fld id="{A7CE244C-F977-4E9B-A72F-98F6435E2E1C}" type="datetimeFigureOut">
               <a:rPr lang="hu-HU" smtClean="0"/>
-              <a:t>23/03/15</a:t>
+              <a:t>02/09/15</a:t>
             </a:fld>
             <a:endParaRPr lang="hu-HU"/>
           </a:p>
@@ -3408,7 +3428,7 @@
             <a:fld id="{A7CE244C-F977-4E9B-A72F-98F6435E2E1C}" type="datetimeFigureOut">
               <a:rPr lang="hu-HU" smtClean="0"/>
               <a:pPr/>
-              <a:t>23/03/15</a:t>
+              <a:t>02/09/15</a:t>
             </a:fld>
             <a:endParaRPr lang="hu-HU"/>
           </a:p>
@@ -4614,7 +4634,7 @@
             <a:pPr lvl="1"/>
             <a:r>
               <a:rPr lang="en-US" dirty="0"/>
-              <a:t>Distributable components</a:t>
+              <a:t>Distributable and disposable components</a:t>
             </a:r>
           </a:p>
           <a:p>
@@ -4664,7 +4684,7 @@
           <a:p>
             <a:r>
               <a:rPr lang="en-US" dirty="0" smtClean="0"/>
-              <a:t>Discretionary RMI</a:t>
+              <a:t>Optional RMI</a:t>
             </a:r>
           </a:p>
           <a:p>
@@ -5056,7 +5076,9 @@
         </p:nvSpPr>
         <p:spPr/>
         <p:txBody>
-          <a:bodyPr/>
+          <a:bodyPr>
+            <a:normAutofit fontScale="85000" lnSpcReduction="20000"/>
+          </a:bodyPr>
           <a:lstStyle/>
           <a:p>
             <a:r>
@@ -5128,16 +5150,175 @@
           </a:p>
           <a:p>
             <a:r>
-              <a:rPr lang="en-US" dirty="0" smtClean="0"/>
-              <a:t>(</a:t>
-            </a:r>
-            <a:r>
-              <a:rPr lang="en-US" dirty="0" err="1" smtClean="0"/>
-              <a:t>Graffle</a:t>
-            </a:r>
-            <a:r>
-              <a:rPr lang="en-US" dirty="0" smtClean="0"/>
-              <a:t> UML)</a:t>
+              <a:rPr lang="en-US" dirty="0" smtClean="0">
+                <a:solidFill>
+                  <a:srgbClr val="FF0000"/>
+                </a:solidFill>
+              </a:rPr>
+              <a:t>There will always be something to implement in the IB</a:t>
+            </a:r>
+          </a:p>
+          <a:p>
+            <a:pPr lvl="1"/>
+            <a:r>
+              <a:rPr lang="en-US" dirty="0" smtClean="0">
+                <a:solidFill>
+                  <a:srgbClr val="FF0000"/>
+                </a:solidFill>
+              </a:rPr>
+              <a:t>User-friendly information about infrastructure</a:t>
+            </a:r>
+          </a:p>
+          <a:p>
+            <a:pPr lvl="2"/>
+            <a:r>
+              <a:rPr lang="en-US" dirty="0" smtClean="0">
+                <a:solidFill>
+                  <a:srgbClr val="FF0000"/>
+                </a:solidFill>
+              </a:rPr>
+              <a:t>Depends heavily on semantics (the service), so this should be </a:t>
+            </a:r>
+            <a:r>
+              <a:rPr lang="en-US" dirty="0" err="1" smtClean="0">
+                <a:solidFill>
+                  <a:srgbClr val="FF0000"/>
+                </a:solidFill>
+              </a:rPr>
+              <a:t>pluginable</a:t>
+            </a:r>
+            <a:r>
+              <a:rPr lang="en-US" dirty="0" smtClean="0">
+                <a:solidFill>
+                  <a:srgbClr val="FF0000"/>
+                </a:solidFill>
+              </a:rPr>
+              <a:t> and </a:t>
+            </a:r>
+            <a:r>
+              <a:rPr lang="en-US" dirty="0" err="1" smtClean="0">
+                <a:solidFill>
+                  <a:srgbClr val="FF0000"/>
+                </a:solidFill>
+              </a:rPr>
+              <a:t>specifyable</a:t>
+            </a:r>
+            <a:r>
+              <a:rPr lang="en-US" dirty="0" smtClean="0">
+                <a:solidFill>
+                  <a:srgbClr val="FF0000"/>
+                </a:solidFill>
+              </a:rPr>
+              <a:t> in the node definition (analogous to synchronization).</a:t>
+            </a:r>
+          </a:p>
+          <a:p>
+            <a:pPr lvl="2"/>
+            <a:r>
+              <a:rPr lang="en-US" dirty="0" smtClean="0">
+                <a:solidFill>
+                  <a:srgbClr val="FF0000"/>
+                </a:solidFill>
+              </a:rPr>
+              <a:t>This affects other components too.</a:t>
+            </a:r>
+          </a:p>
+          <a:p>
+            <a:pPr lvl="1"/>
+            <a:r>
+              <a:rPr lang="en-US" dirty="0" smtClean="0">
+                <a:solidFill>
+                  <a:srgbClr val="FF0000"/>
+                </a:solidFill>
+              </a:rPr>
+              <a:t>Error information</a:t>
+            </a:r>
+          </a:p>
+          <a:p>
+            <a:pPr lvl="2"/>
+            <a:r>
+              <a:rPr lang="en-US" dirty="0" smtClean="0">
+                <a:solidFill>
+                  <a:srgbClr val="FF0000"/>
+                </a:solidFill>
+              </a:rPr>
+              <a:t>Querying logs, console output, etc.</a:t>
+            </a:r>
+          </a:p>
+          <a:p>
+            <a:pPr lvl="2"/>
+            <a:r>
+              <a:rPr lang="en-US" dirty="0" smtClean="0">
+                <a:solidFill>
+                  <a:srgbClr val="FF0000"/>
+                </a:solidFill>
+              </a:rPr>
+              <a:t>Very important for proper debugging of node definitions.</a:t>
+            </a:r>
+          </a:p>
+          <a:p>
+            <a:pPr lvl="2"/>
+            <a:r>
+              <a:rPr lang="en-US" dirty="0" smtClean="0">
+                <a:solidFill>
+                  <a:srgbClr val="FF0000"/>
+                </a:solidFill>
+              </a:rPr>
+              <a:t>Again, strongly coupled with backend type/service.</a:t>
+            </a:r>
+          </a:p>
+          <a:p>
+            <a:pPr lvl="2"/>
+            <a:r>
+              <a:rPr lang="en-US" dirty="0" smtClean="0">
+                <a:solidFill>
+                  <a:srgbClr val="FF0000"/>
+                </a:solidFill>
+              </a:rPr>
+              <a:t>See also: </a:t>
+            </a:r>
+            <a:r>
+              <a:rPr lang="en-US" dirty="0" err="1" smtClean="0">
+                <a:solidFill>
+                  <a:srgbClr val="FF0000"/>
+                </a:solidFill>
+              </a:rPr>
+              <a:t>InfraProcessor</a:t>
+            </a:r>
+            <a:endParaRPr lang="en-US" dirty="0" smtClean="0">
+              <a:solidFill>
+                <a:srgbClr val="FF0000"/>
+              </a:solidFill>
+            </a:endParaRPr>
+          </a:p>
+          <a:p>
+            <a:pPr lvl="1"/>
+            <a:r>
+              <a:rPr lang="en-US" dirty="0" smtClean="0">
+                <a:solidFill>
+                  <a:srgbClr val="FF0000"/>
+                </a:solidFill>
+              </a:rPr>
+              <a:t>Caching (maybe not needed inside OCCO – should rather be done in a layer between UI and OCCO)</a:t>
+            </a:r>
+          </a:p>
+          <a:p>
+            <a:pPr lvl="1"/>
+            <a:r>
+              <a:rPr lang="en-US" dirty="0" err="1" smtClean="0">
+                <a:solidFill>
+                  <a:srgbClr val="FF0000"/>
+                </a:solidFill>
+              </a:rPr>
+              <a:t>Sharding</a:t>
+            </a:r>
+            <a:r>
+              <a:rPr lang="en-US" dirty="0" smtClean="0">
+                <a:solidFill>
+                  <a:srgbClr val="FF0000"/>
+                </a:solidFill>
+              </a:rPr>
+              <a:t> (simple to implement, in the general Provider; may not be optional)</a:t>
             </a:r>
           </a:p>
         </p:txBody>
@@ -5277,10 +5458,83 @@
           <a:p>
             <a:pPr lvl="1"/>
             <a:r>
-              <a:rPr lang="en-US" dirty="0" smtClean="0"/>
-              <a:t>No schema checking, no validation</a:t>
-            </a:r>
-            <a:endParaRPr lang="en-US" dirty="0"/>
+              <a:rPr lang="en-US" dirty="0" smtClean="0">
+                <a:solidFill>
+                  <a:srgbClr val="FF0000"/>
+                </a:solidFill>
+              </a:rPr>
+              <a:t>No schema checking, no </a:t>
+            </a:r>
+            <a:r>
+              <a:rPr lang="en-US" dirty="0">
+                <a:solidFill>
+                  <a:srgbClr val="FF0000"/>
+                </a:solidFill>
+              </a:rPr>
+              <a:t>validation (</a:t>
+            </a:r>
+            <a:r>
+              <a:rPr lang="en-US" dirty="0" smtClean="0">
+                <a:solidFill>
+                  <a:srgbClr val="FF0000"/>
+                </a:solidFill>
+              </a:rPr>
+              <a:t>P1)</a:t>
+            </a:r>
+          </a:p>
+          <a:p>
+            <a:pPr lvl="2"/>
+            <a:r>
+              <a:rPr lang="en-US" dirty="0" smtClean="0">
+                <a:solidFill>
+                  <a:srgbClr val="FF0000"/>
+                </a:solidFill>
+              </a:rPr>
+              <a:t>If input is generated, this is only necessary for testing and easier development</a:t>
+            </a:r>
+          </a:p>
+          <a:p>
+            <a:pPr lvl="1"/>
+            <a:r>
+              <a:rPr lang="en-US" dirty="0" smtClean="0">
+                <a:solidFill>
+                  <a:srgbClr val="FF0000"/>
+                </a:solidFill>
+              </a:rPr>
+              <a:t>Currently, variables are static data (P2)</a:t>
+            </a:r>
+          </a:p>
+          <a:p>
+            <a:pPr lvl="2"/>
+            <a:r>
+              <a:rPr lang="en-US" dirty="0" smtClean="0">
+                <a:solidFill>
+                  <a:srgbClr val="FF0000"/>
+                </a:solidFill>
+              </a:rPr>
+              <a:t>Referencing other variables and dynamic information (</a:t>
+            </a:r>
+            <a:r>
+              <a:rPr lang="en-US" dirty="0" err="1" smtClean="0">
+                <a:solidFill>
+                  <a:srgbClr val="FF0000"/>
+                </a:solidFill>
+              </a:rPr>
+              <a:t>ibget</a:t>
+            </a:r>
+            <a:r>
+              <a:rPr lang="en-US" dirty="0" smtClean="0">
+                <a:solidFill>
+                  <a:srgbClr val="FF0000"/>
+                </a:solidFill>
+              </a:rPr>
+              <a:t>) needs a semantic sorting, in which order variables can be evaluated</a:t>
+            </a:r>
+            <a:endParaRPr lang="en-US" dirty="0">
+              <a:solidFill>
+                <a:srgbClr val="FF0000"/>
+              </a:solidFill>
+            </a:endParaRPr>
           </a:p>
         </p:txBody>
       </p:sp>
@@ -5356,7 +5610,9 @@
         </p:nvSpPr>
         <p:spPr/>
         <p:txBody>
-          <a:bodyPr/>
+          <a:bodyPr>
+            <a:normAutofit fontScale="92500" lnSpcReduction="10000"/>
+          </a:bodyPr>
           <a:lstStyle/>
           <a:p>
             <a:r>
@@ -5493,7 +5749,81 @@
               <a:rPr lang="en-US" b="1" dirty="0" err="1" smtClean="0"/>
               <a:t>InfraProcessor</a:t>
             </a:r>
-            <a:endParaRPr lang="en-US" b="1" dirty="0"/>
+            <a:endParaRPr lang="en-US" b="1" dirty="0" smtClean="0"/>
+          </a:p>
+          <a:p>
+            <a:endParaRPr lang="en-US" dirty="0" smtClean="0"/>
+          </a:p>
+          <a:p>
+            <a:r>
+              <a:rPr lang="en-US" dirty="0" smtClean="0"/>
+              <a:t>Changeable component</a:t>
+            </a:r>
+          </a:p>
+          <a:p>
+            <a:pPr lvl="1"/>
+            <a:r>
+              <a:rPr lang="en-US" dirty="0" smtClean="0">
+                <a:solidFill>
+                  <a:srgbClr val="FF0000"/>
+                </a:solidFill>
+              </a:rPr>
+              <a:t>New behavior</a:t>
+            </a:r>
+            <a:r>
+              <a:rPr lang="en-US" dirty="0" smtClean="0"/>
+              <a:t> can be implemented </a:t>
+            </a:r>
+            <a:r>
+              <a:rPr lang="en-US" b="1" dirty="0" smtClean="0"/>
+              <a:t>if necessary (P1)</a:t>
+            </a:r>
+            <a:endParaRPr lang="en-US" dirty="0" smtClean="0"/>
+          </a:p>
+          <a:p>
+            <a:pPr lvl="2"/>
+            <a:r>
+              <a:rPr lang="en-US" dirty="0" smtClean="0">
+                <a:solidFill>
+                  <a:srgbClr val="FF0000"/>
+                </a:solidFill>
+              </a:rPr>
+              <a:t>Event-based</a:t>
+            </a:r>
+          </a:p>
+          <a:p>
+            <a:pPr lvl="2"/>
+            <a:r>
+              <a:rPr lang="en-US" dirty="0" smtClean="0">
+                <a:solidFill>
+                  <a:srgbClr val="FF0000"/>
+                </a:solidFill>
+              </a:rPr>
+              <a:t>Externally controlled</a:t>
+            </a:r>
+          </a:p>
+          <a:p>
+            <a:pPr lvl="2"/>
+            <a:r>
+              <a:rPr lang="en-US" dirty="0" smtClean="0">
+                <a:solidFill>
+                  <a:srgbClr val="FF0000"/>
+                </a:solidFill>
+              </a:rPr>
+              <a:t>More complex decisions</a:t>
+            </a:r>
+          </a:p>
+          <a:p>
+            <a:pPr lvl="2"/>
+            <a:r>
+              <a:rPr lang="en-US" dirty="0"/>
+              <a:t>e</a:t>
+            </a:r>
+            <a:r>
+              <a:rPr lang="en-US" dirty="0" smtClean="0"/>
+              <a:t>tc.</a:t>
+            </a:r>
+            <a:endParaRPr lang="en-US" dirty="0"/>
           </a:p>
         </p:txBody>
       </p:sp>
@@ -5570,7 +5900,7 @@
         <p:spPr/>
         <p:txBody>
           <a:bodyPr>
-            <a:normAutofit/>
+            <a:normAutofit fontScale="62500" lnSpcReduction="20000"/>
           </a:bodyPr>
           <a:lstStyle/>
           <a:p>
@@ -5625,6 +5955,27 @@
             </a:r>
           </a:p>
           <a:p>
+            <a:pPr lvl="1"/>
+            <a:r>
+              <a:rPr lang="en-US" dirty="0" smtClean="0"/>
+              <a:t>When creating a node, waits for the service to become available</a:t>
+            </a:r>
+          </a:p>
+          <a:p>
+            <a:pPr lvl="2"/>
+            <a:r>
+              <a:rPr lang="en-US" dirty="0" smtClean="0"/>
+              <a:t>Multiple strategies</a:t>
+            </a:r>
+          </a:p>
+          <a:p>
+            <a:pPr lvl="2"/>
+            <a:r>
+              <a:rPr lang="en-US" dirty="0" smtClean="0"/>
+              <a:t>The strategy required is specified in the node definition</a:t>
+            </a:r>
+          </a:p>
+          <a:p>
             <a:r>
               <a:rPr lang="en-US" dirty="0" smtClean="0"/>
               <a:t>One </a:t>
@@ -5667,6 +6018,141 @@
             <a:r>
               <a:rPr lang="en-US" dirty="0" smtClean="0"/>
               <a:t>The next list in the sequence will be performed only after the previous list has finished</a:t>
+            </a:r>
+          </a:p>
+          <a:p>
+            <a:r>
+              <a:rPr lang="en-US" dirty="0" smtClean="0">
+                <a:solidFill>
+                  <a:srgbClr val="FF0000"/>
+                </a:solidFill>
+              </a:rPr>
+              <a:t>Missing features</a:t>
+            </a:r>
+          </a:p>
+          <a:p>
+            <a:pPr lvl="1"/>
+            <a:r>
+              <a:rPr lang="en-US" dirty="0" smtClean="0">
+                <a:solidFill>
+                  <a:srgbClr val="FF0000"/>
+                </a:solidFill>
+              </a:rPr>
+              <a:t>Error handling, timeout (P4)</a:t>
+            </a:r>
+          </a:p>
+          <a:p>
+            <a:pPr lvl="2"/>
+            <a:r>
+              <a:rPr lang="en-US" dirty="0" smtClean="0">
+                <a:solidFill>
+                  <a:srgbClr val="FF0000"/>
+                </a:solidFill>
+              </a:rPr>
+              <a:t>Distinguish fatal and transient errors</a:t>
+            </a:r>
+          </a:p>
+          <a:p>
+            <a:pPr lvl="3"/>
+            <a:r>
+              <a:rPr lang="en-US" dirty="0">
+                <a:solidFill>
+                  <a:srgbClr val="FF0000"/>
+                </a:solidFill>
+              </a:rPr>
+              <a:t>E</a:t>
+            </a:r>
+            <a:r>
+              <a:rPr lang="en-US" dirty="0" smtClean="0">
+                <a:solidFill>
+                  <a:srgbClr val="FF0000"/>
+                </a:solidFill>
+              </a:rPr>
+              <a:t>rrors that the backend reports, but will retry automatically, can be waited upon</a:t>
+            </a:r>
+          </a:p>
+          <a:p>
+            <a:pPr lvl="3"/>
+            <a:r>
+              <a:rPr lang="en-US" dirty="0" smtClean="0">
+                <a:solidFill>
+                  <a:srgbClr val="FF0000"/>
+                </a:solidFill>
+              </a:rPr>
+              <a:t>Errors that the backend cannot handle must be treated as critical errors</a:t>
+            </a:r>
+          </a:p>
+          <a:p>
+            <a:pPr lvl="4"/>
+            <a:r>
+              <a:rPr lang="en-US" dirty="0" smtClean="0">
+                <a:solidFill>
+                  <a:srgbClr val="FF0000"/>
+                </a:solidFill>
+              </a:rPr>
+              <a:t>How to handle critical errors? Tear down the infrastructure? Notify user and wait for manual intervention (maybe teardown, but not automatically)?</a:t>
+            </a:r>
+          </a:p>
+          <a:p>
+            <a:pPr lvl="2"/>
+            <a:r>
+              <a:rPr lang="en-US" dirty="0" smtClean="0">
+                <a:solidFill>
+                  <a:srgbClr val="FF0000"/>
+                </a:solidFill>
+              </a:rPr>
+              <a:t>Error information (P3)</a:t>
+            </a:r>
+          </a:p>
+          <a:p>
+            <a:pPr lvl="3"/>
+            <a:r>
+              <a:rPr lang="en-US" dirty="0" smtClean="0">
+                <a:solidFill>
+                  <a:srgbClr val="FF0000"/>
+                </a:solidFill>
+              </a:rPr>
+              <a:t>Many sources: error responses of course, log files on VMs, logs in the hypervisor, console output on VM, etc.</a:t>
+            </a:r>
+          </a:p>
+          <a:p>
+            <a:pPr lvl="1"/>
+            <a:r>
+              <a:rPr lang="en-US" dirty="0" smtClean="0">
+                <a:solidFill>
+                  <a:srgbClr val="FF0000"/>
+                </a:solidFill>
+              </a:rPr>
+              <a:t>Cancellation (P5)</a:t>
+            </a:r>
+          </a:p>
+          <a:p>
+            <a:pPr lvl="2"/>
+            <a:r>
+              <a:rPr lang="en-US" dirty="0" smtClean="0">
+                <a:solidFill>
+                  <a:srgbClr val="FF0000"/>
+                </a:solidFill>
+              </a:rPr>
+              <a:t>Resource allocation transaction</a:t>
+            </a:r>
+          </a:p>
+          <a:p>
+            <a:pPr lvl="3"/>
+            <a:r>
+              <a:rPr lang="en-US" dirty="0" smtClean="0"/>
+              <a:t>When an error or cancellation happens during node creation, resources already allocated must be freed to avoid leaking</a:t>
+            </a:r>
+          </a:p>
+          <a:p>
+            <a:pPr lvl="1"/>
+            <a:r>
+              <a:rPr lang="en-US" dirty="0" smtClean="0">
+                <a:solidFill>
+                  <a:srgbClr val="FF0000"/>
+                </a:solidFill>
+              </a:rPr>
+              <a:t>Multiprocessing (P4)</a:t>
             </a:r>
           </a:p>
         </p:txBody>
@@ -5743,7 +6229,9 @@
         </p:nvSpPr>
         <p:spPr/>
         <p:txBody>
-          <a:bodyPr/>
+          <a:bodyPr>
+            <a:normAutofit fontScale="85000" lnSpcReduction="10000"/>
+          </a:bodyPr>
           <a:lstStyle/>
           <a:p>
             <a:r>
@@ -5808,7 +6296,15 @@
           <a:p>
             <a:r>
               <a:rPr lang="en-US" dirty="0" smtClean="0"/>
-              <a:t>For each class of backend clouds a cloud handler must be implemented</a:t>
+              <a:t>For each </a:t>
+            </a:r>
+            <a:r>
+              <a:rPr lang="en-US" i="1" dirty="0" smtClean="0"/>
+              <a:t>class</a:t>
+            </a:r>
+            <a:r>
+              <a:rPr lang="en-US" dirty="0" smtClean="0"/>
+              <a:t> of backend clouds a cloud handler must be implemented</a:t>
             </a:r>
           </a:p>
           <a:p>
@@ -5834,16 +6330,13 @@
           <a:p>
             <a:r>
               <a:rPr lang="en-US" dirty="0" smtClean="0"/>
-              <a:t>Not VM specific; not even </a:t>
+              <a:t>Not about VMs; not even about </a:t>
             </a:r>
             <a:r>
               <a:rPr lang="en-US" i="1" dirty="0" smtClean="0"/>
               <a:t>cloud</a:t>
             </a:r>
-            <a:r>
-              <a:rPr lang="en-US" dirty="0" smtClean="0"/>
-              <a:t> specific</a:t>
-            </a:r>
+            <a:endParaRPr lang="en-US" dirty="0" smtClean="0"/>
           </a:p>
           <a:p>
             <a:pPr lvl="1"/>
@@ -5896,6 +6389,46 @@
             <a:r>
               <a:rPr lang="en-US" dirty="0" smtClean="0"/>
               <a:t> processes, whatever…</a:t>
+            </a:r>
+          </a:p>
+          <a:p>
+            <a:pPr lvl="1"/>
+            <a:r>
+              <a:rPr lang="en-US" b="1" dirty="0" err="1" smtClean="0"/>
+              <a:t>ResourceHandler</a:t>
+            </a:r>
+            <a:r>
+              <a:rPr lang="en-US" dirty="0" smtClean="0"/>
+              <a:t> would be a much suitable name</a:t>
+            </a:r>
+          </a:p>
+          <a:p>
+            <a:r>
+              <a:rPr lang="en-US" dirty="0" smtClean="0">
+                <a:solidFill>
+                  <a:srgbClr val="FF0000"/>
+                </a:solidFill>
+              </a:rPr>
+              <a:t>Missing features</a:t>
+            </a:r>
+          </a:p>
+          <a:p>
+            <a:pPr lvl="1"/>
+            <a:r>
+              <a:rPr lang="en-US" dirty="0" smtClean="0"/>
+              <a:t>Multi-tenancy: plugins are already supported, but there is no </a:t>
+            </a:r>
+            <a:r>
+              <a:rPr lang="en-US" dirty="0" smtClean="0">
+                <a:solidFill>
+                  <a:srgbClr val="FF0000"/>
+                </a:solidFill>
+              </a:rPr>
+              <a:t>dispatching (P2)</a:t>
+            </a:r>
+            <a:r>
+              <a:rPr lang="en-US" dirty="0" smtClean="0"/>
+              <a:t> among them at the code level. This can be worked around using a MQ, but a dispatcher would be better for testing.</a:t>
             </a:r>
             <a:endParaRPr lang="en-US" dirty="0"/>
           </a:p>
@@ -6252,7 +6785,9 @@
         </p:nvSpPr>
         <p:spPr/>
         <p:txBody>
-          <a:bodyPr/>
+          <a:bodyPr>
+            <a:normAutofit fontScale="85000" lnSpcReduction="20000"/>
+          </a:bodyPr>
           <a:lstStyle/>
           <a:p>
             <a:r>
@@ -6277,13 +6812,234 @@
           <a:p>
             <a:r>
               <a:rPr lang="en-US" dirty="0" smtClean="0"/>
-              <a:t>This will be Chef at first; can be extended later.</a:t>
-            </a:r>
-          </a:p>
-          <a:p>
-            <a:r>
-              <a:rPr lang="en-US" dirty="0" smtClean="0"/>
-              <a:t>Details TBA</a:t>
+              <a:t>Chef plugin has been created, mostly works</a:t>
+            </a:r>
+          </a:p>
+          <a:p>
+            <a:r>
+              <a:rPr lang="en-US" dirty="0" smtClean="0">
+                <a:solidFill>
+                  <a:srgbClr val="FF0000"/>
+                </a:solidFill>
+              </a:rPr>
+              <a:t>Missing features</a:t>
+            </a:r>
+          </a:p>
+          <a:p>
+            <a:pPr lvl="1"/>
+            <a:r>
+              <a:rPr lang="en-US" dirty="0" smtClean="0">
+                <a:solidFill>
+                  <a:srgbClr val="000000"/>
+                </a:solidFill>
+              </a:rPr>
+              <a:t>Like the </a:t>
+            </a:r>
+            <a:r>
+              <a:rPr lang="en-US" dirty="0" err="1" smtClean="0">
+                <a:solidFill>
+                  <a:srgbClr val="000000"/>
+                </a:solidFill>
+              </a:rPr>
+              <a:t>CloudHandler</a:t>
+            </a:r>
+            <a:r>
+              <a:rPr lang="en-US" dirty="0" smtClean="0">
+                <a:solidFill>
+                  <a:srgbClr val="000000"/>
+                </a:solidFill>
+              </a:rPr>
+              <a:t>: no </a:t>
+            </a:r>
+            <a:r>
+              <a:rPr lang="en-US" dirty="0" smtClean="0">
+                <a:solidFill>
+                  <a:srgbClr val="FF0000"/>
+                </a:solidFill>
+              </a:rPr>
+              <a:t>dispatching (P2)</a:t>
+            </a:r>
+          </a:p>
+          <a:p>
+            <a:pPr lvl="1"/>
+            <a:r>
+              <a:rPr lang="en-US" dirty="0" smtClean="0">
+                <a:solidFill>
+                  <a:srgbClr val="000000"/>
+                </a:solidFill>
+              </a:rPr>
+              <a:t>Chef feature: </a:t>
+            </a:r>
+            <a:r>
+              <a:rPr lang="en-US" dirty="0" smtClean="0">
+                <a:solidFill>
+                  <a:srgbClr val="FF0000"/>
+                </a:solidFill>
+              </a:rPr>
+              <a:t>cookbook version specification</a:t>
+            </a:r>
+            <a:r>
+              <a:rPr lang="en-US" dirty="0" smtClean="0">
+                <a:solidFill>
+                  <a:srgbClr val="000000"/>
+                </a:solidFill>
+              </a:rPr>
+              <a:t> in the Chef environment (P4)</a:t>
+            </a:r>
+          </a:p>
+          <a:p>
+            <a:pPr lvl="2"/>
+            <a:r>
+              <a:rPr lang="en-US" dirty="0" smtClean="0">
+                <a:solidFill>
+                  <a:srgbClr val="000000"/>
+                </a:solidFill>
+              </a:rPr>
+              <a:t>Problem: contradicting node definitions (P1)</a:t>
+            </a:r>
+          </a:p>
+          <a:p>
+            <a:pPr lvl="2"/>
+            <a:r>
+              <a:rPr lang="en-US" dirty="0" smtClean="0">
+                <a:solidFill>
+                  <a:srgbClr val="000000"/>
+                </a:solidFill>
+              </a:rPr>
+              <a:t>Possible solutions:</a:t>
+            </a:r>
+          </a:p>
+          <a:p>
+            <a:pPr lvl="3"/>
+            <a:r>
+              <a:rPr lang="en-US" dirty="0" smtClean="0">
+                <a:solidFill>
+                  <a:srgbClr val="000000"/>
+                </a:solidFill>
+              </a:rPr>
+              <a:t>Wrapper cookbooks containing version constraints (tight coupling of wrapper cookbooks to node definitions)</a:t>
+            </a:r>
+          </a:p>
+          <a:p>
+            <a:pPr lvl="4"/>
+            <a:r>
+              <a:rPr lang="en-US" dirty="0" smtClean="0">
+                <a:solidFill>
+                  <a:srgbClr val="000000"/>
+                </a:solidFill>
+              </a:rPr>
+              <a:t>More reliability (use tested, verified constellations of cookbooks)</a:t>
+            </a:r>
+          </a:p>
+          <a:p>
+            <a:pPr lvl="4"/>
+            <a:r>
+              <a:rPr lang="en-US" dirty="0" smtClean="0">
+                <a:solidFill>
+                  <a:srgbClr val="000000"/>
+                </a:solidFill>
+              </a:rPr>
+              <a:t>Less reusability (version constraints specific to that node definition)</a:t>
+            </a:r>
+          </a:p>
+          <a:p>
+            <a:pPr lvl="3"/>
+            <a:r>
+              <a:rPr lang="en-US" dirty="0" smtClean="0">
+                <a:solidFill>
+                  <a:srgbClr val="000000"/>
+                </a:solidFill>
+              </a:rPr>
+              <a:t>Other, offline </a:t>
+            </a:r>
+            <a:r>
+              <a:rPr lang="en-US" dirty="0" err="1" smtClean="0">
+                <a:solidFill>
+                  <a:srgbClr val="000000"/>
+                </a:solidFill>
+              </a:rPr>
+              <a:t>vendoring</a:t>
+            </a:r>
+            <a:r>
+              <a:rPr lang="en-US" dirty="0" smtClean="0">
+                <a:solidFill>
+                  <a:srgbClr val="000000"/>
+                </a:solidFill>
+              </a:rPr>
+              <a:t> strategies (chef solo, </a:t>
+            </a:r>
+            <a:r>
+              <a:rPr lang="en-US" dirty="0" err="1" smtClean="0">
+                <a:solidFill>
+                  <a:srgbClr val="000000"/>
+                </a:solidFill>
+              </a:rPr>
+              <a:t>berkshelf</a:t>
+            </a:r>
+            <a:r>
+              <a:rPr lang="en-US" dirty="0">
+                <a:solidFill>
+                  <a:srgbClr val="000000"/>
+                </a:solidFill>
+              </a:rPr>
+              <a:t> </a:t>
+            </a:r>
+            <a:r>
+              <a:rPr lang="en-US" dirty="0" smtClean="0">
+                <a:solidFill>
+                  <a:srgbClr val="000000"/>
+                </a:solidFill>
+              </a:rPr>
+              <a:t>– tight coupling of a specific set of cookbooks to the node definition)</a:t>
+            </a:r>
+          </a:p>
+          <a:p>
+            <a:pPr lvl="4"/>
+            <a:r>
+              <a:rPr lang="en-US" dirty="0" smtClean="0">
+                <a:solidFill>
+                  <a:srgbClr val="000000"/>
+                </a:solidFill>
+              </a:rPr>
+              <a:t>No central server – no environment</a:t>
+            </a:r>
+          </a:p>
+          <a:p>
+            <a:pPr lvl="4"/>
+            <a:r>
+              <a:rPr lang="en-US" dirty="0" smtClean="0">
+                <a:solidFill>
+                  <a:srgbClr val="000000"/>
+                </a:solidFill>
+              </a:rPr>
+              <a:t>Therefore, no dynamic connecting, reconnecting, currently no possibility to handle failures</a:t>
+            </a:r>
+          </a:p>
+          <a:p>
+            <a:pPr lvl="4"/>
+            <a:r>
+              <a:rPr lang="en-US" dirty="0" smtClean="0">
+                <a:solidFill>
+                  <a:srgbClr val="000000"/>
+                </a:solidFill>
+              </a:rPr>
+              <a:t>Static connections (fix </a:t>
+            </a:r>
+            <a:r>
+              <a:rPr lang="en-US" dirty="0" err="1" smtClean="0">
+                <a:solidFill>
+                  <a:srgbClr val="000000"/>
+                </a:solidFill>
+              </a:rPr>
+              <a:t>ipaddress</a:t>
+            </a:r>
+            <a:r>
+              <a:rPr lang="en-US" dirty="0" smtClean="0">
+                <a:solidFill>
+                  <a:srgbClr val="000000"/>
+                </a:solidFill>
+              </a:rPr>
+              <a:t>, e.g.) still work</a:t>
             </a:r>
           </a:p>
         </p:txBody>
@@ -6342,7 +7098,7 @@
           <a:p>
             <a:r>
               <a:rPr lang="en-US" dirty="0" smtClean="0"/>
-              <a:t>Development Environment</a:t>
+              <a:t>API</a:t>
             </a:r>
             <a:endParaRPr lang="en-US" dirty="0"/>
           </a:p>
@@ -6360,260 +7116,132 @@
         </p:nvSpPr>
         <p:spPr/>
         <p:txBody>
-          <a:bodyPr>
-            <a:normAutofit fontScale="92500" lnSpcReduction="10000"/>
-          </a:bodyPr>
+          <a:bodyPr/>
           <a:lstStyle/>
           <a:p>
             <a:r>
               <a:rPr lang="en-US" dirty="0" smtClean="0"/>
-              <a:t>Python 2.7</a:t>
-            </a:r>
-          </a:p>
-          <a:p>
+              <a:t>CLI</a:t>
+            </a:r>
+          </a:p>
+          <a:p>
+            <a:pPr lvl="1"/>
+            <a:r>
+              <a:rPr lang="en-US" dirty="0" smtClean="0"/>
+              <a:t>Main: </a:t>
+            </a:r>
             <a:r>
               <a:rPr lang="en-US" dirty="0" err="1" smtClean="0"/>
-              <a:t>Git</a:t>
-            </a:r>
-            <a:r>
-              <a:rPr lang="en-US" dirty="0"/>
-              <a:t> [</a:t>
-            </a:r>
-            <a:r>
-              <a:rPr lang="en-US" dirty="0">
-                <a:hlinkClick r:id="rId2"/>
-              </a:rPr>
-              <a:t>https://</a:t>
-            </a:r>
-            <a:r>
-              <a:rPr lang="en-US" dirty="0" err="1">
-                <a:hlinkClick r:id="rId2"/>
-              </a:rPr>
-              <a:t>gitlab.lpds.sztaki.hu</a:t>
-            </a:r>
-            <a:r>
-              <a:rPr lang="en-US" dirty="0">
-                <a:hlinkClick r:id="rId2"/>
-              </a:rPr>
-              <a:t>/groups/cloud-</a:t>
-            </a:r>
+              <a:t>infrastart</a:t>
+            </a:r>
+            <a:r>
+              <a:rPr lang="en-US" dirty="0" smtClean="0"/>
+              <a:t>, </a:t>
+            </a:r>
+            <a:r>
+              <a:rPr lang="en-US" dirty="0" err="1" smtClean="0"/>
+              <a:t>infrastop</a:t>
+            </a:r>
+            <a:r>
+              <a:rPr lang="en-US" dirty="0" smtClean="0"/>
+              <a:t>, </a:t>
+            </a:r>
+            <a:r>
+              <a:rPr lang="en-US" dirty="0" err="1" smtClean="0"/>
+              <a:t>nodestart</a:t>
+            </a:r>
+            <a:r>
+              <a:rPr lang="en-US" dirty="0" smtClean="0"/>
+              <a:t>, </a:t>
+            </a:r>
+            <a:r>
+              <a:rPr lang="en-US" dirty="0" err="1" smtClean="0"/>
+              <a:t>nodestop</a:t>
+            </a:r>
+            <a:r>
+              <a:rPr lang="en-US" dirty="0" smtClean="0"/>
+              <a:t>, </a:t>
+            </a:r>
+            <a:r>
+              <a:rPr lang="en-US" dirty="0" err="1" smtClean="0"/>
+              <a:t>ibclient</a:t>
+            </a:r>
+            <a:r>
+              <a:rPr lang="en-US" dirty="0" smtClean="0"/>
+              <a:t>, </a:t>
+            </a:r>
+            <a:r>
+              <a:rPr lang="en-US" dirty="0" err="1" smtClean="0"/>
+              <a:t>listnodes</a:t>
+            </a:r>
+            <a:endParaRPr lang="en-US" dirty="0" smtClean="0"/>
+          </a:p>
+          <a:p>
+            <a:pPr lvl="1"/>
+            <a:r>
+              <a:rPr lang="en-US" dirty="0" smtClean="0"/>
+              <a:t>Aux: </a:t>
+            </a:r>
+            <a:r>
+              <a:rPr lang="en-US" dirty="0" err="1" smtClean="0"/>
+              <a:t>redisload</a:t>
+            </a:r>
+            <a:r>
+              <a:rPr lang="en-US" dirty="0" smtClean="0"/>
+              <a:t>, </a:t>
+            </a:r>
+            <a:r>
+              <a:rPr lang="en-US" dirty="0" err="1" smtClean="0"/>
+              <a:t>redisload</a:t>
+            </a:r>
+            <a:endParaRPr lang="en-US" dirty="0" smtClean="0"/>
+          </a:p>
+          <a:p>
+            <a:r>
+              <a:rPr lang="en-US" dirty="0" smtClean="0"/>
+              <a:t>Remote API</a:t>
+            </a:r>
+          </a:p>
+          <a:p>
+            <a:pPr lvl="1"/>
+            <a:r>
+              <a:rPr lang="en-US" dirty="0" err="1" smtClean="0"/>
+              <a:t>manager_service</a:t>
+            </a:r>
+            <a:endParaRPr lang="en-US" dirty="0" smtClean="0"/>
+          </a:p>
+          <a:p>
+            <a:pPr lvl="2"/>
             <a:r>
               <a:rPr lang="en-US" dirty="0" smtClean="0">
-                <a:hlinkClick r:id="rId2"/>
-              </a:rPr>
-              <a:t>orchestrator</a:t>
-            </a:r>
-            <a:r>
-              <a:rPr lang="en-US" dirty="0" smtClean="0"/>
-              <a:t>]</a:t>
-            </a:r>
-          </a:p>
-          <a:p>
-            <a:r>
-              <a:rPr lang="en-US" dirty="0" err="1" smtClean="0"/>
-              <a:t>Jira</a:t>
-            </a:r>
-            <a:r>
-              <a:rPr lang="en-US" dirty="0" smtClean="0"/>
-              <a:t> [</a:t>
-            </a:r>
+                <a:solidFill>
+                  <a:srgbClr val="FF0000"/>
+                </a:solidFill>
+              </a:rPr>
+              <a:t>Authentication, authorization (P5); UI/application will be responsible</a:t>
+            </a:r>
+          </a:p>
+          <a:p>
+            <a:pPr lvl="2"/>
             <a:r>
               <a:rPr lang="en-US" dirty="0" smtClean="0">
-                <a:hlinkClick r:id="rId3"/>
-              </a:rPr>
-              <a:t>https://jira.lpds.sztaki.hu/browse/OCD</a:t>
-            </a:r>
-            <a:r>
-              <a:rPr lang="en-US" dirty="0" smtClean="0"/>
-              <a:t>]</a:t>
-            </a:r>
-          </a:p>
-          <a:p>
-            <a:r>
-              <a:rPr lang="en-US" dirty="0"/>
-              <a:t>Documentation [</a:t>
-            </a:r>
-            <a:r>
-              <a:rPr lang="en-US" dirty="0">
-                <a:hlinkClick r:id="rId4"/>
-              </a:rPr>
-              <a:t>http:/</a:t>
-            </a:r>
-            <a:r>
-              <a:rPr lang="en-US" dirty="0" smtClean="0">
-                <a:hlinkClick r:id="rId4"/>
-              </a:rPr>
-              <a:t>/c153-33.localcloud/</a:t>
-            </a:r>
-            <a:r>
-              <a:rPr lang="en-US" dirty="0">
-                <a:hlinkClick r:id="rId4"/>
-              </a:rPr>
-              <a:t>util-doc/util.html</a:t>
-            </a:r>
-            <a:r>
-              <a:rPr lang="en-US" dirty="0" smtClean="0"/>
-              <a:t>]</a:t>
-            </a:r>
-          </a:p>
-          <a:p>
-            <a:pPr lvl="1"/>
-            <a:r>
-              <a:rPr lang="en-US" dirty="0" smtClean="0"/>
-              <a:t>Sphinx, </a:t>
-            </a:r>
-            <a:r>
-              <a:rPr lang="en-US" dirty="0" err="1" smtClean="0"/>
-              <a:t>docstrings</a:t>
+                <a:solidFill>
+                  <a:srgbClr val="FF0000"/>
+                </a:solidFill>
+              </a:rPr>
+              <a:t>Listing, querying, etc. (P4)</a:t>
             </a:r>
             <a:endParaRPr lang="en-US" dirty="0" smtClean="0"/>
           </a:p>
           <a:p>
-            <a:r>
-              <a:rPr lang="en-US" dirty="0" smtClean="0"/>
-              <a:t>Testing: Python </a:t>
-            </a:r>
-            <a:r>
-              <a:rPr lang="en-US" i="1" u="sng" dirty="0" err="1" smtClean="0"/>
-              <a:t>nosetests</a:t>
-            </a:r>
-            <a:endParaRPr lang="en-US" i="1" u="sng" dirty="0" smtClean="0"/>
-          </a:p>
-          <a:p>
-            <a:r>
-              <a:rPr lang="en-US" dirty="0" smtClean="0"/>
-              <a:t>Deployment: </a:t>
-            </a:r>
-            <a:r>
-              <a:rPr lang="en-US" i="1" dirty="0" err="1" smtClean="0"/>
-              <a:t>setuptools</a:t>
-            </a:r>
-            <a:endParaRPr lang="en-US" i="1" dirty="0"/>
-          </a:p>
-          <a:p>
-            <a:pPr lvl="1"/>
-            <a:r>
-              <a:rPr lang="en-US" dirty="0" smtClean="0"/>
-              <a:t>Development </a:t>
-            </a:r>
-            <a:r>
-              <a:rPr lang="en-US" dirty="0" err="1" smtClean="0"/>
-              <a:t>pacakge</a:t>
-            </a:r>
-            <a:r>
-              <a:rPr lang="en-US" dirty="0" smtClean="0"/>
-              <a:t> repo: [</a:t>
-            </a:r>
-            <a:r>
-              <a:rPr lang="en-US" dirty="0" smtClean="0">
-                <a:hlinkClick r:id="rId5"/>
-              </a:rPr>
-              <a:t>http://c153-86.localcloud:8080/packages</a:t>
-            </a:r>
-            <a:r>
-              <a:rPr lang="en-US" dirty="0" smtClean="0"/>
-              <a:t>]</a:t>
-            </a:r>
-          </a:p>
-          <a:p>
-            <a:pPr lvl="1"/>
-            <a:r>
-              <a:rPr lang="en-US" dirty="0" smtClean="0"/>
-              <a:t>Works best with </a:t>
-            </a:r>
-            <a:r>
-              <a:rPr lang="en-US" i="1" dirty="0" err="1" smtClean="0"/>
-              <a:t>virtualenv</a:t>
-            </a:r>
-            <a:endParaRPr lang="en-US" i="1" dirty="0" smtClean="0"/>
-          </a:p>
-          <a:p>
-            <a:r>
-              <a:rPr lang="en-US" dirty="0" smtClean="0"/>
-              <a:t>Package dependencies</a:t>
-            </a:r>
-          </a:p>
-          <a:p>
-            <a:pPr lvl="1"/>
-            <a:r>
-              <a:rPr lang="en-US" dirty="0" err="1" smtClean="0"/>
-              <a:t>PyYAML</a:t>
-            </a:r>
-            <a:r>
-              <a:rPr lang="en-US" dirty="0" smtClean="0"/>
-              <a:t>, </a:t>
-            </a:r>
-            <a:r>
-              <a:rPr lang="en-US" dirty="0" err="1" smtClean="0"/>
-              <a:t>argparse</a:t>
-            </a:r>
-            <a:r>
-              <a:rPr lang="en-US" dirty="0" smtClean="0"/>
-              <a:t>, python-</a:t>
-            </a:r>
-            <a:r>
-              <a:rPr lang="en-US" dirty="0" err="1" smtClean="0"/>
-              <a:t>dateutil</a:t>
-            </a:r>
-            <a:r>
-              <a:rPr lang="en-US" dirty="0" smtClean="0"/>
-              <a:t>, </a:t>
-            </a:r>
-            <a:r>
-              <a:rPr lang="en-US" dirty="0" err="1" smtClean="0"/>
-              <a:t>pika</a:t>
-            </a:r>
-            <a:r>
-              <a:rPr lang="en-US" dirty="0" smtClean="0"/>
-              <a:t> (for </a:t>
-            </a:r>
-            <a:r>
-              <a:rPr lang="en-US" dirty="0" err="1" smtClean="0"/>
-              <a:t>RabbitMQ</a:t>
-            </a:r>
-            <a:r>
-              <a:rPr lang="en-US" dirty="0" smtClean="0"/>
-              <a:t>), </a:t>
-            </a:r>
-            <a:r>
-              <a:rPr lang="en-US" dirty="0" err="1" smtClean="0"/>
-              <a:t>Boto</a:t>
-            </a:r>
-            <a:r>
-              <a:rPr lang="en-US" dirty="0" smtClean="0"/>
-              <a:t>, etc.</a:t>
-            </a:r>
-          </a:p>
-          <a:p>
-            <a:r>
-              <a:rPr lang="en-US" dirty="0" smtClean="0"/>
-              <a:t>TODO: Integrating these into Jenkins</a:t>
-            </a:r>
-          </a:p>
-          <a:p>
-            <a:pPr lvl="1"/>
-            <a:r>
-              <a:rPr lang="en-US" dirty="0" smtClean="0"/>
-              <a:t>Automatic package repo updating</a:t>
-            </a:r>
-          </a:p>
-          <a:p>
-            <a:pPr lvl="1"/>
-            <a:r>
-              <a:rPr lang="en-US" dirty="0"/>
-              <a:t>A</a:t>
-            </a:r>
-            <a:r>
-              <a:rPr lang="en-US" dirty="0" smtClean="0"/>
-              <a:t>utomatic testing</a:t>
-            </a:r>
+            <a:endParaRPr lang="en-US" dirty="0"/>
           </a:p>
         </p:txBody>
       </p:sp>
     </p:spTree>
     <p:extLst>
       <p:ext uri="{BB962C8B-B14F-4D97-AF65-F5344CB8AC3E}">
-        <p14:creationId xmlns:p14="http://schemas.microsoft.com/office/powerpoint/2010/main" val="2413531741"/>
+        <p14:creationId xmlns:p14="http://schemas.microsoft.com/office/powerpoint/2010/main" val="1294054375"/>
       </p:ext>
     </p:extLst>
   </p:cSld>
@@ -6664,6 +7292,4636 @@
           <a:p>
             <a:r>
               <a:rPr lang="en-US" dirty="0" smtClean="0"/>
+              <a:t>Overall</a:t>
+            </a:r>
+            <a:endParaRPr lang="en-US" dirty="0"/>
+          </a:p>
+        </p:txBody>
+      </p:sp>
+      <p:sp>
+        <p:nvSpPr>
+          <p:cNvPr id="3" name="Content Placeholder 2"/>
+          <p:cNvSpPr>
+            <a:spLocks noGrp="1"/>
+          </p:cNvSpPr>
+          <p:nvPr>
+            <p:ph idx="1"/>
+          </p:nvPr>
+        </p:nvSpPr>
+        <p:spPr/>
+        <p:txBody>
+          <a:bodyPr>
+            <a:normAutofit lnSpcReduction="10000"/>
+          </a:bodyPr>
+          <a:lstStyle/>
+          <a:p>
+            <a:r>
+              <a:rPr lang="en-US" dirty="0" smtClean="0">
+                <a:solidFill>
+                  <a:srgbClr val="FF0000"/>
+                </a:solidFill>
+              </a:rPr>
+              <a:t>Standardizing resource and service statuses; backend independent, matching OCCO semantics (P5)</a:t>
+            </a:r>
+          </a:p>
+          <a:p>
+            <a:pPr lvl="1"/>
+            <a:r>
+              <a:rPr lang="en-US" dirty="0" smtClean="0">
+                <a:solidFill>
+                  <a:srgbClr val="FF0000"/>
+                </a:solidFill>
+              </a:rPr>
+              <a:t>E.g.: unknown, pending, ready, </a:t>
+            </a:r>
+            <a:r>
+              <a:rPr lang="en-US" dirty="0" err="1" smtClean="0">
+                <a:solidFill>
+                  <a:srgbClr val="FF0000"/>
+                </a:solidFill>
+              </a:rPr>
+              <a:t>permanently_failed</a:t>
+            </a:r>
+            <a:r>
+              <a:rPr lang="en-US" dirty="0" smtClean="0">
+                <a:solidFill>
+                  <a:srgbClr val="FF0000"/>
+                </a:solidFill>
+              </a:rPr>
+              <a:t>, </a:t>
+            </a:r>
+            <a:r>
+              <a:rPr lang="en-US" dirty="0" err="1" smtClean="0">
+                <a:solidFill>
+                  <a:srgbClr val="FF0000"/>
+                </a:solidFill>
+              </a:rPr>
+              <a:t>temporarily_failed</a:t>
+            </a:r>
+            <a:r>
+              <a:rPr lang="en-US" dirty="0" smtClean="0">
+                <a:solidFill>
+                  <a:srgbClr val="FF0000"/>
+                </a:solidFill>
+              </a:rPr>
+              <a:t>, shutdown</a:t>
+            </a:r>
+          </a:p>
+          <a:p>
+            <a:r>
+              <a:rPr lang="en-US" dirty="0" smtClean="0">
+                <a:solidFill>
+                  <a:srgbClr val="FF0000"/>
+                </a:solidFill>
+              </a:rPr>
+              <a:t>Infrastructure/node details</a:t>
+            </a:r>
+          </a:p>
+          <a:p>
+            <a:pPr lvl="1"/>
+            <a:r>
+              <a:rPr lang="en-US" dirty="0" smtClean="0">
+                <a:solidFill>
+                  <a:srgbClr val="FF0000"/>
+                </a:solidFill>
+              </a:rPr>
+              <a:t>Format and semantics tightly coupled with the service</a:t>
+            </a:r>
+          </a:p>
+          <a:p>
+            <a:pPr lvl="2"/>
+            <a:r>
+              <a:rPr lang="en-US" dirty="0" smtClean="0">
+                <a:solidFill>
+                  <a:srgbClr val="FF0000"/>
+                </a:solidFill>
+              </a:rPr>
+              <a:t>Specified in node definition and infrastructure description</a:t>
+            </a:r>
+          </a:p>
+          <a:p>
+            <a:pPr lvl="1"/>
+            <a:r>
+              <a:rPr lang="en-US" dirty="0" smtClean="0">
+                <a:solidFill>
+                  <a:srgbClr val="FF0000"/>
+                </a:solidFill>
+              </a:rPr>
+              <a:t>Including user-friendly summaries (like “BOINC server ops URL” in </a:t>
+            </a:r>
+            <a:r>
+              <a:rPr lang="en-US" dirty="0" err="1" smtClean="0">
+                <a:solidFill>
+                  <a:srgbClr val="FF0000"/>
+                </a:solidFill>
+              </a:rPr>
+              <a:t>ocdemo</a:t>
+            </a:r>
+            <a:r>
+              <a:rPr lang="en-US" dirty="0" smtClean="0">
+                <a:solidFill>
+                  <a:srgbClr val="FF0000"/>
+                </a:solidFill>
+              </a:rPr>
+              <a:t>) (P5)</a:t>
+            </a:r>
+          </a:p>
+          <a:p>
+            <a:r>
+              <a:rPr lang="en-US" dirty="0" smtClean="0">
+                <a:solidFill>
+                  <a:srgbClr val="FF0000"/>
+                </a:solidFill>
+              </a:rPr>
+              <a:t>Error information propagation</a:t>
+            </a:r>
+          </a:p>
+          <a:p>
+            <a:pPr lvl="1"/>
+            <a:r>
+              <a:rPr lang="en-US" dirty="0" smtClean="0">
+                <a:solidFill>
+                  <a:srgbClr val="FF0000"/>
+                </a:solidFill>
+              </a:rPr>
+              <a:t>From deep inside the resources, to the UI</a:t>
+            </a:r>
+          </a:p>
+          <a:p>
+            <a:r>
+              <a:rPr lang="en-US" dirty="0" err="1" smtClean="0">
+                <a:solidFill>
+                  <a:srgbClr val="FF0000"/>
+                </a:solidFill>
+              </a:rPr>
+              <a:t>Queryable</a:t>
+            </a:r>
+            <a:r>
+              <a:rPr lang="en-US" dirty="0" smtClean="0">
+                <a:solidFill>
+                  <a:srgbClr val="FF0000"/>
+                </a:solidFill>
+              </a:rPr>
+              <a:t> event log (P5)</a:t>
+            </a:r>
+          </a:p>
+          <a:p>
+            <a:pPr lvl="1"/>
+            <a:r>
+              <a:rPr lang="en-US" dirty="0" smtClean="0">
+                <a:solidFill>
+                  <a:srgbClr val="FF0000"/>
+                </a:solidFill>
+              </a:rPr>
+              <a:t>So the user can see what happened, when</a:t>
+            </a:r>
+          </a:p>
+          <a:p>
+            <a:r>
+              <a:rPr lang="en-US" dirty="0" err="1" smtClean="0">
+                <a:solidFill>
+                  <a:srgbClr val="FF0000"/>
+                </a:solidFill>
+              </a:rPr>
+              <a:t>Timestamping</a:t>
+            </a:r>
+            <a:r>
+              <a:rPr lang="en-US" dirty="0" smtClean="0">
+                <a:solidFill>
+                  <a:srgbClr val="FF0000"/>
+                </a:solidFill>
+              </a:rPr>
+              <a:t> everything (see above)</a:t>
+            </a:r>
+          </a:p>
+          <a:p>
+            <a:pPr lvl="1"/>
+            <a:r>
+              <a:rPr lang="en-US" dirty="0" smtClean="0">
+                <a:solidFill>
+                  <a:srgbClr val="FF0000"/>
+                </a:solidFill>
+              </a:rPr>
+              <a:t>Trivial feature, but extremely useful, probably required</a:t>
+            </a:r>
+          </a:p>
+          <a:p>
+            <a:endParaRPr lang="en-US" dirty="0">
+              <a:solidFill>
+                <a:srgbClr val="FF0000"/>
+              </a:solidFill>
+            </a:endParaRPr>
+          </a:p>
+        </p:txBody>
+      </p:sp>
+    </p:spTree>
+    <p:extLst>
+      <p:ext uri="{BB962C8B-B14F-4D97-AF65-F5344CB8AC3E}">
+        <p14:creationId xmlns:p14="http://schemas.microsoft.com/office/powerpoint/2010/main" val="3364925980"/>
+      </p:ext>
+    </p:extLst>
+  </p:cSld>
+  <p:clrMapOvr>
+    <a:masterClrMapping/>
+  </p:clrMapOvr>
+  <p:timing>
+    <p:tnLst>
+      <p:par>
+        <p:cTn xmlns:p14="http://schemas.microsoft.com/office/powerpoint/2010/main" id="1" dur="indefinite" restart="never" nodeType="tmRoot"/>
+      </p:par>
+    </p:tnLst>
+  </p:timing>
+</p:sld>
+</file>
+
+<file path=ppt/slides/slide23.xml><?xml version="1.0" encoding="utf-8"?>
+<p:sld xmlns:a="http://schemas.openxmlformats.org/drawingml/2006/main" xmlns:r="http://schemas.openxmlformats.org/officeDocument/2006/relationships" xmlns:p="http://schemas.openxmlformats.org/presentationml/2006/main">
+  <p:cSld>
+    <p:spTree>
+      <p:nvGrpSpPr>
+        <p:cNvPr id="1" name=""/>
+        <p:cNvGrpSpPr/>
+        <p:nvPr/>
+      </p:nvGrpSpPr>
+      <p:grpSpPr>
+        <a:xfrm>
+          <a:off x="0" y="0"/>
+          <a:ext cx="0" cy="0"/>
+          <a:chOff x="0" y="0"/>
+          <a:chExt cx="0" cy="0"/>
+        </a:xfrm>
+      </p:grpSpPr>
+      <p:sp>
+        <p:nvSpPr>
+          <p:cNvPr id="2" name="Title 1"/>
+          <p:cNvSpPr>
+            <a:spLocks noGrp="1"/>
+          </p:cNvSpPr>
+          <p:nvPr>
+            <p:ph type="title"/>
+          </p:nvPr>
+        </p:nvSpPr>
+        <p:spPr/>
+        <p:txBody>
+          <a:bodyPr/>
+          <a:lstStyle/>
+          <a:p>
+            <a:r>
+              <a:rPr lang="en-US" dirty="0" smtClean="0">
+                <a:solidFill>
+                  <a:srgbClr val="FF0000"/>
+                </a:solidFill>
+              </a:rPr>
+              <a:t>Summary</a:t>
+            </a:r>
+            <a:endParaRPr lang="en-US" dirty="0">
+              <a:solidFill>
+                <a:srgbClr val="FF0000"/>
+              </a:solidFill>
+            </a:endParaRPr>
+          </a:p>
+        </p:txBody>
+      </p:sp>
+      <p:sp>
+        <p:nvSpPr>
+          <p:cNvPr id="3" name="Content Placeholder 2"/>
+          <p:cNvSpPr>
+            <a:spLocks noGrp="1"/>
+          </p:cNvSpPr>
+          <p:nvPr>
+            <p:ph idx="1"/>
+          </p:nvPr>
+        </p:nvSpPr>
+        <p:spPr>
+          <a:xfrm>
+            <a:off x="457200" y="1844825"/>
+            <a:ext cx="8229600" cy="2232247"/>
+          </a:xfrm>
+        </p:spPr>
+        <p:txBody>
+          <a:bodyPr>
+            <a:normAutofit fontScale="55000" lnSpcReduction="20000"/>
+          </a:bodyPr>
+          <a:lstStyle/>
+          <a:p>
+            <a:pPr marL="457200" indent="-457200">
+              <a:buFont typeface="+mj-lt"/>
+              <a:buAutoNum type="arabicPeriod"/>
+            </a:pPr>
+            <a:r>
+              <a:rPr lang="en-US" dirty="0" smtClean="0">
+                <a:solidFill>
+                  <a:srgbClr val="FF0000"/>
+                </a:solidFill>
+              </a:rPr>
+              <a:t>Node status standardization and upkeep</a:t>
+            </a:r>
+          </a:p>
+          <a:p>
+            <a:pPr marL="457200" indent="-457200">
+              <a:buFont typeface="+mj-lt"/>
+              <a:buAutoNum type="arabicPeriod"/>
+            </a:pPr>
+            <a:r>
+              <a:rPr lang="en-US" dirty="0" smtClean="0">
+                <a:solidFill>
+                  <a:srgbClr val="FF0000"/>
+                </a:solidFill>
+              </a:rPr>
+              <a:t>Error handling and propagation</a:t>
+            </a:r>
+          </a:p>
+          <a:p>
+            <a:pPr marL="457200" indent="-457200">
+              <a:buFont typeface="+mj-lt"/>
+              <a:buAutoNum type="arabicPeriod"/>
+            </a:pPr>
+            <a:r>
+              <a:rPr lang="en-US" dirty="0" smtClean="0">
+                <a:solidFill>
+                  <a:srgbClr val="FF0000"/>
+                </a:solidFill>
+              </a:rPr>
+              <a:t>Supplying user with information about infrastructure</a:t>
+            </a:r>
+          </a:p>
+          <a:p>
+            <a:pPr marL="457200" indent="-457200">
+              <a:buFont typeface="+mj-lt"/>
+              <a:buAutoNum type="arabicPeriod"/>
+            </a:pPr>
+            <a:r>
+              <a:rPr lang="en-US" dirty="0" err="1" smtClean="0">
+                <a:solidFill>
+                  <a:srgbClr val="FF0000"/>
+                </a:solidFill>
+              </a:rPr>
+              <a:t>ServiceComposer</a:t>
+            </a:r>
+            <a:r>
+              <a:rPr lang="en-US" dirty="0" smtClean="0">
+                <a:solidFill>
+                  <a:srgbClr val="FF0000"/>
+                </a:solidFill>
+              </a:rPr>
+              <a:t> and </a:t>
+            </a:r>
+            <a:r>
+              <a:rPr lang="en-US" dirty="0" err="1" smtClean="0">
+                <a:solidFill>
+                  <a:srgbClr val="FF0000"/>
+                </a:solidFill>
+              </a:rPr>
+              <a:t>CloudHandler</a:t>
+            </a:r>
+            <a:r>
+              <a:rPr lang="en-US" dirty="0" smtClean="0">
+                <a:solidFill>
+                  <a:srgbClr val="FF0000"/>
+                </a:solidFill>
+              </a:rPr>
+              <a:t> dispatching</a:t>
+            </a:r>
+          </a:p>
+          <a:p>
+            <a:pPr marL="457200" indent="-457200">
+              <a:buFont typeface="+mj-lt"/>
+              <a:buAutoNum type="arabicPeriod"/>
+            </a:pPr>
+            <a:r>
+              <a:rPr lang="en-US" dirty="0" smtClean="0">
+                <a:solidFill>
+                  <a:srgbClr val="FF0000"/>
+                </a:solidFill>
+              </a:rPr>
+              <a:t>IP parallelization</a:t>
+            </a:r>
+          </a:p>
+          <a:p>
+            <a:pPr marL="457200" indent="-457200">
+              <a:buFont typeface="+mj-lt"/>
+              <a:buAutoNum type="arabicPeriod"/>
+            </a:pPr>
+            <a:r>
+              <a:rPr lang="en-US" dirty="0" smtClean="0">
+                <a:solidFill>
+                  <a:srgbClr val="FF0000"/>
+                </a:solidFill>
+              </a:rPr>
+              <a:t>IP cancellation (purge queue, abort, rollback)</a:t>
+            </a:r>
+          </a:p>
+          <a:p>
+            <a:pPr marL="457200" indent="-457200">
+              <a:buFont typeface="+mj-lt"/>
+              <a:buAutoNum type="arabicPeriod"/>
+            </a:pPr>
+            <a:r>
+              <a:rPr lang="en-US" dirty="0" smtClean="0">
+                <a:solidFill>
+                  <a:srgbClr val="FF0000"/>
+                </a:solidFill>
+              </a:rPr>
+              <a:t>Schema checking</a:t>
+            </a:r>
+          </a:p>
+          <a:p>
+            <a:pPr marL="457200" indent="-457200">
+              <a:buFont typeface="+mj-lt"/>
+              <a:buAutoNum type="arabicPeriod"/>
+            </a:pPr>
+            <a:r>
+              <a:rPr lang="en-US" dirty="0" smtClean="0">
+                <a:solidFill>
+                  <a:srgbClr val="FF0000"/>
+                </a:solidFill>
+              </a:rPr>
+              <a:t>Evaluable variables (semantic ordering, evaluation)</a:t>
+            </a:r>
+          </a:p>
+          <a:p>
+            <a:pPr marL="457200" indent="-457200">
+              <a:buFont typeface="+mj-lt"/>
+              <a:buAutoNum type="arabicPeriod"/>
+            </a:pPr>
+            <a:r>
+              <a:rPr lang="en-US" dirty="0" err="1" smtClean="0">
+                <a:solidFill>
+                  <a:srgbClr val="FF0000"/>
+                </a:solidFill>
+              </a:rPr>
+              <a:t>InfoBroker</a:t>
+            </a:r>
+            <a:endParaRPr lang="en-US" dirty="0" smtClean="0">
+              <a:solidFill>
+                <a:srgbClr val="FF0000"/>
+              </a:solidFill>
+            </a:endParaRPr>
+          </a:p>
+          <a:p>
+            <a:pPr lvl="1"/>
+            <a:r>
+              <a:rPr lang="en-US" dirty="0" smtClean="0">
+                <a:solidFill>
+                  <a:srgbClr val="FF0000"/>
+                </a:solidFill>
+              </a:rPr>
+              <a:t>Caching</a:t>
+            </a:r>
+          </a:p>
+          <a:p>
+            <a:pPr lvl="1"/>
+            <a:r>
+              <a:rPr lang="en-US" dirty="0" err="1">
+                <a:solidFill>
+                  <a:srgbClr val="FF0000"/>
+                </a:solidFill>
+              </a:rPr>
+              <a:t>S</a:t>
+            </a:r>
+            <a:r>
+              <a:rPr lang="en-US" dirty="0" err="1" smtClean="0">
+                <a:solidFill>
+                  <a:srgbClr val="FF0000"/>
+                </a:solidFill>
+              </a:rPr>
+              <a:t>harding</a:t>
+            </a:r>
+            <a:endParaRPr lang="en-US" dirty="0" smtClean="0">
+              <a:solidFill>
+                <a:srgbClr val="FF0000"/>
+              </a:solidFill>
+            </a:endParaRPr>
+          </a:p>
+          <a:p>
+            <a:endParaRPr lang="en-US" dirty="0">
+              <a:solidFill>
+                <a:srgbClr val="FF0000"/>
+              </a:solidFill>
+            </a:endParaRPr>
+          </a:p>
+        </p:txBody>
+      </p:sp>
+      <p:sp>
+        <p:nvSpPr>
+          <p:cNvPr id="4" name="Content Placeholder 2"/>
+          <p:cNvSpPr txBox="1">
+            <a:spLocks/>
+          </p:cNvSpPr>
+          <p:nvPr/>
+        </p:nvSpPr>
+        <p:spPr>
+          <a:xfrm>
+            <a:off x="457200" y="4149079"/>
+            <a:ext cx="8229600" cy="2232249"/>
+          </a:xfrm>
+          <a:prstGeom prst="rect">
+            <a:avLst/>
+          </a:prstGeom>
+        </p:spPr>
+        <p:txBody>
+          <a:bodyPr vert="horz" lIns="91440" tIns="45720" rIns="91440" bIns="45720" rtlCol="0">
+            <a:normAutofit fontScale="55000" lnSpcReduction="20000"/>
+          </a:bodyPr>
+          <a:lstStyle>
+            <a:lvl1pPr marL="342900" indent="-342900" algn="l" defTabSz="914400" rtl="0" eaLnBrk="1" latinLnBrk="0" hangingPunct="1">
+              <a:spcBef>
+                <a:spcPct val="20000"/>
+              </a:spcBef>
+              <a:buFont typeface="Arial" pitchFamily="34" charset="0"/>
+              <a:buChar char="•"/>
+              <a:defRPr sz="2400" kern="1200">
+                <a:solidFill>
+                  <a:schemeClr val="tx1">
+                    <a:lumMod val="75000"/>
+                    <a:lumOff val="25000"/>
+                  </a:schemeClr>
+                </a:solidFill>
+                <a:latin typeface="+mn-lt"/>
+                <a:ea typeface="+mn-ea"/>
+                <a:cs typeface="+mn-cs"/>
+              </a:defRPr>
+            </a:lvl1pPr>
+            <a:lvl2pPr marL="742950" indent="-285750" algn="l" defTabSz="914400" rtl="0" eaLnBrk="1" latinLnBrk="0" hangingPunct="1">
+              <a:spcBef>
+                <a:spcPct val="20000"/>
+              </a:spcBef>
+              <a:buFont typeface="Courier New" pitchFamily="49" charset="0"/>
+              <a:buChar char="o"/>
+              <a:defRPr sz="1600" kern="1200">
+                <a:solidFill>
+                  <a:schemeClr val="tx1">
+                    <a:lumMod val="75000"/>
+                    <a:lumOff val="25000"/>
+                  </a:schemeClr>
+                </a:solidFill>
+                <a:latin typeface="+mn-lt"/>
+                <a:ea typeface="+mn-ea"/>
+                <a:cs typeface="+mn-cs"/>
+              </a:defRPr>
+            </a:lvl2pPr>
+            <a:lvl3pPr marL="1143000" indent="-228600" algn="l" defTabSz="914400" rtl="0" eaLnBrk="1" latinLnBrk="0" hangingPunct="1">
+              <a:spcBef>
+                <a:spcPct val="20000"/>
+              </a:spcBef>
+              <a:buFont typeface="Arial" pitchFamily="34" charset="0"/>
+              <a:buChar char="•"/>
+              <a:defRPr sz="1600" kern="1200">
+                <a:solidFill>
+                  <a:schemeClr val="tx1">
+                    <a:lumMod val="75000"/>
+                    <a:lumOff val="25000"/>
+                  </a:schemeClr>
+                </a:solidFill>
+                <a:latin typeface="+mn-lt"/>
+                <a:ea typeface="+mn-ea"/>
+                <a:cs typeface="+mn-cs"/>
+              </a:defRPr>
+            </a:lvl3pPr>
+            <a:lvl4pPr marL="1600200" indent="-228600" algn="l" defTabSz="914400" rtl="0" eaLnBrk="1" latinLnBrk="0" hangingPunct="1">
+              <a:spcBef>
+                <a:spcPct val="20000"/>
+              </a:spcBef>
+              <a:buFont typeface="Courier New" pitchFamily="49" charset="0"/>
+              <a:buChar char="o"/>
+              <a:defRPr sz="1600" kern="1200">
+                <a:solidFill>
+                  <a:schemeClr val="tx1">
+                    <a:lumMod val="75000"/>
+                    <a:lumOff val="25000"/>
+                  </a:schemeClr>
+                </a:solidFill>
+                <a:latin typeface="+mn-lt"/>
+                <a:ea typeface="+mn-ea"/>
+                <a:cs typeface="+mn-cs"/>
+              </a:defRPr>
+            </a:lvl4pPr>
+            <a:lvl5pPr marL="2057400" indent="-228600" algn="l" defTabSz="914400" rtl="0" eaLnBrk="1" latinLnBrk="0" hangingPunct="1">
+              <a:spcBef>
+                <a:spcPct val="20000"/>
+              </a:spcBef>
+              <a:buFont typeface="Arial" pitchFamily="34" charset="0"/>
+              <a:buChar char="•"/>
+              <a:defRPr sz="1600" kern="1200">
+                <a:solidFill>
+                  <a:schemeClr val="tx1">
+                    <a:lumMod val="75000"/>
+                    <a:lumOff val="25000"/>
+                  </a:schemeClr>
+                </a:solidFill>
+                <a:latin typeface="+mn-lt"/>
+                <a:ea typeface="+mn-ea"/>
+                <a:cs typeface="+mn-cs"/>
+              </a:defRPr>
+            </a:lvl5pPr>
+            <a:lvl6pPr marL="2514600" indent="-228600" algn="l" defTabSz="914400" rtl="0" eaLnBrk="1" latinLnBrk="0" hangingPunct="1">
+              <a:spcBef>
+                <a:spcPct val="20000"/>
+              </a:spcBef>
+              <a:buFont typeface="Courier New" pitchFamily="49" charset="0"/>
+              <a:buChar char="o"/>
+              <a:defRPr sz="1600" kern="1200">
+                <a:solidFill>
+                  <a:schemeClr val="tx1">
+                    <a:lumMod val="50000"/>
+                    <a:lumOff val="50000"/>
+                  </a:schemeClr>
+                </a:solidFill>
+                <a:latin typeface="+mj-lt"/>
+                <a:ea typeface="+mn-ea"/>
+                <a:cs typeface="+mn-cs"/>
+              </a:defRPr>
+            </a:lvl6pPr>
+            <a:lvl7pPr marL="2971800" indent="-228600" algn="l" defTabSz="914400" rtl="0" eaLnBrk="1" latinLnBrk="0" hangingPunct="1">
+              <a:spcBef>
+                <a:spcPct val="20000"/>
+              </a:spcBef>
+              <a:buFont typeface="Arial" pitchFamily="34" charset="0"/>
+              <a:buChar char="•"/>
+              <a:defRPr sz="1600" kern="1200">
+                <a:solidFill>
+                  <a:schemeClr val="tx1">
+                    <a:lumMod val="50000"/>
+                    <a:lumOff val="50000"/>
+                  </a:schemeClr>
+                </a:solidFill>
+                <a:latin typeface="+mj-lt"/>
+                <a:ea typeface="+mn-ea"/>
+                <a:cs typeface="+mn-cs"/>
+              </a:defRPr>
+            </a:lvl7pPr>
+            <a:lvl8pPr marL="3429000" indent="-228600" algn="l" defTabSz="914400" rtl="0" eaLnBrk="1" latinLnBrk="0" hangingPunct="1">
+              <a:spcBef>
+                <a:spcPct val="20000"/>
+              </a:spcBef>
+              <a:buFont typeface="Courier New" pitchFamily="49" charset="0"/>
+              <a:buChar char="o"/>
+              <a:defRPr sz="1600" kern="1200">
+                <a:solidFill>
+                  <a:schemeClr val="tx1">
+                    <a:lumMod val="50000"/>
+                    <a:lumOff val="50000"/>
+                  </a:schemeClr>
+                </a:solidFill>
+                <a:latin typeface="+mj-lt"/>
+                <a:ea typeface="+mn-ea"/>
+                <a:cs typeface="+mn-cs"/>
+              </a:defRPr>
+            </a:lvl8pPr>
+            <a:lvl9pPr marL="3886200" indent="-228600" algn="l" defTabSz="914400" rtl="0" eaLnBrk="1" latinLnBrk="0" hangingPunct="1">
+              <a:spcBef>
+                <a:spcPct val="20000"/>
+              </a:spcBef>
+              <a:buFont typeface="Arial" pitchFamily="34" charset="0"/>
+              <a:buChar char="•"/>
+              <a:defRPr sz="1600" kern="1200">
+                <a:solidFill>
+                  <a:schemeClr val="tx1">
+                    <a:lumMod val="50000"/>
+                    <a:lumOff val="50000"/>
+                  </a:schemeClr>
+                </a:solidFill>
+                <a:latin typeface="+mj-lt"/>
+                <a:ea typeface="+mn-ea"/>
+                <a:cs typeface="+mn-cs"/>
+              </a:defRPr>
+            </a:lvl9pPr>
+          </a:lstStyle>
+          <a:p>
+            <a:r>
+              <a:rPr lang="en-US" dirty="0" smtClean="0"/>
+              <a:t>1 implicitly implements automatic healing (this is the only missing feature for this)</a:t>
+            </a:r>
+          </a:p>
+          <a:p>
+            <a:r>
+              <a:rPr lang="en-US" dirty="0" smtClean="0"/>
+              <a:t>2 is very important for the user</a:t>
+            </a:r>
+          </a:p>
+          <a:p>
+            <a:r>
+              <a:rPr lang="en-US" dirty="0" smtClean="0"/>
+              <a:t>2 needs 6/rollback</a:t>
+            </a:r>
+          </a:p>
+          <a:p>
+            <a:r>
+              <a:rPr lang="en-US" dirty="0" smtClean="0"/>
+              <a:t>2 helps 6/abort (abortion is a special exception)</a:t>
+            </a:r>
+          </a:p>
+          <a:p>
+            <a:r>
+              <a:rPr lang="en-US" dirty="0" smtClean="0"/>
+              <a:t>Using multiprocessing, 5 is ok with 6</a:t>
+            </a:r>
+          </a:p>
+          <a:p>
+            <a:r>
+              <a:rPr lang="en-US" dirty="0" smtClean="0"/>
+              <a:t>9/caching may not be necessary at all</a:t>
+            </a:r>
+          </a:p>
+          <a:p>
+            <a:r>
+              <a:rPr lang="en-US" dirty="0" smtClean="0"/>
+              <a:t>9/</a:t>
+            </a:r>
+            <a:r>
+              <a:rPr lang="en-US" dirty="0" err="1" smtClean="0"/>
+              <a:t>sharding</a:t>
+            </a:r>
+            <a:r>
+              <a:rPr lang="en-US" dirty="0" smtClean="0"/>
+              <a:t> is simple, short, and may be necessary</a:t>
+            </a:r>
+          </a:p>
+          <a:p>
+            <a:r>
+              <a:rPr lang="en-US" dirty="0" smtClean="0"/>
+              <a:t>5 is an optimization</a:t>
+            </a:r>
+          </a:p>
+          <a:p>
+            <a:r>
+              <a:rPr lang="en-US" dirty="0" smtClean="0"/>
+              <a:t>7 is necessary for human—service interaction only</a:t>
+            </a:r>
+          </a:p>
+          <a:p>
+            <a:r>
+              <a:rPr lang="en-US" dirty="0" smtClean="0"/>
+              <a:t>7 is useful for machine—service interaction (testing, debugging)</a:t>
+            </a:r>
+          </a:p>
+        </p:txBody>
+      </p:sp>
+    </p:spTree>
+    <p:extLst>
+      <p:ext uri="{BB962C8B-B14F-4D97-AF65-F5344CB8AC3E}">
+        <p14:creationId xmlns:p14="http://schemas.microsoft.com/office/powerpoint/2010/main" val="471844840"/>
+      </p:ext>
+    </p:extLst>
+  </p:cSld>
+  <p:clrMapOvr>
+    <a:masterClrMapping/>
+  </p:clrMapOvr>
+  <p:timing>
+    <p:tnLst>
+      <p:par>
+        <p:cTn xmlns:p14="http://schemas.microsoft.com/office/powerpoint/2010/main" id="1" dur="indefinite" restart="never" nodeType="tmRoot"/>
+      </p:par>
+    </p:tnLst>
+  </p:timing>
+</p:sld>
+</file>
+
+<file path=ppt/slides/slide24.xml><?xml version="1.0" encoding="utf-8"?>
+<p:sld xmlns:a="http://schemas.openxmlformats.org/drawingml/2006/main" xmlns:r="http://schemas.openxmlformats.org/officeDocument/2006/relationships" xmlns:p="http://schemas.openxmlformats.org/presentationml/2006/main">
+  <p:cSld>
+    <p:spTree>
+      <p:nvGrpSpPr>
+        <p:cNvPr id="1" name=""/>
+        <p:cNvGrpSpPr/>
+        <p:nvPr/>
+      </p:nvGrpSpPr>
+      <p:grpSpPr>
+        <a:xfrm>
+          <a:off x="0" y="0"/>
+          <a:ext cx="0" cy="0"/>
+          <a:chOff x="0" y="0"/>
+          <a:chExt cx="0" cy="0"/>
+        </a:xfrm>
+      </p:grpSpPr>
+      <p:sp>
+        <p:nvSpPr>
+          <p:cNvPr id="2" name="Title 1"/>
+          <p:cNvSpPr>
+            <a:spLocks noGrp="1"/>
+          </p:cNvSpPr>
+          <p:nvPr>
+            <p:ph type="title"/>
+          </p:nvPr>
+        </p:nvSpPr>
+        <p:spPr>
+          <a:xfrm>
+            <a:off x="457200" y="692696"/>
+            <a:ext cx="8229600" cy="648073"/>
+          </a:xfrm>
+        </p:spPr>
+        <p:txBody>
+          <a:bodyPr lIns="0" tIns="0" rIns="0" bIns="0" anchor="t"/>
+          <a:lstStyle/>
+          <a:p>
+            <a:r>
+              <a:rPr lang="en-US" dirty="0" smtClean="0">
+                <a:solidFill>
+                  <a:srgbClr val="FF0000"/>
+                </a:solidFill>
+              </a:rPr>
+              <a:t>Summary</a:t>
+            </a:r>
+            <a:endParaRPr lang="en-US" dirty="0">
+              <a:solidFill>
+                <a:srgbClr val="FF0000"/>
+              </a:solidFill>
+            </a:endParaRPr>
+          </a:p>
+        </p:txBody>
+      </p:sp>
+      <p:sp>
+        <p:nvSpPr>
+          <p:cNvPr id="3" name="Content Placeholder 2"/>
+          <p:cNvSpPr>
+            <a:spLocks noGrp="1"/>
+          </p:cNvSpPr>
+          <p:nvPr>
+            <p:ph idx="1"/>
+          </p:nvPr>
+        </p:nvSpPr>
+        <p:spPr>
+          <a:xfrm>
+            <a:off x="457200" y="1700808"/>
+            <a:ext cx="3898776" cy="1944216"/>
+          </a:xfrm>
+        </p:spPr>
+        <p:txBody>
+          <a:bodyPr>
+            <a:normAutofit fontScale="32500" lnSpcReduction="20000"/>
+          </a:bodyPr>
+          <a:lstStyle/>
+          <a:p>
+            <a:pPr marL="457200" indent="-457200">
+              <a:buFont typeface="+mj-lt"/>
+              <a:buAutoNum type="arabicPeriod"/>
+            </a:pPr>
+            <a:r>
+              <a:rPr lang="en-US" dirty="0" smtClean="0">
+                <a:solidFill>
+                  <a:srgbClr val="FF0000"/>
+                </a:solidFill>
+              </a:rPr>
+              <a:t>P5 Node status standardization and upkeep</a:t>
+            </a:r>
+          </a:p>
+          <a:p>
+            <a:pPr marL="457200" indent="-457200">
+              <a:buFont typeface="+mj-lt"/>
+              <a:buAutoNum type="arabicPeriod"/>
+            </a:pPr>
+            <a:r>
+              <a:rPr lang="en-US" dirty="0" smtClean="0">
+                <a:solidFill>
+                  <a:srgbClr val="FF0000"/>
+                </a:solidFill>
+              </a:rPr>
+              <a:t>P4 Error handling and (P3) propagation</a:t>
+            </a:r>
+          </a:p>
+          <a:p>
+            <a:pPr marL="457200" indent="-457200">
+              <a:buFont typeface="+mj-lt"/>
+              <a:buAutoNum type="arabicPeriod"/>
+            </a:pPr>
+            <a:r>
+              <a:rPr lang="en-US" dirty="0" smtClean="0">
+                <a:solidFill>
+                  <a:srgbClr val="FF0000"/>
+                </a:solidFill>
+              </a:rPr>
+              <a:t>P5 Supplying user with information about infrastructure, event logging, </a:t>
+            </a:r>
+            <a:r>
+              <a:rPr lang="en-US" dirty="0" err="1" smtClean="0">
+                <a:solidFill>
+                  <a:srgbClr val="FF0000"/>
+                </a:solidFill>
+              </a:rPr>
+              <a:t>timestamping</a:t>
+            </a:r>
+            <a:endParaRPr lang="en-US" dirty="0" smtClean="0">
+              <a:solidFill>
+                <a:srgbClr val="FF0000"/>
+              </a:solidFill>
+            </a:endParaRPr>
+          </a:p>
+          <a:p>
+            <a:pPr marL="457200" indent="-457200">
+              <a:buFont typeface="+mj-lt"/>
+              <a:buAutoNum type="arabicPeriod"/>
+            </a:pPr>
+            <a:r>
+              <a:rPr lang="en-US" dirty="0" smtClean="0">
+                <a:solidFill>
+                  <a:srgbClr val="FF0000"/>
+                </a:solidFill>
+              </a:rPr>
+              <a:t>P2 </a:t>
+            </a:r>
+            <a:r>
+              <a:rPr lang="en-US" dirty="0" err="1" smtClean="0">
+                <a:solidFill>
+                  <a:srgbClr val="FF0000"/>
+                </a:solidFill>
+              </a:rPr>
+              <a:t>ServiceComposer</a:t>
+            </a:r>
+            <a:r>
+              <a:rPr lang="en-US" dirty="0" smtClean="0">
+                <a:solidFill>
+                  <a:srgbClr val="FF0000"/>
+                </a:solidFill>
+              </a:rPr>
+              <a:t> and </a:t>
+            </a:r>
+            <a:r>
+              <a:rPr lang="en-US" dirty="0" err="1" smtClean="0">
+                <a:solidFill>
+                  <a:srgbClr val="FF0000"/>
+                </a:solidFill>
+              </a:rPr>
+              <a:t>CloudHandler</a:t>
+            </a:r>
+            <a:r>
+              <a:rPr lang="en-US" dirty="0" smtClean="0">
+                <a:solidFill>
+                  <a:srgbClr val="FF0000"/>
+                </a:solidFill>
+              </a:rPr>
+              <a:t> dispatching</a:t>
+            </a:r>
+          </a:p>
+          <a:p>
+            <a:pPr marL="457200" indent="-457200">
+              <a:buFont typeface="+mj-lt"/>
+              <a:buAutoNum type="arabicPeriod"/>
+            </a:pPr>
+            <a:r>
+              <a:rPr lang="en-US" dirty="0" smtClean="0">
+                <a:solidFill>
+                  <a:srgbClr val="FF0000"/>
+                </a:solidFill>
+              </a:rPr>
+              <a:t>P4 IP parallelization</a:t>
+            </a:r>
+          </a:p>
+          <a:p>
+            <a:pPr marL="457200" indent="-457200">
+              <a:buFont typeface="+mj-lt"/>
+              <a:buAutoNum type="arabicPeriod"/>
+            </a:pPr>
+            <a:r>
+              <a:rPr lang="en-US" dirty="0" smtClean="0">
+                <a:solidFill>
+                  <a:srgbClr val="FF0000"/>
+                </a:solidFill>
+              </a:rPr>
+              <a:t>P5 IP cancellation (purge queue, abort, rollback)</a:t>
+            </a:r>
+          </a:p>
+          <a:p>
+            <a:pPr marL="457200" indent="-457200">
+              <a:buFont typeface="+mj-lt"/>
+              <a:buAutoNum type="arabicPeriod"/>
+            </a:pPr>
+            <a:r>
+              <a:rPr lang="en-US" dirty="0" smtClean="0">
+                <a:solidFill>
+                  <a:srgbClr val="FF0000"/>
+                </a:solidFill>
+              </a:rPr>
+              <a:t>P1 Schema checking</a:t>
+            </a:r>
+          </a:p>
+          <a:p>
+            <a:pPr marL="457200" indent="-457200">
+              <a:buFont typeface="+mj-lt"/>
+              <a:buAutoNum type="arabicPeriod"/>
+            </a:pPr>
+            <a:r>
+              <a:rPr lang="en-US" dirty="0" smtClean="0">
+                <a:solidFill>
+                  <a:srgbClr val="FF0000"/>
+                </a:solidFill>
+              </a:rPr>
+              <a:t>P2 Evaluable variables (semantic ordering, evaluation)</a:t>
+            </a:r>
+          </a:p>
+          <a:p>
+            <a:pPr marL="457200" indent="-457200">
+              <a:buFont typeface="+mj-lt"/>
+              <a:buAutoNum type="arabicPeriod"/>
+            </a:pPr>
+            <a:r>
+              <a:rPr lang="en-US" dirty="0" err="1" smtClean="0">
+                <a:solidFill>
+                  <a:srgbClr val="FF0000"/>
+                </a:solidFill>
+              </a:rPr>
+              <a:t>InfoBroker</a:t>
+            </a:r>
+            <a:endParaRPr lang="en-US" dirty="0" smtClean="0">
+              <a:solidFill>
+                <a:srgbClr val="FF0000"/>
+              </a:solidFill>
+            </a:endParaRPr>
+          </a:p>
+          <a:p>
+            <a:pPr lvl="1"/>
+            <a:r>
+              <a:rPr lang="en-US" dirty="0" smtClean="0">
+                <a:solidFill>
+                  <a:srgbClr val="FF0000"/>
+                </a:solidFill>
+              </a:rPr>
+              <a:t>Caching</a:t>
+            </a:r>
+          </a:p>
+          <a:p>
+            <a:pPr lvl="1"/>
+            <a:r>
+              <a:rPr lang="en-US" dirty="0" err="1" smtClean="0">
+                <a:solidFill>
+                  <a:srgbClr val="FF0000"/>
+                </a:solidFill>
+              </a:rPr>
+              <a:t>Sharding</a:t>
+            </a:r>
+            <a:endParaRPr lang="en-US" dirty="0" smtClean="0">
+              <a:solidFill>
+                <a:srgbClr val="FF0000"/>
+              </a:solidFill>
+            </a:endParaRPr>
+          </a:p>
+          <a:p>
+            <a:pPr marL="457200" indent="-457200">
+              <a:buFont typeface="+mj-lt"/>
+              <a:buAutoNum type="arabicPeriod"/>
+            </a:pPr>
+            <a:r>
+              <a:rPr lang="en-US" dirty="0" smtClean="0">
+                <a:solidFill>
+                  <a:srgbClr val="FF0000"/>
+                </a:solidFill>
+              </a:rPr>
+              <a:t>P1 Enactor: New behavior as needed by the Portal</a:t>
+            </a:r>
+          </a:p>
+          <a:p>
+            <a:pPr marL="457200" indent="-457200">
+              <a:buFont typeface="+mj-lt"/>
+              <a:buAutoNum type="arabicPeriod"/>
+            </a:pPr>
+            <a:r>
+              <a:rPr lang="en-US" dirty="0" smtClean="0">
+                <a:solidFill>
+                  <a:srgbClr val="FF0000"/>
+                </a:solidFill>
+              </a:rPr>
+              <a:t>P4-&gt;P1 Cookbook version specification</a:t>
+            </a:r>
+          </a:p>
+          <a:p>
+            <a:pPr marL="457200" indent="-457200">
+              <a:buFont typeface="+mj-lt"/>
+              <a:buAutoNum type="arabicPeriod"/>
+            </a:pPr>
+            <a:r>
+              <a:rPr lang="en-US" dirty="0" smtClean="0">
+                <a:solidFill>
+                  <a:srgbClr val="FF0000"/>
+                </a:solidFill>
+              </a:rPr>
+              <a:t>(X) P5 Authentication and Authorization; but UI will be responsible</a:t>
+            </a:r>
+          </a:p>
+          <a:p>
+            <a:pPr marL="457200" indent="-457200">
+              <a:buFont typeface="+mj-lt"/>
+              <a:buAutoNum type="arabicPeriod"/>
+            </a:pPr>
+            <a:r>
+              <a:rPr lang="en-US" dirty="0" smtClean="0">
+                <a:solidFill>
+                  <a:srgbClr val="FF0000"/>
+                </a:solidFill>
+              </a:rPr>
+              <a:t>P4 Listing, querying – as needed</a:t>
+            </a:r>
+          </a:p>
+        </p:txBody>
+      </p:sp>
+      <p:sp>
+        <p:nvSpPr>
+          <p:cNvPr id="4" name="Content Placeholder 2"/>
+          <p:cNvSpPr txBox="1">
+            <a:spLocks/>
+          </p:cNvSpPr>
+          <p:nvPr/>
+        </p:nvSpPr>
+        <p:spPr>
+          <a:xfrm>
+            <a:off x="467544" y="3645024"/>
+            <a:ext cx="4258816" cy="2664296"/>
+          </a:xfrm>
+          <a:prstGeom prst="rect">
+            <a:avLst/>
+          </a:prstGeom>
+        </p:spPr>
+        <p:txBody>
+          <a:bodyPr vert="horz" lIns="91440" tIns="45720" rIns="91440" bIns="45720" rtlCol="0">
+            <a:normAutofit fontScale="55000" lnSpcReduction="20000"/>
+          </a:bodyPr>
+          <a:lstStyle>
+            <a:lvl1pPr marL="342900" indent="-342900" algn="l" defTabSz="914400" rtl="0" eaLnBrk="1" latinLnBrk="0" hangingPunct="1">
+              <a:spcBef>
+                <a:spcPct val="20000"/>
+              </a:spcBef>
+              <a:buFont typeface="Arial" pitchFamily="34" charset="0"/>
+              <a:buChar char="•"/>
+              <a:defRPr sz="2400" kern="1200">
+                <a:solidFill>
+                  <a:schemeClr val="tx1">
+                    <a:lumMod val="75000"/>
+                    <a:lumOff val="25000"/>
+                  </a:schemeClr>
+                </a:solidFill>
+                <a:latin typeface="+mn-lt"/>
+                <a:ea typeface="+mn-ea"/>
+                <a:cs typeface="+mn-cs"/>
+              </a:defRPr>
+            </a:lvl1pPr>
+            <a:lvl2pPr marL="742950" indent="-285750" algn="l" defTabSz="914400" rtl="0" eaLnBrk="1" latinLnBrk="0" hangingPunct="1">
+              <a:spcBef>
+                <a:spcPct val="20000"/>
+              </a:spcBef>
+              <a:buFont typeface="Courier New" pitchFamily="49" charset="0"/>
+              <a:buChar char="o"/>
+              <a:defRPr sz="1600" kern="1200">
+                <a:solidFill>
+                  <a:schemeClr val="tx1">
+                    <a:lumMod val="75000"/>
+                    <a:lumOff val="25000"/>
+                  </a:schemeClr>
+                </a:solidFill>
+                <a:latin typeface="+mn-lt"/>
+                <a:ea typeface="+mn-ea"/>
+                <a:cs typeface="+mn-cs"/>
+              </a:defRPr>
+            </a:lvl2pPr>
+            <a:lvl3pPr marL="1143000" indent="-228600" algn="l" defTabSz="914400" rtl="0" eaLnBrk="1" latinLnBrk="0" hangingPunct="1">
+              <a:spcBef>
+                <a:spcPct val="20000"/>
+              </a:spcBef>
+              <a:buFont typeface="Arial" pitchFamily="34" charset="0"/>
+              <a:buChar char="•"/>
+              <a:defRPr sz="1600" kern="1200">
+                <a:solidFill>
+                  <a:schemeClr val="tx1">
+                    <a:lumMod val="75000"/>
+                    <a:lumOff val="25000"/>
+                  </a:schemeClr>
+                </a:solidFill>
+                <a:latin typeface="+mn-lt"/>
+                <a:ea typeface="+mn-ea"/>
+                <a:cs typeface="+mn-cs"/>
+              </a:defRPr>
+            </a:lvl3pPr>
+            <a:lvl4pPr marL="1600200" indent="-228600" algn="l" defTabSz="914400" rtl="0" eaLnBrk="1" latinLnBrk="0" hangingPunct="1">
+              <a:spcBef>
+                <a:spcPct val="20000"/>
+              </a:spcBef>
+              <a:buFont typeface="Courier New" pitchFamily="49" charset="0"/>
+              <a:buChar char="o"/>
+              <a:defRPr sz="1600" kern="1200">
+                <a:solidFill>
+                  <a:schemeClr val="tx1">
+                    <a:lumMod val="75000"/>
+                    <a:lumOff val="25000"/>
+                  </a:schemeClr>
+                </a:solidFill>
+                <a:latin typeface="+mn-lt"/>
+                <a:ea typeface="+mn-ea"/>
+                <a:cs typeface="+mn-cs"/>
+              </a:defRPr>
+            </a:lvl4pPr>
+            <a:lvl5pPr marL="2057400" indent="-228600" algn="l" defTabSz="914400" rtl="0" eaLnBrk="1" latinLnBrk="0" hangingPunct="1">
+              <a:spcBef>
+                <a:spcPct val="20000"/>
+              </a:spcBef>
+              <a:buFont typeface="Arial" pitchFamily="34" charset="0"/>
+              <a:buChar char="•"/>
+              <a:defRPr sz="1600" kern="1200">
+                <a:solidFill>
+                  <a:schemeClr val="tx1">
+                    <a:lumMod val="75000"/>
+                    <a:lumOff val="25000"/>
+                  </a:schemeClr>
+                </a:solidFill>
+                <a:latin typeface="+mn-lt"/>
+                <a:ea typeface="+mn-ea"/>
+                <a:cs typeface="+mn-cs"/>
+              </a:defRPr>
+            </a:lvl5pPr>
+            <a:lvl6pPr marL="2514600" indent="-228600" algn="l" defTabSz="914400" rtl="0" eaLnBrk="1" latinLnBrk="0" hangingPunct="1">
+              <a:spcBef>
+                <a:spcPct val="20000"/>
+              </a:spcBef>
+              <a:buFont typeface="Courier New" pitchFamily="49" charset="0"/>
+              <a:buChar char="o"/>
+              <a:defRPr sz="1600" kern="1200">
+                <a:solidFill>
+                  <a:schemeClr val="tx1">
+                    <a:lumMod val="50000"/>
+                    <a:lumOff val="50000"/>
+                  </a:schemeClr>
+                </a:solidFill>
+                <a:latin typeface="+mj-lt"/>
+                <a:ea typeface="+mn-ea"/>
+                <a:cs typeface="+mn-cs"/>
+              </a:defRPr>
+            </a:lvl6pPr>
+            <a:lvl7pPr marL="2971800" indent="-228600" algn="l" defTabSz="914400" rtl="0" eaLnBrk="1" latinLnBrk="0" hangingPunct="1">
+              <a:spcBef>
+                <a:spcPct val="20000"/>
+              </a:spcBef>
+              <a:buFont typeface="Arial" pitchFamily="34" charset="0"/>
+              <a:buChar char="•"/>
+              <a:defRPr sz="1600" kern="1200">
+                <a:solidFill>
+                  <a:schemeClr val="tx1">
+                    <a:lumMod val="50000"/>
+                    <a:lumOff val="50000"/>
+                  </a:schemeClr>
+                </a:solidFill>
+                <a:latin typeface="+mj-lt"/>
+                <a:ea typeface="+mn-ea"/>
+                <a:cs typeface="+mn-cs"/>
+              </a:defRPr>
+            </a:lvl7pPr>
+            <a:lvl8pPr marL="3429000" indent="-228600" algn="l" defTabSz="914400" rtl="0" eaLnBrk="1" latinLnBrk="0" hangingPunct="1">
+              <a:spcBef>
+                <a:spcPct val="20000"/>
+              </a:spcBef>
+              <a:buFont typeface="Courier New" pitchFamily="49" charset="0"/>
+              <a:buChar char="o"/>
+              <a:defRPr sz="1600" kern="1200">
+                <a:solidFill>
+                  <a:schemeClr val="tx1">
+                    <a:lumMod val="50000"/>
+                    <a:lumOff val="50000"/>
+                  </a:schemeClr>
+                </a:solidFill>
+                <a:latin typeface="+mj-lt"/>
+                <a:ea typeface="+mn-ea"/>
+                <a:cs typeface="+mn-cs"/>
+              </a:defRPr>
+            </a:lvl8pPr>
+            <a:lvl9pPr marL="3886200" indent="-228600" algn="l" defTabSz="914400" rtl="0" eaLnBrk="1" latinLnBrk="0" hangingPunct="1">
+              <a:spcBef>
+                <a:spcPct val="20000"/>
+              </a:spcBef>
+              <a:buFont typeface="Arial" pitchFamily="34" charset="0"/>
+              <a:buChar char="•"/>
+              <a:defRPr sz="1600" kern="1200">
+                <a:solidFill>
+                  <a:schemeClr val="tx1">
+                    <a:lumMod val="50000"/>
+                    <a:lumOff val="50000"/>
+                  </a:schemeClr>
+                </a:solidFill>
+                <a:latin typeface="+mj-lt"/>
+                <a:ea typeface="+mn-ea"/>
+                <a:cs typeface="+mn-cs"/>
+              </a:defRPr>
+            </a:lvl9pPr>
+          </a:lstStyle>
+          <a:p>
+            <a:r>
+              <a:rPr lang="en-US" dirty="0" smtClean="0"/>
+              <a:t>1 implicitly implements automatic healing (this is the only missing feature for this)</a:t>
+            </a:r>
+          </a:p>
+          <a:p>
+            <a:r>
+              <a:rPr lang="en-US" dirty="0" smtClean="0"/>
+              <a:t>2 is very important for the user</a:t>
+            </a:r>
+          </a:p>
+          <a:p>
+            <a:r>
+              <a:rPr lang="en-US" dirty="0" smtClean="0"/>
+              <a:t>2 needs 6/rollback</a:t>
+            </a:r>
+          </a:p>
+          <a:p>
+            <a:r>
+              <a:rPr lang="en-US" dirty="0" smtClean="0"/>
+              <a:t>2 helps 6/abort (abortion is a special exception)</a:t>
+            </a:r>
+          </a:p>
+          <a:p>
+            <a:r>
+              <a:rPr lang="en-US" dirty="0" smtClean="0"/>
+              <a:t>Using multiprocessing, 5 is ok with 6</a:t>
+            </a:r>
+          </a:p>
+          <a:p>
+            <a:r>
+              <a:rPr lang="en-US" dirty="0" smtClean="0"/>
+              <a:t>5 is an optimization</a:t>
+            </a:r>
+          </a:p>
+          <a:p>
+            <a:r>
+              <a:rPr lang="en-US" dirty="0" smtClean="0"/>
+              <a:t>9/caching may not be necessary at all</a:t>
+            </a:r>
+          </a:p>
+          <a:p>
+            <a:r>
+              <a:rPr lang="en-US" dirty="0" smtClean="0"/>
+              <a:t>9/</a:t>
+            </a:r>
+            <a:r>
+              <a:rPr lang="en-US" dirty="0" err="1" smtClean="0"/>
+              <a:t>sharding</a:t>
+            </a:r>
+            <a:r>
+              <a:rPr lang="en-US" dirty="0" smtClean="0"/>
+              <a:t> is simple, short, and may be necessary</a:t>
+            </a:r>
+          </a:p>
+          <a:p>
+            <a:r>
+              <a:rPr lang="en-US" dirty="0" smtClean="0"/>
+              <a:t>7 is necessary for human—service interaction only</a:t>
+            </a:r>
+          </a:p>
+          <a:p>
+            <a:r>
+              <a:rPr lang="en-US" dirty="0" smtClean="0"/>
+              <a:t>7 is useful for machine—service interaction (testing, debugging)</a:t>
+            </a:r>
+          </a:p>
+        </p:txBody>
+      </p:sp>
+      <p:sp>
+        <p:nvSpPr>
+          <p:cNvPr id="5" name="Content Placeholder 2"/>
+          <p:cNvSpPr txBox="1">
+            <a:spLocks/>
+          </p:cNvSpPr>
+          <p:nvPr/>
+        </p:nvSpPr>
+        <p:spPr>
+          <a:xfrm>
+            <a:off x="5148064" y="2492897"/>
+            <a:ext cx="3610744" cy="1944215"/>
+          </a:xfrm>
+          <a:prstGeom prst="rect">
+            <a:avLst/>
+          </a:prstGeom>
+        </p:spPr>
+        <p:txBody>
+          <a:bodyPr vert="horz" lIns="91440" tIns="45720" rIns="91440" bIns="45720" rtlCol="0">
+            <a:normAutofit fontScale="40000" lnSpcReduction="20000"/>
+          </a:bodyPr>
+          <a:lstStyle>
+            <a:lvl1pPr marL="342900" indent="-342900" algn="l" defTabSz="914400" rtl="0" eaLnBrk="1" latinLnBrk="0" hangingPunct="1">
+              <a:spcBef>
+                <a:spcPct val="20000"/>
+              </a:spcBef>
+              <a:buFont typeface="Arial" pitchFamily="34" charset="0"/>
+              <a:buChar char="•"/>
+              <a:defRPr sz="2400" kern="1200">
+                <a:solidFill>
+                  <a:schemeClr val="tx1">
+                    <a:lumMod val="75000"/>
+                    <a:lumOff val="25000"/>
+                  </a:schemeClr>
+                </a:solidFill>
+                <a:latin typeface="+mn-lt"/>
+                <a:ea typeface="+mn-ea"/>
+                <a:cs typeface="+mn-cs"/>
+              </a:defRPr>
+            </a:lvl1pPr>
+            <a:lvl2pPr marL="742950" indent="-285750" algn="l" defTabSz="914400" rtl="0" eaLnBrk="1" latinLnBrk="0" hangingPunct="1">
+              <a:spcBef>
+                <a:spcPct val="20000"/>
+              </a:spcBef>
+              <a:buFont typeface="Courier New" pitchFamily="49" charset="0"/>
+              <a:buChar char="o"/>
+              <a:defRPr sz="1600" kern="1200">
+                <a:solidFill>
+                  <a:schemeClr val="tx1">
+                    <a:lumMod val="75000"/>
+                    <a:lumOff val="25000"/>
+                  </a:schemeClr>
+                </a:solidFill>
+                <a:latin typeface="+mn-lt"/>
+                <a:ea typeface="+mn-ea"/>
+                <a:cs typeface="+mn-cs"/>
+              </a:defRPr>
+            </a:lvl2pPr>
+            <a:lvl3pPr marL="1143000" indent="-228600" algn="l" defTabSz="914400" rtl="0" eaLnBrk="1" latinLnBrk="0" hangingPunct="1">
+              <a:spcBef>
+                <a:spcPct val="20000"/>
+              </a:spcBef>
+              <a:buFont typeface="Arial" pitchFamily="34" charset="0"/>
+              <a:buChar char="•"/>
+              <a:defRPr sz="1600" kern="1200">
+                <a:solidFill>
+                  <a:schemeClr val="tx1">
+                    <a:lumMod val="75000"/>
+                    <a:lumOff val="25000"/>
+                  </a:schemeClr>
+                </a:solidFill>
+                <a:latin typeface="+mn-lt"/>
+                <a:ea typeface="+mn-ea"/>
+                <a:cs typeface="+mn-cs"/>
+              </a:defRPr>
+            </a:lvl3pPr>
+            <a:lvl4pPr marL="1600200" indent="-228600" algn="l" defTabSz="914400" rtl="0" eaLnBrk="1" latinLnBrk="0" hangingPunct="1">
+              <a:spcBef>
+                <a:spcPct val="20000"/>
+              </a:spcBef>
+              <a:buFont typeface="Courier New" pitchFamily="49" charset="0"/>
+              <a:buChar char="o"/>
+              <a:defRPr sz="1600" kern="1200">
+                <a:solidFill>
+                  <a:schemeClr val="tx1">
+                    <a:lumMod val="75000"/>
+                    <a:lumOff val="25000"/>
+                  </a:schemeClr>
+                </a:solidFill>
+                <a:latin typeface="+mn-lt"/>
+                <a:ea typeface="+mn-ea"/>
+                <a:cs typeface="+mn-cs"/>
+              </a:defRPr>
+            </a:lvl4pPr>
+            <a:lvl5pPr marL="2057400" indent="-228600" algn="l" defTabSz="914400" rtl="0" eaLnBrk="1" latinLnBrk="0" hangingPunct="1">
+              <a:spcBef>
+                <a:spcPct val="20000"/>
+              </a:spcBef>
+              <a:buFont typeface="Arial" pitchFamily="34" charset="0"/>
+              <a:buChar char="•"/>
+              <a:defRPr sz="1600" kern="1200">
+                <a:solidFill>
+                  <a:schemeClr val="tx1">
+                    <a:lumMod val="75000"/>
+                    <a:lumOff val="25000"/>
+                  </a:schemeClr>
+                </a:solidFill>
+                <a:latin typeface="+mn-lt"/>
+                <a:ea typeface="+mn-ea"/>
+                <a:cs typeface="+mn-cs"/>
+              </a:defRPr>
+            </a:lvl5pPr>
+            <a:lvl6pPr marL="2514600" indent="-228600" algn="l" defTabSz="914400" rtl="0" eaLnBrk="1" latinLnBrk="0" hangingPunct="1">
+              <a:spcBef>
+                <a:spcPct val="20000"/>
+              </a:spcBef>
+              <a:buFont typeface="Courier New" pitchFamily="49" charset="0"/>
+              <a:buChar char="o"/>
+              <a:defRPr sz="1600" kern="1200">
+                <a:solidFill>
+                  <a:schemeClr val="tx1">
+                    <a:lumMod val="50000"/>
+                    <a:lumOff val="50000"/>
+                  </a:schemeClr>
+                </a:solidFill>
+                <a:latin typeface="+mj-lt"/>
+                <a:ea typeface="+mn-ea"/>
+                <a:cs typeface="+mn-cs"/>
+              </a:defRPr>
+            </a:lvl6pPr>
+            <a:lvl7pPr marL="2971800" indent="-228600" algn="l" defTabSz="914400" rtl="0" eaLnBrk="1" latinLnBrk="0" hangingPunct="1">
+              <a:spcBef>
+                <a:spcPct val="20000"/>
+              </a:spcBef>
+              <a:buFont typeface="Arial" pitchFamily="34" charset="0"/>
+              <a:buChar char="•"/>
+              <a:defRPr sz="1600" kern="1200">
+                <a:solidFill>
+                  <a:schemeClr val="tx1">
+                    <a:lumMod val="50000"/>
+                    <a:lumOff val="50000"/>
+                  </a:schemeClr>
+                </a:solidFill>
+                <a:latin typeface="+mj-lt"/>
+                <a:ea typeface="+mn-ea"/>
+                <a:cs typeface="+mn-cs"/>
+              </a:defRPr>
+            </a:lvl7pPr>
+            <a:lvl8pPr marL="3429000" indent="-228600" algn="l" defTabSz="914400" rtl="0" eaLnBrk="1" latinLnBrk="0" hangingPunct="1">
+              <a:spcBef>
+                <a:spcPct val="20000"/>
+              </a:spcBef>
+              <a:buFont typeface="Courier New" pitchFamily="49" charset="0"/>
+              <a:buChar char="o"/>
+              <a:defRPr sz="1600" kern="1200">
+                <a:solidFill>
+                  <a:schemeClr val="tx1">
+                    <a:lumMod val="50000"/>
+                    <a:lumOff val="50000"/>
+                  </a:schemeClr>
+                </a:solidFill>
+                <a:latin typeface="+mj-lt"/>
+                <a:ea typeface="+mn-ea"/>
+                <a:cs typeface="+mn-cs"/>
+              </a:defRPr>
+            </a:lvl8pPr>
+            <a:lvl9pPr marL="3886200" indent="-228600" algn="l" defTabSz="914400" rtl="0" eaLnBrk="1" latinLnBrk="0" hangingPunct="1">
+              <a:spcBef>
+                <a:spcPct val="20000"/>
+              </a:spcBef>
+              <a:buFont typeface="Arial" pitchFamily="34" charset="0"/>
+              <a:buChar char="•"/>
+              <a:defRPr sz="1600" kern="1200">
+                <a:solidFill>
+                  <a:schemeClr val="tx1">
+                    <a:lumMod val="50000"/>
+                    <a:lumOff val="50000"/>
+                  </a:schemeClr>
+                </a:solidFill>
+                <a:latin typeface="+mj-lt"/>
+                <a:ea typeface="+mn-ea"/>
+                <a:cs typeface="+mn-cs"/>
+              </a:defRPr>
+            </a:lvl9pPr>
+          </a:lstStyle>
+          <a:p>
+            <a:r>
+              <a:rPr lang="en-US" dirty="0" smtClean="0">
+                <a:solidFill>
+                  <a:srgbClr val="FF0000"/>
+                </a:solidFill>
+              </a:rPr>
+              <a:t>Node status standardization and upkeep</a:t>
+            </a:r>
+          </a:p>
+          <a:p>
+            <a:r>
+              <a:rPr lang="en-US" dirty="0" smtClean="0">
+                <a:solidFill>
+                  <a:srgbClr val="FF0000"/>
+                </a:solidFill>
+              </a:rPr>
+              <a:t>Error handling and propagation</a:t>
+            </a:r>
+          </a:p>
+          <a:p>
+            <a:r>
+              <a:rPr lang="en-US" dirty="0" smtClean="0">
+                <a:solidFill>
+                  <a:srgbClr val="FF0000"/>
+                </a:solidFill>
+              </a:rPr>
+              <a:t>Supplying user with information about infrastructure</a:t>
+            </a:r>
+          </a:p>
+          <a:p>
+            <a:r>
+              <a:rPr lang="en-US" dirty="0" err="1" smtClean="0">
+                <a:solidFill>
+                  <a:srgbClr val="FF0000"/>
+                </a:solidFill>
+              </a:rPr>
+              <a:t>ServiceComposer</a:t>
+            </a:r>
+            <a:r>
+              <a:rPr lang="en-US" dirty="0" smtClean="0">
+                <a:solidFill>
+                  <a:srgbClr val="FF0000"/>
+                </a:solidFill>
+              </a:rPr>
+              <a:t> and </a:t>
+            </a:r>
+            <a:r>
+              <a:rPr lang="en-US" dirty="0" err="1" smtClean="0">
+                <a:solidFill>
+                  <a:srgbClr val="FF0000"/>
+                </a:solidFill>
+              </a:rPr>
+              <a:t>CloudHandler</a:t>
+            </a:r>
+            <a:r>
+              <a:rPr lang="en-US" dirty="0" smtClean="0">
+                <a:solidFill>
+                  <a:srgbClr val="FF0000"/>
+                </a:solidFill>
+              </a:rPr>
+              <a:t> dispatching</a:t>
+            </a:r>
+          </a:p>
+          <a:p>
+            <a:r>
+              <a:rPr lang="en-US" dirty="0" smtClean="0">
+                <a:solidFill>
+                  <a:srgbClr val="FF0000"/>
+                </a:solidFill>
+              </a:rPr>
+              <a:t>IP parallelization</a:t>
+            </a:r>
+          </a:p>
+          <a:p>
+            <a:r>
+              <a:rPr lang="en-US" dirty="0" smtClean="0">
+                <a:solidFill>
+                  <a:srgbClr val="FF0000"/>
+                </a:solidFill>
+              </a:rPr>
+              <a:t>IP rollback</a:t>
+            </a:r>
+          </a:p>
+          <a:p>
+            <a:r>
+              <a:rPr lang="en-US" dirty="0" smtClean="0">
+                <a:solidFill>
+                  <a:srgbClr val="FF0000"/>
+                </a:solidFill>
+              </a:rPr>
+              <a:t>IP abort</a:t>
+            </a:r>
+          </a:p>
+          <a:p>
+            <a:r>
+              <a:rPr lang="en-US" dirty="0" smtClean="0">
+                <a:solidFill>
+                  <a:srgbClr val="FF0000"/>
+                </a:solidFill>
+              </a:rPr>
+              <a:t>IP cancellation (purge queue, abort, rollback)</a:t>
+            </a:r>
+          </a:p>
+          <a:p>
+            <a:r>
+              <a:rPr lang="en-US" dirty="0" smtClean="0">
+                <a:solidFill>
+                  <a:srgbClr val="FF0000"/>
+                </a:solidFill>
+              </a:rPr>
+              <a:t>Schema checking</a:t>
+            </a:r>
+          </a:p>
+          <a:p>
+            <a:r>
+              <a:rPr lang="en-US" dirty="0" smtClean="0">
+                <a:solidFill>
+                  <a:srgbClr val="FF0000"/>
+                </a:solidFill>
+              </a:rPr>
+              <a:t>Evaluable variables (semantic ordering, evaluation)</a:t>
+            </a:r>
+          </a:p>
+          <a:p>
+            <a:r>
+              <a:rPr lang="en-US" dirty="0" err="1" smtClean="0">
+                <a:solidFill>
+                  <a:srgbClr val="FF0000"/>
+                </a:solidFill>
+              </a:rPr>
+              <a:t>InfoBroker</a:t>
+            </a:r>
+            <a:r>
+              <a:rPr lang="en-US" dirty="0" smtClean="0">
+                <a:solidFill>
+                  <a:srgbClr val="FF0000"/>
+                </a:solidFill>
+              </a:rPr>
+              <a:t> Caching</a:t>
+            </a:r>
+          </a:p>
+          <a:p>
+            <a:r>
+              <a:rPr lang="en-US" dirty="0" err="1" smtClean="0">
+                <a:solidFill>
+                  <a:srgbClr val="FF0000"/>
+                </a:solidFill>
+              </a:rPr>
+              <a:t>InfoBroker</a:t>
+            </a:r>
+            <a:r>
+              <a:rPr lang="en-US" dirty="0" smtClean="0">
+                <a:solidFill>
+                  <a:srgbClr val="FF0000"/>
+                </a:solidFill>
+              </a:rPr>
+              <a:t> </a:t>
+            </a:r>
+            <a:r>
+              <a:rPr lang="en-US" dirty="0" err="1" smtClean="0">
+                <a:solidFill>
+                  <a:srgbClr val="FF0000"/>
+                </a:solidFill>
+              </a:rPr>
+              <a:t>Sharding</a:t>
+            </a:r>
+            <a:endParaRPr lang="en-US" dirty="0" smtClean="0">
+              <a:solidFill>
+                <a:srgbClr val="FF0000"/>
+              </a:solidFill>
+            </a:endParaRPr>
+          </a:p>
+          <a:p>
+            <a:endParaRPr lang="en-US" dirty="0">
+              <a:solidFill>
+                <a:srgbClr val="FF0000"/>
+              </a:solidFill>
+            </a:endParaRPr>
+          </a:p>
+        </p:txBody>
+      </p:sp>
+    </p:spTree>
+    <p:extLst>
+      <p:ext uri="{BB962C8B-B14F-4D97-AF65-F5344CB8AC3E}">
+        <p14:creationId xmlns:p14="http://schemas.microsoft.com/office/powerpoint/2010/main" val="3470197218"/>
+      </p:ext>
+    </p:extLst>
+  </p:cSld>
+  <p:clrMapOvr>
+    <a:masterClrMapping/>
+  </p:clrMapOvr>
+  <p:timing>
+    <p:tnLst>
+      <p:par>
+        <p:cTn xmlns:p14="http://schemas.microsoft.com/office/powerpoint/2010/main" id="1" dur="indefinite" restart="never" nodeType="tmRoot"/>
+      </p:par>
+    </p:tnLst>
+  </p:timing>
+</p:sld>
+</file>
+
+<file path=ppt/slides/slide25.xml><?xml version="1.0" encoding="utf-8"?>
+<p:sld xmlns:a="http://schemas.openxmlformats.org/drawingml/2006/main" xmlns:r="http://schemas.openxmlformats.org/officeDocument/2006/relationships" xmlns:p="http://schemas.openxmlformats.org/presentationml/2006/main">
+  <p:cSld>
+    <p:spTree>
+      <p:nvGrpSpPr>
+        <p:cNvPr id="1" name=""/>
+        <p:cNvGrpSpPr/>
+        <p:nvPr/>
+      </p:nvGrpSpPr>
+      <p:grpSpPr>
+        <a:xfrm>
+          <a:off x="0" y="0"/>
+          <a:ext cx="0" cy="0"/>
+          <a:chOff x="0" y="0"/>
+          <a:chExt cx="0" cy="0"/>
+        </a:xfrm>
+      </p:grpSpPr>
+      <p:sp>
+        <p:nvSpPr>
+          <p:cNvPr id="2" name="Title 1"/>
+          <p:cNvSpPr>
+            <a:spLocks noGrp="1"/>
+          </p:cNvSpPr>
+          <p:nvPr>
+            <p:ph type="title"/>
+          </p:nvPr>
+        </p:nvSpPr>
+        <p:spPr>
+          <a:xfrm>
+            <a:off x="457200" y="692696"/>
+            <a:ext cx="8229600" cy="648073"/>
+          </a:xfrm>
+        </p:spPr>
+        <p:txBody>
+          <a:bodyPr lIns="0" tIns="0" rIns="0" bIns="0" anchor="t"/>
+          <a:lstStyle/>
+          <a:p>
+            <a:r>
+              <a:rPr lang="en-US" dirty="0" smtClean="0">
+                <a:solidFill>
+                  <a:srgbClr val="FF0000"/>
+                </a:solidFill>
+              </a:rPr>
+              <a:t>Summary</a:t>
+            </a:r>
+            <a:endParaRPr lang="en-US" dirty="0">
+              <a:solidFill>
+                <a:srgbClr val="FF0000"/>
+              </a:solidFill>
+            </a:endParaRPr>
+          </a:p>
+        </p:txBody>
+      </p:sp>
+      <p:sp>
+        <p:nvSpPr>
+          <p:cNvPr id="3" name="Content Placeholder 2"/>
+          <p:cNvSpPr>
+            <a:spLocks noGrp="1"/>
+          </p:cNvSpPr>
+          <p:nvPr>
+            <p:ph idx="1"/>
+          </p:nvPr>
+        </p:nvSpPr>
+        <p:spPr>
+          <a:xfrm>
+            <a:off x="457200" y="1700808"/>
+            <a:ext cx="7787208" cy="4464496"/>
+          </a:xfrm>
+        </p:spPr>
+        <p:txBody>
+          <a:bodyPr>
+            <a:normAutofit fontScale="62500" lnSpcReduction="20000"/>
+          </a:bodyPr>
+          <a:lstStyle/>
+          <a:p>
+            <a:pPr marL="457200" indent="-457200">
+              <a:buFont typeface="+mj-lt"/>
+              <a:buAutoNum type="arabicPeriod"/>
+            </a:pPr>
+            <a:r>
+              <a:rPr lang="en-US" dirty="0" smtClean="0">
+                <a:solidFill>
+                  <a:srgbClr val="FF0000"/>
+                </a:solidFill>
+              </a:rPr>
+              <a:t>P5 Node status standardization and upkeep</a:t>
+            </a:r>
+          </a:p>
+          <a:p>
+            <a:pPr marL="457200" indent="-457200">
+              <a:buFont typeface="+mj-lt"/>
+              <a:buAutoNum type="arabicPeriod"/>
+            </a:pPr>
+            <a:r>
+              <a:rPr lang="en-US" dirty="0" smtClean="0">
+                <a:solidFill>
+                  <a:srgbClr val="FF0000"/>
+                </a:solidFill>
+              </a:rPr>
+              <a:t>P5 Supplying user with information about infrastructure, event logging, </a:t>
+            </a:r>
+            <a:r>
+              <a:rPr lang="en-US" dirty="0" err="1" smtClean="0">
+                <a:solidFill>
+                  <a:srgbClr val="FF0000"/>
+                </a:solidFill>
+              </a:rPr>
+              <a:t>timestamping</a:t>
+            </a:r>
+            <a:endParaRPr lang="en-US" dirty="0" smtClean="0">
+              <a:solidFill>
+                <a:srgbClr val="FF0000"/>
+              </a:solidFill>
+            </a:endParaRPr>
+          </a:p>
+          <a:p>
+            <a:pPr marL="457200" indent="-457200">
+              <a:buFont typeface="+mj-lt"/>
+              <a:buAutoNum type="arabicPeriod"/>
+            </a:pPr>
+            <a:r>
+              <a:rPr lang="en-US" dirty="0" smtClean="0">
+                <a:solidFill>
+                  <a:srgbClr val="FF0000"/>
+                </a:solidFill>
+              </a:rPr>
+              <a:t>P5 IP cancellation (purge queue, abort)</a:t>
+            </a:r>
+          </a:p>
+          <a:p>
+            <a:pPr marL="457200" indent="-457200">
+              <a:buFont typeface="+mj-lt"/>
+              <a:buAutoNum type="arabicPeriod"/>
+            </a:pPr>
+            <a:r>
+              <a:rPr lang="en-US" dirty="0" smtClean="0">
+                <a:solidFill>
+                  <a:srgbClr val="FF0000"/>
+                </a:solidFill>
+              </a:rPr>
+              <a:t>P4 Listing, querying – as needed</a:t>
+            </a:r>
+          </a:p>
+          <a:p>
+            <a:pPr marL="457200" indent="-457200">
+              <a:buFont typeface="+mj-lt"/>
+              <a:buAutoNum type="arabicPeriod"/>
+            </a:pPr>
+            <a:r>
+              <a:rPr lang="en-US" dirty="0" smtClean="0">
+                <a:solidFill>
+                  <a:srgbClr val="FF0000"/>
+                </a:solidFill>
+              </a:rPr>
+              <a:t>P4 Error handling</a:t>
+            </a:r>
+          </a:p>
+          <a:p>
+            <a:pPr marL="457200" indent="-457200">
+              <a:buFont typeface="+mj-lt"/>
+              <a:buAutoNum type="arabicPeriod"/>
+            </a:pPr>
+            <a:r>
+              <a:rPr lang="en-US" dirty="0" smtClean="0">
+                <a:solidFill>
+                  <a:srgbClr val="FF0000"/>
+                </a:solidFill>
+              </a:rPr>
+              <a:t>P4 </a:t>
+            </a:r>
+            <a:r>
+              <a:rPr lang="en-US" dirty="0" err="1" smtClean="0">
+                <a:solidFill>
+                  <a:srgbClr val="FF0000"/>
+                </a:solidFill>
+              </a:rPr>
+              <a:t>InfoBroker</a:t>
+            </a:r>
+            <a:r>
+              <a:rPr lang="en-US" dirty="0" smtClean="0">
+                <a:solidFill>
+                  <a:srgbClr val="FF0000"/>
+                </a:solidFill>
+              </a:rPr>
+              <a:t> </a:t>
+            </a:r>
+            <a:r>
+              <a:rPr lang="en-US" dirty="0" err="1" smtClean="0">
+                <a:solidFill>
+                  <a:srgbClr val="FF0000"/>
+                </a:solidFill>
+              </a:rPr>
+              <a:t>Sharding</a:t>
+            </a:r>
+            <a:endParaRPr lang="en-US" dirty="0" smtClean="0">
+              <a:solidFill>
+                <a:srgbClr val="FF0000"/>
+              </a:solidFill>
+            </a:endParaRPr>
+          </a:p>
+          <a:p>
+            <a:pPr marL="457200" indent="-457200">
+              <a:buFont typeface="+mj-lt"/>
+              <a:buAutoNum type="arabicPeriod"/>
+            </a:pPr>
+            <a:r>
+              <a:rPr lang="en-US" dirty="0" smtClean="0">
+                <a:solidFill>
+                  <a:srgbClr val="FF0000"/>
+                </a:solidFill>
+              </a:rPr>
+              <a:t>P4 IP parallelization</a:t>
+            </a:r>
+          </a:p>
+          <a:p>
+            <a:pPr marL="457200" indent="-457200">
+              <a:buFont typeface="+mj-lt"/>
+              <a:buAutoNum type="arabicPeriod"/>
+            </a:pPr>
+            <a:r>
+              <a:rPr lang="en-US" dirty="0" smtClean="0">
+                <a:solidFill>
+                  <a:srgbClr val="FF0000"/>
+                </a:solidFill>
+              </a:rPr>
+              <a:t>P3 Error information propagation</a:t>
+            </a:r>
+          </a:p>
+          <a:p>
+            <a:pPr marL="457200" indent="-457200">
+              <a:buFont typeface="+mj-lt"/>
+              <a:buAutoNum type="arabicPeriod"/>
+            </a:pPr>
+            <a:r>
+              <a:rPr lang="en-US" dirty="0" smtClean="0">
+                <a:solidFill>
+                  <a:srgbClr val="FF0000"/>
+                </a:solidFill>
+              </a:rPr>
+              <a:t>P2 </a:t>
+            </a:r>
+            <a:r>
+              <a:rPr lang="en-US" dirty="0" err="1" smtClean="0">
+                <a:solidFill>
+                  <a:srgbClr val="FF0000"/>
+                </a:solidFill>
+              </a:rPr>
+              <a:t>ServiceComposer</a:t>
+            </a:r>
+            <a:r>
+              <a:rPr lang="en-US" dirty="0" smtClean="0">
+                <a:solidFill>
+                  <a:srgbClr val="FF0000"/>
+                </a:solidFill>
+              </a:rPr>
+              <a:t> and </a:t>
+            </a:r>
+            <a:r>
+              <a:rPr lang="en-US" dirty="0" err="1" smtClean="0">
+                <a:solidFill>
+                  <a:srgbClr val="FF0000"/>
+                </a:solidFill>
+              </a:rPr>
+              <a:t>CloudHandler</a:t>
+            </a:r>
+            <a:r>
+              <a:rPr lang="en-US" dirty="0" smtClean="0">
+                <a:solidFill>
+                  <a:srgbClr val="FF0000"/>
+                </a:solidFill>
+              </a:rPr>
+              <a:t> dispatching</a:t>
+            </a:r>
+          </a:p>
+          <a:p>
+            <a:pPr marL="457200" indent="-457200">
+              <a:buFont typeface="+mj-lt"/>
+              <a:buAutoNum type="arabicPeriod"/>
+            </a:pPr>
+            <a:r>
+              <a:rPr lang="en-US" dirty="0" smtClean="0">
+                <a:solidFill>
+                  <a:srgbClr val="FF0000"/>
+                </a:solidFill>
+              </a:rPr>
+              <a:t>P2 IP rollback</a:t>
+            </a:r>
+          </a:p>
+          <a:p>
+            <a:pPr marL="457200" indent="-457200">
+              <a:buFont typeface="+mj-lt"/>
+              <a:buAutoNum type="arabicPeriod"/>
+            </a:pPr>
+            <a:r>
+              <a:rPr lang="en-US" dirty="0" smtClean="0">
+                <a:solidFill>
+                  <a:srgbClr val="FF0000"/>
+                </a:solidFill>
+              </a:rPr>
+              <a:t>P2 Evaluable variables (semantic ordering, evaluation)</a:t>
+            </a:r>
+          </a:p>
+          <a:p>
+            <a:pPr marL="457200" indent="-457200">
+              <a:buFont typeface="+mj-lt"/>
+              <a:buAutoNum type="arabicPeriod"/>
+            </a:pPr>
+            <a:r>
+              <a:rPr lang="en-US" dirty="0" smtClean="0">
+                <a:solidFill>
+                  <a:srgbClr val="FF0000"/>
+                </a:solidFill>
+              </a:rPr>
+              <a:t>P1 Schema checking</a:t>
+            </a:r>
+          </a:p>
+          <a:p>
+            <a:pPr marL="457200" indent="-457200">
+              <a:buFont typeface="+mj-lt"/>
+              <a:buAutoNum type="arabicPeriod"/>
+            </a:pPr>
+            <a:r>
+              <a:rPr lang="en-US" dirty="0" smtClean="0">
+                <a:solidFill>
+                  <a:srgbClr val="FF0000"/>
+                </a:solidFill>
+              </a:rPr>
+              <a:t>P1 </a:t>
+            </a:r>
+            <a:r>
+              <a:rPr lang="en-US" dirty="0" err="1" smtClean="0">
+                <a:solidFill>
+                  <a:srgbClr val="FF0000"/>
+                </a:solidFill>
+              </a:rPr>
+              <a:t>InfoBroker</a:t>
+            </a:r>
+            <a:r>
+              <a:rPr lang="en-US" dirty="0" smtClean="0">
+                <a:solidFill>
+                  <a:srgbClr val="FF0000"/>
+                </a:solidFill>
+              </a:rPr>
+              <a:t> Caching</a:t>
+            </a:r>
+          </a:p>
+          <a:p>
+            <a:pPr marL="457200" indent="-457200">
+              <a:buFont typeface="+mj-lt"/>
+              <a:buAutoNum type="arabicPeriod"/>
+            </a:pPr>
+            <a:r>
+              <a:rPr lang="en-US" dirty="0" smtClean="0">
+                <a:solidFill>
+                  <a:srgbClr val="FF0000"/>
+                </a:solidFill>
+              </a:rPr>
+              <a:t>P4-&gt;P1 Cookbook version specification (can be circumvented)</a:t>
+            </a:r>
+          </a:p>
+          <a:p>
+            <a:pPr marL="457200" indent="-457200">
+              <a:buFont typeface="+mj-lt"/>
+              <a:buAutoNum type="arabicPeriod"/>
+            </a:pPr>
+            <a:r>
+              <a:rPr lang="en-US" dirty="0" smtClean="0">
+                <a:solidFill>
+                  <a:srgbClr val="FF0000"/>
+                </a:solidFill>
+              </a:rPr>
+              <a:t>PX (was 1) Enactor: New behavior as needed by the Portal (X: as needed; not in scope now)</a:t>
+            </a:r>
+          </a:p>
+          <a:p>
+            <a:pPr marL="457200" indent="-457200">
+              <a:buFont typeface="+mj-lt"/>
+              <a:buAutoNum type="arabicPeriod"/>
+            </a:pPr>
+            <a:r>
+              <a:rPr lang="en-US" dirty="0" smtClean="0">
+                <a:solidFill>
+                  <a:srgbClr val="FF0000"/>
+                </a:solidFill>
+              </a:rPr>
+              <a:t>PX (was 5) Authentication and Authorization (X:  UI will be responsible)</a:t>
+            </a:r>
+          </a:p>
+        </p:txBody>
+      </p:sp>
+    </p:spTree>
+    <p:extLst>
+      <p:ext uri="{BB962C8B-B14F-4D97-AF65-F5344CB8AC3E}">
+        <p14:creationId xmlns:p14="http://schemas.microsoft.com/office/powerpoint/2010/main" val="422597714"/>
+      </p:ext>
+    </p:extLst>
+  </p:cSld>
+  <p:clrMapOvr>
+    <a:masterClrMapping/>
+  </p:clrMapOvr>
+  <p:timing>
+    <p:tnLst>
+      <p:par>
+        <p:cTn xmlns:p14="http://schemas.microsoft.com/office/powerpoint/2010/main" id="1" dur="indefinite" restart="never" nodeType="tmRoot"/>
+      </p:par>
+    </p:tnLst>
+  </p:timing>
+</p:sld>
+</file>
+
+<file path=ppt/slides/slide26.xml><?xml version="1.0" encoding="utf-8"?>
+<p:sld xmlns:a="http://schemas.openxmlformats.org/drawingml/2006/main" xmlns:r="http://schemas.openxmlformats.org/officeDocument/2006/relationships" xmlns:p="http://schemas.openxmlformats.org/presentationml/2006/main">
+  <p:cSld>
+    <p:spTree>
+      <p:nvGrpSpPr>
+        <p:cNvPr id="1" name=""/>
+        <p:cNvGrpSpPr/>
+        <p:nvPr/>
+      </p:nvGrpSpPr>
+      <p:grpSpPr>
+        <a:xfrm>
+          <a:off x="0" y="0"/>
+          <a:ext cx="0" cy="0"/>
+          <a:chOff x="0" y="0"/>
+          <a:chExt cx="0" cy="0"/>
+        </a:xfrm>
+      </p:grpSpPr>
+      <p:sp>
+        <p:nvSpPr>
+          <p:cNvPr id="2" name="Title 1"/>
+          <p:cNvSpPr>
+            <a:spLocks noGrp="1"/>
+          </p:cNvSpPr>
+          <p:nvPr>
+            <p:ph type="title"/>
+          </p:nvPr>
+        </p:nvSpPr>
+        <p:spPr>
+          <a:xfrm>
+            <a:off x="457200" y="692696"/>
+            <a:ext cx="8229600" cy="648073"/>
+          </a:xfrm>
+        </p:spPr>
+        <p:txBody>
+          <a:bodyPr lIns="0" tIns="0" rIns="0" bIns="0" anchor="t"/>
+          <a:lstStyle/>
+          <a:p>
+            <a:r>
+              <a:rPr lang="en-US" dirty="0" smtClean="0">
+                <a:solidFill>
+                  <a:srgbClr val="FF0000"/>
+                </a:solidFill>
+              </a:rPr>
+              <a:t>Summary</a:t>
+            </a:r>
+            <a:endParaRPr lang="en-US" dirty="0">
+              <a:solidFill>
+                <a:srgbClr val="FF0000"/>
+              </a:solidFill>
+            </a:endParaRPr>
+          </a:p>
+        </p:txBody>
+      </p:sp>
+      <p:sp>
+        <p:nvSpPr>
+          <p:cNvPr id="3" name="Content Placeholder 2"/>
+          <p:cNvSpPr>
+            <a:spLocks noGrp="1"/>
+          </p:cNvSpPr>
+          <p:nvPr>
+            <p:ph idx="1"/>
+          </p:nvPr>
+        </p:nvSpPr>
+        <p:spPr>
+          <a:xfrm>
+            <a:off x="457200" y="1700808"/>
+            <a:ext cx="7643192" cy="4464496"/>
+          </a:xfrm>
+        </p:spPr>
+        <p:txBody>
+          <a:bodyPr>
+            <a:normAutofit fontScale="62500" lnSpcReduction="20000"/>
+          </a:bodyPr>
+          <a:lstStyle/>
+          <a:p>
+            <a:pPr marL="457200" indent="-457200">
+              <a:buFont typeface="+mj-lt"/>
+              <a:buAutoNum type="arabicPeriod"/>
+            </a:pPr>
+            <a:r>
+              <a:rPr lang="en-US" dirty="0" smtClean="0">
+                <a:solidFill>
+                  <a:srgbClr val="FF0000"/>
+                </a:solidFill>
+              </a:rPr>
+              <a:t>P5 Node status standardization and upkeep</a:t>
+            </a:r>
+          </a:p>
+          <a:p>
+            <a:pPr marL="457200" indent="-457200">
+              <a:buFont typeface="+mj-lt"/>
+              <a:buAutoNum type="arabicPeriod"/>
+            </a:pPr>
+            <a:r>
+              <a:rPr lang="en-US" dirty="0" smtClean="0">
+                <a:solidFill>
+                  <a:srgbClr val="FF0000"/>
+                </a:solidFill>
+              </a:rPr>
+              <a:t>P5 Supplying user with information about infrastructure, event logging, </a:t>
+            </a:r>
+            <a:r>
+              <a:rPr lang="en-US" dirty="0" err="1" smtClean="0">
+                <a:solidFill>
+                  <a:srgbClr val="FF0000"/>
+                </a:solidFill>
+              </a:rPr>
+              <a:t>timestamping</a:t>
+            </a:r>
+            <a:endParaRPr lang="en-US" dirty="0" smtClean="0">
+              <a:solidFill>
+                <a:srgbClr val="FF0000"/>
+              </a:solidFill>
+            </a:endParaRPr>
+          </a:p>
+          <a:p>
+            <a:pPr marL="457200" indent="-457200">
+              <a:buFont typeface="+mj-lt"/>
+              <a:buAutoNum type="arabicPeriod"/>
+            </a:pPr>
+            <a:r>
+              <a:rPr lang="en-US" dirty="0" smtClean="0">
+                <a:solidFill>
+                  <a:srgbClr val="FF0000"/>
+                </a:solidFill>
+              </a:rPr>
+              <a:t>P5 IP cancellation (purge queue, abort)</a:t>
+            </a:r>
+          </a:p>
+          <a:p>
+            <a:pPr marL="457200" indent="-457200">
+              <a:buFont typeface="+mj-lt"/>
+              <a:buAutoNum type="arabicPeriod"/>
+            </a:pPr>
+            <a:endParaRPr lang="en-US" dirty="0" smtClean="0">
+              <a:solidFill>
+                <a:srgbClr val="FF0000"/>
+              </a:solidFill>
+            </a:endParaRPr>
+          </a:p>
+          <a:p>
+            <a:pPr marL="457200" indent="-457200">
+              <a:buFont typeface="+mj-lt"/>
+              <a:buAutoNum type="arabicPeriod"/>
+            </a:pPr>
+            <a:r>
+              <a:rPr lang="en-US" dirty="0" smtClean="0">
+                <a:solidFill>
+                  <a:srgbClr val="FF0000"/>
+                </a:solidFill>
+              </a:rPr>
+              <a:t>P4 Listing, querying – as needed</a:t>
+            </a:r>
+          </a:p>
+          <a:p>
+            <a:pPr marL="457200" indent="-457200">
+              <a:buFont typeface="+mj-lt"/>
+              <a:buAutoNum type="arabicPeriod"/>
+            </a:pPr>
+            <a:r>
+              <a:rPr lang="en-US" dirty="0" smtClean="0">
+                <a:solidFill>
+                  <a:srgbClr val="FF0000"/>
+                </a:solidFill>
+              </a:rPr>
+              <a:t>P4 Error handling</a:t>
+            </a:r>
+          </a:p>
+          <a:p>
+            <a:pPr marL="457200" indent="-457200">
+              <a:buFont typeface="+mj-lt"/>
+              <a:buAutoNum type="arabicPeriod"/>
+            </a:pPr>
+            <a:r>
+              <a:rPr lang="en-US" dirty="0" smtClean="0">
+                <a:solidFill>
+                  <a:srgbClr val="FF0000"/>
+                </a:solidFill>
+              </a:rPr>
+              <a:t>P4 </a:t>
+            </a:r>
+            <a:r>
+              <a:rPr lang="en-US" dirty="0" err="1" smtClean="0">
+                <a:solidFill>
+                  <a:srgbClr val="FF0000"/>
+                </a:solidFill>
+              </a:rPr>
+              <a:t>InfoBroker</a:t>
+            </a:r>
+            <a:r>
+              <a:rPr lang="en-US" dirty="0" smtClean="0">
+                <a:solidFill>
+                  <a:srgbClr val="FF0000"/>
+                </a:solidFill>
+              </a:rPr>
+              <a:t> </a:t>
+            </a:r>
+            <a:r>
+              <a:rPr lang="en-US" dirty="0" err="1" smtClean="0">
+                <a:solidFill>
+                  <a:srgbClr val="FF0000"/>
+                </a:solidFill>
+              </a:rPr>
+              <a:t>Sharding</a:t>
+            </a:r>
+            <a:endParaRPr lang="en-US" dirty="0" smtClean="0">
+              <a:solidFill>
+                <a:srgbClr val="FF0000"/>
+              </a:solidFill>
+            </a:endParaRPr>
+          </a:p>
+          <a:p>
+            <a:pPr marL="457200" indent="-457200">
+              <a:buFont typeface="+mj-lt"/>
+              <a:buAutoNum type="arabicPeriod"/>
+            </a:pPr>
+            <a:r>
+              <a:rPr lang="en-US" dirty="0" smtClean="0">
+                <a:solidFill>
+                  <a:srgbClr val="FF0000"/>
+                </a:solidFill>
+              </a:rPr>
+              <a:t>P4 IP parallelization</a:t>
+            </a:r>
+          </a:p>
+          <a:p>
+            <a:pPr marL="457200" indent="-457200">
+              <a:buFont typeface="+mj-lt"/>
+              <a:buAutoNum type="arabicPeriod"/>
+            </a:pPr>
+            <a:endParaRPr lang="en-US" dirty="0" smtClean="0">
+              <a:solidFill>
+                <a:srgbClr val="FF0000"/>
+              </a:solidFill>
+            </a:endParaRPr>
+          </a:p>
+          <a:p>
+            <a:pPr marL="457200" indent="-457200">
+              <a:buFont typeface="+mj-lt"/>
+              <a:buAutoNum type="arabicPeriod"/>
+            </a:pPr>
+            <a:r>
+              <a:rPr lang="en-US" dirty="0" smtClean="0">
+                <a:solidFill>
+                  <a:srgbClr val="FF0000"/>
+                </a:solidFill>
+              </a:rPr>
+              <a:t>P3 Error information propagation</a:t>
+            </a:r>
+          </a:p>
+          <a:p>
+            <a:pPr marL="457200" indent="-457200">
+              <a:buFont typeface="+mj-lt"/>
+              <a:buAutoNum type="arabicPeriod"/>
+            </a:pPr>
+            <a:endParaRPr lang="en-US" dirty="0" smtClean="0">
+              <a:solidFill>
+                <a:srgbClr val="FF0000"/>
+              </a:solidFill>
+            </a:endParaRPr>
+          </a:p>
+          <a:p>
+            <a:pPr marL="457200" indent="-457200">
+              <a:buFont typeface="+mj-lt"/>
+              <a:buAutoNum type="arabicPeriod"/>
+            </a:pPr>
+            <a:r>
+              <a:rPr lang="en-US" dirty="0" smtClean="0">
+                <a:solidFill>
+                  <a:srgbClr val="FF0000"/>
+                </a:solidFill>
+              </a:rPr>
+              <a:t>P2 </a:t>
+            </a:r>
+            <a:r>
+              <a:rPr lang="en-US" dirty="0" err="1" smtClean="0">
+                <a:solidFill>
+                  <a:srgbClr val="FF0000"/>
+                </a:solidFill>
+              </a:rPr>
+              <a:t>ServiceComposer</a:t>
+            </a:r>
+            <a:r>
+              <a:rPr lang="en-US" dirty="0" smtClean="0">
+                <a:solidFill>
+                  <a:srgbClr val="FF0000"/>
+                </a:solidFill>
+              </a:rPr>
+              <a:t> and </a:t>
+            </a:r>
+            <a:r>
+              <a:rPr lang="en-US" dirty="0" err="1" smtClean="0">
+                <a:solidFill>
+                  <a:srgbClr val="FF0000"/>
+                </a:solidFill>
+              </a:rPr>
+              <a:t>CloudHandler</a:t>
+            </a:r>
+            <a:r>
+              <a:rPr lang="en-US" dirty="0" smtClean="0">
+                <a:solidFill>
+                  <a:srgbClr val="FF0000"/>
+                </a:solidFill>
+              </a:rPr>
+              <a:t> dispatching</a:t>
+            </a:r>
+          </a:p>
+          <a:p>
+            <a:pPr marL="457200" indent="-457200">
+              <a:buFont typeface="+mj-lt"/>
+              <a:buAutoNum type="arabicPeriod"/>
+            </a:pPr>
+            <a:r>
+              <a:rPr lang="en-US" dirty="0" smtClean="0">
+                <a:solidFill>
+                  <a:srgbClr val="FF0000"/>
+                </a:solidFill>
+              </a:rPr>
+              <a:t>P2 IP rollback</a:t>
+            </a:r>
+          </a:p>
+          <a:p>
+            <a:pPr marL="457200" indent="-457200">
+              <a:buFont typeface="+mj-lt"/>
+              <a:buAutoNum type="arabicPeriod"/>
+            </a:pPr>
+            <a:r>
+              <a:rPr lang="en-US" dirty="0" smtClean="0">
+                <a:solidFill>
+                  <a:srgbClr val="FF0000"/>
+                </a:solidFill>
+              </a:rPr>
+              <a:t>P2 Evaluable variables (semantic ordering, evaluation)</a:t>
+            </a:r>
+          </a:p>
+          <a:p>
+            <a:pPr marL="457200" indent="-457200">
+              <a:buFont typeface="+mj-lt"/>
+              <a:buAutoNum type="arabicPeriod"/>
+            </a:pPr>
+            <a:endParaRPr lang="en-US" dirty="0" smtClean="0">
+              <a:solidFill>
+                <a:srgbClr val="FF0000"/>
+              </a:solidFill>
+            </a:endParaRPr>
+          </a:p>
+          <a:p>
+            <a:pPr marL="457200" indent="-457200">
+              <a:buFont typeface="+mj-lt"/>
+              <a:buAutoNum type="arabicPeriod"/>
+            </a:pPr>
+            <a:r>
+              <a:rPr lang="en-US" dirty="0" smtClean="0">
+                <a:solidFill>
+                  <a:srgbClr val="FF0000"/>
+                </a:solidFill>
+              </a:rPr>
+              <a:t>P1 Schema checking</a:t>
+            </a:r>
+          </a:p>
+          <a:p>
+            <a:pPr marL="457200" indent="-457200">
+              <a:buFont typeface="+mj-lt"/>
+              <a:buAutoNum type="arabicPeriod"/>
+            </a:pPr>
+            <a:r>
+              <a:rPr lang="en-US" dirty="0" smtClean="0">
+                <a:solidFill>
+                  <a:srgbClr val="FF0000"/>
+                </a:solidFill>
+              </a:rPr>
+              <a:t>P1 </a:t>
+            </a:r>
+            <a:r>
+              <a:rPr lang="en-US" dirty="0" err="1" smtClean="0">
+                <a:solidFill>
+                  <a:srgbClr val="FF0000"/>
+                </a:solidFill>
+              </a:rPr>
+              <a:t>InfoBroker</a:t>
+            </a:r>
+            <a:r>
+              <a:rPr lang="en-US" dirty="0" smtClean="0">
+                <a:solidFill>
+                  <a:srgbClr val="FF0000"/>
+                </a:solidFill>
+              </a:rPr>
+              <a:t> Caching</a:t>
+            </a:r>
+          </a:p>
+          <a:p>
+            <a:pPr marL="457200" indent="-457200">
+              <a:buFont typeface="+mj-lt"/>
+              <a:buAutoNum type="arabicPeriod"/>
+            </a:pPr>
+            <a:r>
+              <a:rPr lang="en-US" dirty="0" smtClean="0">
+                <a:solidFill>
+                  <a:srgbClr val="FF0000"/>
+                </a:solidFill>
+              </a:rPr>
+              <a:t>P4-&gt;P1 Cookbook version specification (can be circumvented)</a:t>
+            </a:r>
+          </a:p>
+        </p:txBody>
+      </p:sp>
+    </p:spTree>
+    <p:extLst>
+      <p:ext uri="{BB962C8B-B14F-4D97-AF65-F5344CB8AC3E}">
+        <p14:creationId xmlns:p14="http://schemas.microsoft.com/office/powerpoint/2010/main" val="4278693882"/>
+      </p:ext>
+    </p:extLst>
+  </p:cSld>
+  <p:clrMapOvr>
+    <a:masterClrMapping/>
+  </p:clrMapOvr>
+  <p:timing>
+    <p:tnLst>
+      <p:par>
+        <p:cTn xmlns:p14="http://schemas.microsoft.com/office/powerpoint/2010/main" id="1" dur="indefinite" restart="never" nodeType="tmRoot"/>
+      </p:par>
+    </p:tnLst>
+  </p:timing>
+</p:sld>
+</file>
+
+<file path=ppt/slides/slide27.xml><?xml version="1.0" encoding="utf-8"?>
+<p:sld xmlns:a="http://schemas.openxmlformats.org/drawingml/2006/main" xmlns:r="http://schemas.openxmlformats.org/officeDocument/2006/relationships" xmlns:p="http://schemas.openxmlformats.org/presentationml/2006/main">
+  <p:cSld>
+    <p:spTree>
+      <p:nvGrpSpPr>
+        <p:cNvPr id="1" name=""/>
+        <p:cNvGrpSpPr/>
+        <p:nvPr/>
+      </p:nvGrpSpPr>
+      <p:grpSpPr>
+        <a:xfrm>
+          <a:off x="0" y="0"/>
+          <a:ext cx="0" cy="0"/>
+          <a:chOff x="0" y="0"/>
+          <a:chExt cx="0" cy="0"/>
+        </a:xfrm>
+      </p:grpSpPr>
+      <p:sp>
+        <p:nvSpPr>
+          <p:cNvPr id="2" name="Title 1"/>
+          <p:cNvSpPr>
+            <a:spLocks noGrp="1"/>
+          </p:cNvSpPr>
+          <p:nvPr>
+            <p:ph type="title"/>
+          </p:nvPr>
+        </p:nvSpPr>
+        <p:spPr>
+          <a:xfrm>
+            <a:off x="457200" y="692696"/>
+            <a:ext cx="8229600" cy="648073"/>
+          </a:xfrm>
+        </p:spPr>
+        <p:txBody>
+          <a:bodyPr lIns="0" tIns="0" rIns="0" bIns="0" anchor="t"/>
+          <a:lstStyle/>
+          <a:p>
+            <a:r>
+              <a:rPr lang="en-US" dirty="0" smtClean="0">
+                <a:solidFill>
+                  <a:srgbClr val="FF0000"/>
+                </a:solidFill>
+              </a:rPr>
+              <a:t>Summary</a:t>
+            </a:r>
+            <a:endParaRPr lang="en-US" dirty="0">
+              <a:solidFill>
+                <a:srgbClr val="FF0000"/>
+              </a:solidFill>
+            </a:endParaRPr>
+          </a:p>
+        </p:txBody>
+      </p:sp>
+      <p:sp>
+        <p:nvSpPr>
+          <p:cNvPr id="3" name="Content Placeholder 2"/>
+          <p:cNvSpPr>
+            <a:spLocks noGrp="1"/>
+          </p:cNvSpPr>
+          <p:nvPr>
+            <p:ph idx="1"/>
+          </p:nvPr>
+        </p:nvSpPr>
+        <p:spPr>
+          <a:xfrm>
+            <a:off x="457200" y="1700808"/>
+            <a:ext cx="7643192" cy="4464496"/>
+          </a:xfrm>
+        </p:spPr>
+        <p:txBody>
+          <a:bodyPr>
+            <a:normAutofit fontScale="62500" lnSpcReduction="20000"/>
+          </a:bodyPr>
+          <a:lstStyle/>
+          <a:p>
+            <a:pPr marL="457200" indent="-457200">
+              <a:buFont typeface="+mj-lt"/>
+              <a:buAutoNum type="arabicPeriod"/>
+            </a:pPr>
+            <a:r>
+              <a:rPr lang="en-US" dirty="0" smtClean="0">
+                <a:solidFill>
+                  <a:srgbClr val="FF0000"/>
+                </a:solidFill>
+              </a:rPr>
+              <a:t>E P5 Finish </a:t>
+            </a:r>
+            <a:r>
+              <a:rPr lang="en-US" dirty="0" err="1" smtClean="0">
+                <a:solidFill>
+                  <a:srgbClr val="FF0000"/>
+                </a:solidFill>
+              </a:rPr>
+              <a:t>mysql-wordpress</a:t>
+            </a:r>
+            <a:r>
+              <a:rPr lang="en-US" dirty="0" smtClean="0">
+                <a:solidFill>
+                  <a:srgbClr val="FF0000"/>
+                </a:solidFill>
+              </a:rPr>
+              <a:t> demo (because it’s trivial work</a:t>
+            </a:r>
+          </a:p>
+          <a:p>
+            <a:pPr marL="457200" indent="-457200">
+              <a:buFont typeface="+mj-lt"/>
+              <a:buAutoNum type="arabicPeriod"/>
+            </a:pPr>
+            <a:r>
+              <a:rPr lang="en-US" dirty="0" smtClean="0">
+                <a:solidFill>
+                  <a:srgbClr val="FF0000"/>
+                </a:solidFill>
+              </a:rPr>
+              <a:t>E P5 Node status standardization and upkeep</a:t>
+            </a:r>
+          </a:p>
+          <a:p>
+            <a:pPr marL="457200" indent="-457200">
+              <a:buFont typeface="+mj-lt"/>
+              <a:buAutoNum type="arabicPeriod"/>
+            </a:pPr>
+            <a:r>
+              <a:rPr lang="en-US" dirty="0" smtClean="0">
+                <a:solidFill>
+                  <a:srgbClr val="FF0000"/>
+                </a:solidFill>
+              </a:rPr>
+              <a:t>E P5 Supplying user with information about infrastructure, event logging, </a:t>
+            </a:r>
+            <a:r>
+              <a:rPr lang="en-US" dirty="0" err="1" smtClean="0">
+                <a:solidFill>
+                  <a:srgbClr val="FF0000"/>
+                </a:solidFill>
+              </a:rPr>
+              <a:t>timestamping</a:t>
+            </a:r>
+            <a:endParaRPr lang="en-US" dirty="0">
+              <a:solidFill>
+                <a:srgbClr val="FF0000"/>
+              </a:solidFill>
+            </a:endParaRPr>
+          </a:p>
+          <a:p>
+            <a:pPr marL="857250" lvl="1" indent="-457200"/>
+            <a:r>
+              <a:rPr lang="en-US" dirty="0" smtClean="0">
+                <a:solidFill>
+                  <a:srgbClr val="FF0000"/>
+                </a:solidFill>
+              </a:rPr>
+              <a:t>+ Error </a:t>
+            </a:r>
+            <a:r>
+              <a:rPr lang="en-US" dirty="0">
+                <a:solidFill>
+                  <a:srgbClr val="FF0000"/>
+                </a:solidFill>
+              </a:rPr>
+              <a:t>information </a:t>
+            </a:r>
+            <a:r>
+              <a:rPr lang="en-US" dirty="0" smtClean="0">
+                <a:solidFill>
+                  <a:srgbClr val="FF0000"/>
+                </a:solidFill>
+              </a:rPr>
+              <a:t>propagation</a:t>
+            </a:r>
+          </a:p>
+          <a:p>
+            <a:pPr marL="457200" indent="-457200">
+              <a:buFont typeface="+mj-lt"/>
+              <a:buAutoNum type="arabicPeriod"/>
+            </a:pPr>
+            <a:r>
+              <a:rPr lang="en-US" dirty="0" smtClean="0">
+                <a:solidFill>
+                  <a:srgbClr val="FF0000"/>
+                </a:solidFill>
+              </a:rPr>
+              <a:t>E P5 IP cancellation (purge queue, abort)</a:t>
+            </a:r>
+          </a:p>
+          <a:p>
+            <a:pPr marL="457200" indent="-457200">
+              <a:buFont typeface="+mj-lt"/>
+              <a:buAutoNum type="arabicPeriod"/>
+            </a:pPr>
+            <a:endParaRPr lang="en-US" dirty="0" smtClean="0">
+              <a:solidFill>
+                <a:srgbClr val="FF0000"/>
+              </a:solidFill>
+            </a:endParaRPr>
+          </a:p>
+          <a:p>
+            <a:pPr marL="457200" indent="-457200">
+              <a:buFont typeface="+mj-lt"/>
+              <a:buAutoNum type="arabicPeriod"/>
+            </a:pPr>
+            <a:r>
+              <a:rPr lang="en-US" dirty="0" smtClean="0">
+                <a:solidFill>
+                  <a:srgbClr val="FF0000"/>
+                </a:solidFill>
+              </a:rPr>
+              <a:t>P4 Listing, querying – as needed</a:t>
+            </a:r>
+          </a:p>
+          <a:p>
+            <a:pPr marL="457200" indent="-457200">
+              <a:buFont typeface="+mj-lt"/>
+              <a:buAutoNum type="arabicPeriod"/>
+            </a:pPr>
+            <a:r>
+              <a:rPr lang="en-US" dirty="0" smtClean="0">
+                <a:solidFill>
+                  <a:srgbClr val="FF0000"/>
+                </a:solidFill>
+              </a:rPr>
+              <a:t>E P4 Error handling</a:t>
+            </a:r>
+          </a:p>
+          <a:p>
+            <a:pPr marL="457200" indent="-457200">
+              <a:buFont typeface="+mj-lt"/>
+              <a:buAutoNum type="arabicPeriod"/>
+            </a:pPr>
+            <a:r>
+              <a:rPr lang="en-US" dirty="0" smtClean="0">
+                <a:solidFill>
+                  <a:srgbClr val="FF0000"/>
+                </a:solidFill>
+              </a:rPr>
+              <a:t>P4 </a:t>
+            </a:r>
+            <a:r>
+              <a:rPr lang="en-US" dirty="0" err="1" smtClean="0">
+                <a:solidFill>
+                  <a:srgbClr val="FF0000"/>
+                </a:solidFill>
+              </a:rPr>
+              <a:t>InfoBroker</a:t>
+            </a:r>
+            <a:r>
+              <a:rPr lang="en-US" dirty="0" smtClean="0">
+                <a:solidFill>
+                  <a:srgbClr val="FF0000"/>
+                </a:solidFill>
+              </a:rPr>
+              <a:t> </a:t>
+            </a:r>
+            <a:r>
+              <a:rPr lang="en-US" dirty="0" err="1" smtClean="0">
+                <a:solidFill>
+                  <a:srgbClr val="FF0000"/>
+                </a:solidFill>
+              </a:rPr>
+              <a:t>Sharding</a:t>
+            </a:r>
+            <a:endParaRPr lang="en-US" dirty="0" smtClean="0">
+              <a:solidFill>
+                <a:srgbClr val="FF0000"/>
+              </a:solidFill>
+            </a:endParaRPr>
+          </a:p>
+          <a:p>
+            <a:pPr marL="457200" indent="-457200">
+              <a:buFont typeface="+mj-lt"/>
+              <a:buAutoNum type="arabicPeriod"/>
+            </a:pPr>
+            <a:r>
+              <a:rPr lang="en-US" dirty="0" smtClean="0">
+                <a:solidFill>
+                  <a:srgbClr val="FF0000"/>
+                </a:solidFill>
+              </a:rPr>
+              <a:t>E P4 IP parallelization</a:t>
+            </a:r>
+          </a:p>
+          <a:p>
+            <a:pPr marL="457200" indent="-457200">
+              <a:buFont typeface="+mj-lt"/>
+              <a:buAutoNum type="arabicPeriod"/>
+            </a:pPr>
+            <a:endParaRPr lang="en-US" dirty="0" smtClean="0">
+              <a:solidFill>
+                <a:srgbClr val="FF0000"/>
+              </a:solidFill>
+            </a:endParaRPr>
+          </a:p>
+          <a:p>
+            <a:pPr marL="457200" indent="-457200">
+              <a:buFont typeface="+mj-lt"/>
+              <a:buAutoNum type="arabicPeriod"/>
+            </a:pPr>
+            <a:r>
+              <a:rPr lang="en-US" dirty="0" smtClean="0">
+                <a:solidFill>
+                  <a:srgbClr val="FF0000"/>
+                </a:solidFill>
+              </a:rPr>
+              <a:t>E P2 </a:t>
+            </a:r>
+            <a:r>
+              <a:rPr lang="en-US" dirty="0" err="1" smtClean="0">
+                <a:solidFill>
+                  <a:srgbClr val="FF0000"/>
+                </a:solidFill>
+              </a:rPr>
+              <a:t>ServiceComposer</a:t>
+            </a:r>
+            <a:r>
+              <a:rPr lang="en-US" dirty="0" smtClean="0">
+                <a:solidFill>
+                  <a:srgbClr val="FF0000"/>
+                </a:solidFill>
+              </a:rPr>
+              <a:t> and </a:t>
+            </a:r>
+            <a:r>
+              <a:rPr lang="en-US" dirty="0" err="1" smtClean="0">
+                <a:solidFill>
+                  <a:srgbClr val="FF0000"/>
+                </a:solidFill>
+              </a:rPr>
+              <a:t>CloudHandler</a:t>
+            </a:r>
+            <a:r>
+              <a:rPr lang="en-US" dirty="0" smtClean="0">
+                <a:solidFill>
+                  <a:srgbClr val="FF0000"/>
+                </a:solidFill>
+              </a:rPr>
+              <a:t> dispatching</a:t>
+            </a:r>
+          </a:p>
+          <a:p>
+            <a:pPr marL="457200" indent="-457200">
+              <a:buFont typeface="+mj-lt"/>
+              <a:buAutoNum type="arabicPeriod"/>
+            </a:pPr>
+            <a:r>
+              <a:rPr lang="en-US" dirty="0" smtClean="0">
+                <a:solidFill>
+                  <a:srgbClr val="FF0000"/>
+                </a:solidFill>
+              </a:rPr>
+              <a:t>E P2 IP rollback</a:t>
+            </a:r>
+          </a:p>
+          <a:p>
+            <a:pPr marL="457200" indent="-457200">
+              <a:buFont typeface="+mj-lt"/>
+              <a:buAutoNum type="arabicPeriod"/>
+            </a:pPr>
+            <a:r>
+              <a:rPr lang="en-US" dirty="0" smtClean="0">
+                <a:solidFill>
+                  <a:srgbClr val="FF0000"/>
+                </a:solidFill>
+              </a:rPr>
+              <a:t>E P2 Evaluable variables (semantic ordering, evaluation)</a:t>
+            </a:r>
+          </a:p>
+          <a:p>
+            <a:pPr marL="457200" indent="-457200">
+              <a:buFont typeface="+mj-lt"/>
+              <a:buAutoNum type="arabicPeriod"/>
+            </a:pPr>
+            <a:endParaRPr lang="en-US" dirty="0" smtClean="0">
+              <a:solidFill>
+                <a:srgbClr val="FF0000"/>
+              </a:solidFill>
+            </a:endParaRPr>
+          </a:p>
+          <a:p>
+            <a:pPr marL="457200" indent="-457200">
+              <a:buFont typeface="+mj-lt"/>
+              <a:buAutoNum type="arabicPeriod"/>
+            </a:pPr>
+            <a:r>
+              <a:rPr lang="en-US" dirty="0" smtClean="0">
+                <a:solidFill>
+                  <a:srgbClr val="FF0000"/>
+                </a:solidFill>
+              </a:rPr>
+              <a:t>E P1 Schema checking</a:t>
+            </a:r>
+          </a:p>
+          <a:p>
+            <a:pPr marL="457200" indent="-457200">
+              <a:buFont typeface="+mj-lt"/>
+              <a:buAutoNum type="arabicPeriod"/>
+            </a:pPr>
+            <a:r>
+              <a:rPr lang="en-US" dirty="0" smtClean="0">
+                <a:solidFill>
+                  <a:srgbClr val="FF0000"/>
+                </a:solidFill>
+              </a:rPr>
+              <a:t>P1 </a:t>
+            </a:r>
+            <a:r>
+              <a:rPr lang="en-US" dirty="0" err="1" smtClean="0">
+                <a:solidFill>
+                  <a:srgbClr val="FF0000"/>
+                </a:solidFill>
+              </a:rPr>
+              <a:t>InfoBroker</a:t>
+            </a:r>
+            <a:r>
+              <a:rPr lang="en-US" dirty="0" smtClean="0">
+                <a:solidFill>
+                  <a:srgbClr val="FF0000"/>
+                </a:solidFill>
+              </a:rPr>
+              <a:t> Caching</a:t>
+            </a:r>
+          </a:p>
+          <a:p>
+            <a:pPr marL="457200" indent="-457200">
+              <a:buFont typeface="+mj-lt"/>
+              <a:buAutoNum type="arabicPeriod"/>
+            </a:pPr>
+            <a:r>
+              <a:rPr lang="en-US" dirty="0" smtClean="0">
+                <a:solidFill>
+                  <a:srgbClr val="FF0000"/>
+                </a:solidFill>
+              </a:rPr>
+              <a:t>P1 Enactor: New behavior as needed by the Portal</a:t>
+            </a:r>
+          </a:p>
+          <a:p>
+            <a:pPr marL="457200" indent="-457200">
+              <a:buFont typeface="+mj-lt"/>
+              <a:buAutoNum type="arabicPeriod"/>
+            </a:pPr>
+            <a:r>
+              <a:rPr lang="en-US" dirty="0" smtClean="0">
+                <a:solidFill>
+                  <a:srgbClr val="FF0000"/>
+                </a:solidFill>
+              </a:rPr>
+              <a:t>P4-&gt;P1 Cookbook version specification (can be circumvented)</a:t>
+            </a:r>
+          </a:p>
+        </p:txBody>
+      </p:sp>
+    </p:spTree>
+    <p:extLst>
+      <p:ext uri="{BB962C8B-B14F-4D97-AF65-F5344CB8AC3E}">
+        <p14:creationId xmlns:p14="http://schemas.microsoft.com/office/powerpoint/2010/main" val="561490041"/>
+      </p:ext>
+    </p:extLst>
+  </p:cSld>
+  <p:clrMapOvr>
+    <a:masterClrMapping/>
+  </p:clrMapOvr>
+  <p:timing>
+    <p:tnLst>
+      <p:par>
+        <p:cTn xmlns:p14="http://schemas.microsoft.com/office/powerpoint/2010/main" id="1" dur="indefinite" restart="never" nodeType="tmRoot"/>
+      </p:par>
+    </p:tnLst>
+  </p:timing>
+</p:sld>
+</file>
+
+<file path=ppt/slides/slide28.xml><?xml version="1.0" encoding="utf-8"?>
+<p:sld xmlns:a="http://schemas.openxmlformats.org/drawingml/2006/main" xmlns:r="http://schemas.openxmlformats.org/officeDocument/2006/relationships" xmlns:p="http://schemas.openxmlformats.org/presentationml/2006/main">
+  <p:cSld>
+    <p:spTree>
+      <p:nvGrpSpPr>
+        <p:cNvPr id="1" name=""/>
+        <p:cNvGrpSpPr/>
+        <p:nvPr/>
+      </p:nvGrpSpPr>
+      <p:grpSpPr>
+        <a:xfrm>
+          <a:off x="0" y="0"/>
+          <a:ext cx="0" cy="0"/>
+          <a:chOff x="0" y="0"/>
+          <a:chExt cx="0" cy="0"/>
+        </a:xfrm>
+      </p:grpSpPr>
+      <p:sp>
+        <p:nvSpPr>
+          <p:cNvPr id="2" name="Title 1"/>
+          <p:cNvSpPr>
+            <a:spLocks noGrp="1"/>
+          </p:cNvSpPr>
+          <p:nvPr>
+            <p:ph type="title"/>
+          </p:nvPr>
+        </p:nvSpPr>
+        <p:spPr>
+          <a:xfrm>
+            <a:off x="457200" y="692696"/>
+            <a:ext cx="8229600" cy="648073"/>
+          </a:xfrm>
+        </p:spPr>
+        <p:txBody>
+          <a:bodyPr lIns="0" tIns="0" rIns="0" bIns="0" anchor="t"/>
+          <a:lstStyle/>
+          <a:p>
+            <a:r>
+              <a:rPr lang="en-US" dirty="0" smtClean="0">
+                <a:solidFill>
+                  <a:srgbClr val="FF0000"/>
+                </a:solidFill>
+              </a:rPr>
+              <a:t>Summary</a:t>
+            </a:r>
+            <a:endParaRPr lang="en-US" dirty="0">
+              <a:solidFill>
+                <a:srgbClr val="FF0000"/>
+              </a:solidFill>
+            </a:endParaRPr>
+          </a:p>
+        </p:txBody>
+      </p:sp>
+      <p:sp>
+        <p:nvSpPr>
+          <p:cNvPr id="3" name="Content Placeholder 2"/>
+          <p:cNvSpPr>
+            <a:spLocks noGrp="1"/>
+          </p:cNvSpPr>
+          <p:nvPr>
+            <p:ph idx="1"/>
+          </p:nvPr>
+        </p:nvSpPr>
+        <p:spPr>
+          <a:xfrm>
+            <a:off x="457200" y="1700808"/>
+            <a:ext cx="7643192" cy="4464496"/>
+          </a:xfrm>
+        </p:spPr>
+        <p:txBody>
+          <a:bodyPr>
+            <a:normAutofit fontScale="47500" lnSpcReduction="20000"/>
+          </a:bodyPr>
+          <a:lstStyle/>
+          <a:p>
+            <a:pPr marL="457200" indent="-457200">
+              <a:buFont typeface="+mj-lt"/>
+              <a:buAutoNum type="arabicPeriod"/>
+            </a:pPr>
+            <a:r>
+              <a:rPr lang="en-US" strike="sngStrike" dirty="0" smtClean="0">
+                <a:solidFill>
+                  <a:srgbClr val="FF0000"/>
+                </a:solidFill>
+              </a:rPr>
+              <a:t>E P5 Finish </a:t>
+            </a:r>
+            <a:r>
+              <a:rPr lang="en-US" strike="sngStrike" dirty="0" err="1" smtClean="0">
+                <a:solidFill>
+                  <a:srgbClr val="FF0000"/>
+                </a:solidFill>
+              </a:rPr>
+              <a:t>mysql-wordpress</a:t>
+            </a:r>
+            <a:r>
+              <a:rPr lang="en-US" strike="sngStrike" dirty="0" smtClean="0">
+                <a:solidFill>
+                  <a:srgbClr val="FF0000"/>
+                </a:solidFill>
+              </a:rPr>
+              <a:t> demo (because it’s trivial work</a:t>
+            </a:r>
+          </a:p>
+          <a:p>
+            <a:pPr marL="457200" indent="-457200">
+              <a:buFont typeface="+mj-lt"/>
+              <a:buAutoNum type="arabicPeriod"/>
+            </a:pPr>
+            <a:r>
+              <a:rPr lang="en-US" strike="sngStrike" dirty="0" smtClean="0">
+                <a:solidFill>
+                  <a:srgbClr val="FF0000"/>
+                </a:solidFill>
+              </a:rPr>
+              <a:t>E P5 Node status standardization and upkeep</a:t>
+            </a:r>
+          </a:p>
+          <a:p>
+            <a:pPr marL="457200" indent="-457200">
+              <a:buFont typeface="+mj-lt"/>
+              <a:buAutoNum type="arabicPeriod"/>
+            </a:pPr>
+            <a:r>
+              <a:rPr lang="en-US" strike="sngStrike" dirty="0" smtClean="0">
+                <a:solidFill>
+                  <a:srgbClr val="FF0000"/>
+                </a:solidFill>
+              </a:rPr>
+              <a:t>E P5 Supplying user with information about infrastructure</a:t>
+            </a:r>
+            <a:r>
+              <a:rPr lang="en-US" dirty="0" smtClean="0">
+                <a:solidFill>
+                  <a:srgbClr val="FF0000"/>
+                </a:solidFill>
+              </a:rPr>
+              <a:t>, </a:t>
+            </a:r>
+            <a:r>
+              <a:rPr lang="en-US" strike="sngStrike" dirty="0" smtClean="0">
+                <a:solidFill>
+                  <a:srgbClr val="FF0000"/>
+                </a:solidFill>
+              </a:rPr>
+              <a:t>event logging</a:t>
+            </a:r>
+            <a:r>
+              <a:rPr lang="en-US" dirty="0" smtClean="0">
+                <a:solidFill>
+                  <a:srgbClr val="FF0000"/>
+                </a:solidFill>
+              </a:rPr>
+              <a:t>, </a:t>
+            </a:r>
+            <a:r>
+              <a:rPr lang="en-US" dirty="0" err="1" smtClean="0">
+                <a:solidFill>
+                  <a:srgbClr val="FF0000"/>
+                </a:solidFill>
+              </a:rPr>
+              <a:t>timestamping</a:t>
+            </a:r>
+            <a:endParaRPr lang="en-US" dirty="0">
+              <a:solidFill>
+                <a:srgbClr val="FF0000"/>
+              </a:solidFill>
+            </a:endParaRPr>
+          </a:p>
+          <a:p>
+            <a:pPr marL="857250" lvl="1" indent="-457200"/>
+            <a:r>
+              <a:rPr lang="en-US" dirty="0" smtClean="0">
+                <a:solidFill>
+                  <a:srgbClr val="FF0000"/>
+                </a:solidFill>
+              </a:rPr>
+              <a:t>+ </a:t>
+            </a:r>
+            <a:r>
+              <a:rPr lang="en-US" strike="sngStrike" dirty="0" smtClean="0">
+                <a:solidFill>
+                  <a:srgbClr val="FF0000"/>
+                </a:solidFill>
+              </a:rPr>
+              <a:t>Error </a:t>
+            </a:r>
+            <a:r>
+              <a:rPr lang="en-US" strike="sngStrike" dirty="0">
+                <a:solidFill>
+                  <a:srgbClr val="FF0000"/>
+                </a:solidFill>
+              </a:rPr>
+              <a:t>information </a:t>
+            </a:r>
+            <a:r>
+              <a:rPr lang="en-US" strike="sngStrike" dirty="0" smtClean="0">
+                <a:solidFill>
+                  <a:srgbClr val="FF0000"/>
+                </a:solidFill>
+              </a:rPr>
+              <a:t>propagation</a:t>
+            </a:r>
+          </a:p>
+          <a:p>
+            <a:pPr marL="457200" indent="-457200">
+              <a:buFont typeface="+mj-lt"/>
+              <a:buAutoNum type="arabicPeriod"/>
+            </a:pPr>
+            <a:r>
+              <a:rPr lang="en-US" strike="sngStrike" dirty="0" smtClean="0">
+                <a:solidFill>
+                  <a:srgbClr val="FF0000"/>
+                </a:solidFill>
+              </a:rPr>
+              <a:t>E P5 IP cancellation (purge queue, abort)</a:t>
+            </a:r>
+          </a:p>
+          <a:p>
+            <a:pPr marL="457200" indent="-457200">
+              <a:buFont typeface="+mj-lt"/>
+              <a:buAutoNum type="arabicPeriod"/>
+            </a:pPr>
+            <a:endParaRPr lang="en-US" dirty="0" smtClean="0">
+              <a:solidFill>
+                <a:srgbClr val="FF0000"/>
+              </a:solidFill>
+            </a:endParaRPr>
+          </a:p>
+          <a:p>
+            <a:pPr marL="457200" indent="-457200">
+              <a:buFont typeface="+mj-lt"/>
+              <a:buAutoNum type="arabicPeriod"/>
+            </a:pPr>
+            <a:r>
+              <a:rPr lang="en-US" dirty="0" smtClean="0">
+                <a:solidFill>
+                  <a:srgbClr val="FF0000"/>
+                </a:solidFill>
+              </a:rPr>
+              <a:t>P4 Listing, </a:t>
+            </a:r>
+            <a:r>
+              <a:rPr lang="en-US" strike="sngStrike" dirty="0" smtClean="0">
+                <a:solidFill>
+                  <a:srgbClr val="FF0000"/>
+                </a:solidFill>
+              </a:rPr>
+              <a:t>querying</a:t>
+            </a:r>
+            <a:r>
+              <a:rPr lang="en-US" dirty="0" smtClean="0">
+                <a:solidFill>
+                  <a:srgbClr val="FF0000"/>
+                </a:solidFill>
+              </a:rPr>
+              <a:t> – as needed</a:t>
+            </a:r>
+          </a:p>
+          <a:p>
+            <a:pPr marL="457200" indent="-457200">
+              <a:buFont typeface="+mj-lt"/>
+              <a:buAutoNum type="arabicPeriod"/>
+            </a:pPr>
+            <a:r>
+              <a:rPr lang="en-US" strike="sngStrike" dirty="0" smtClean="0">
+                <a:solidFill>
+                  <a:srgbClr val="FF0000"/>
+                </a:solidFill>
+              </a:rPr>
+              <a:t>E P4 Error handling</a:t>
+            </a:r>
+          </a:p>
+          <a:p>
+            <a:pPr marL="457200" indent="-457200">
+              <a:buFont typeface="+mj-lt"/>
+              <a:buAutoNum type="arabicPeriod"/>
+            </a:pPr>
+            <a:r>
+              <a:rPr lang="en-US" dirty="0" smtClean="0">
+                <a:solidFill>
+                  <a:srgbClr val="FF0000"/>
+                </a:solidFill>
+              </a:rPr>
+              <a:t>P4 </a:t>
+            </a:r>
+            <a:r>
+              <a:rPr lang="en-US" dirty="0" err="1" smtClean="0">
+                <a:solidFill>
+                  <a:srgbClr val="FF0000"/>
+                </a:solidFill>
+              </a:rPr>
+              <a:t>InfoBroker</a:t>
+            </a:r>
+            <a:r>
+              <a:rPr lang="en-US" dirty="0" smtClean="0">
+                <a:solidFill>
+                  <a:srgbClr val="FF0000"/>
+                </a:solidFill>
+              </a:rPr>
+              <a:t> </a:t>
+            </a:r>
+            <a:r>
+              <a:rPr lang="en-US" dirty="0" err="1" smtClean="0">
+                <a:solidFill>
+                  <a:srgbClr val="FF0000"/>
+                </a:solidFill>
+              </a:rPr>
+              <a:t>Sharding</a:t>
+            </a:r>
+            <a:r>
+              <a:rPr lang="en-US" dirty="0" smtClean="0">
+                <a:solidFill>
+                  <a:srgbClr val="FF0000"/>
+                </a:solidFill>
+              </a:rPr>
+              <a:t> (*Optimization)</a:t>
+            </a:r>
+            <a:endParaRPr lang="en-US" dirty="0" smtClean="0">
+              <a:solidFill>
+                <a:srgbClr val="FF0000"/>
+              </a:solidFill>
+            </a:endParaRPr>
+          </a:p>
+          <a:p>
+            <a:pPr marL="457200" indent="-457200">
+              <a:buFont typeface="+mj-lt"/>
+              <a:buAutoNum type="arabicPeriod"/>
+            </a:pPr>
+            <a:r>
+              <a:rPr lang="en-US" strike="sngStrike" dirty="0" smtClean="0">
+                <a:solidFill>
+                  <a:srgbClr val="FF0000"/>
+                </a:solidFill>
+              </a:rPr>
+              <a:t>E P4 IP parallelization</a:t>
+            </a:r>
+          </a:p>
+          <a:p>
+            <a:pPr marL="457200" indent="-457200">
+              <a:buFont typeface="+mj-lt"/>
+              <a:buAutoNum type="arabicPeriod"/>
+            </a:pPr>
+            <a:endParaRPr lang="en-US" dirty="0" smtClean="0">
+              <a:solidFill>
+                <a:srgbClr val="FF0000"/>
+              </a:solidFill>
+            </a:endParaRPr>
+          </a:p>
+          <a:p>
+            <a:pPr marL="457200" indent="-457200">
+              <a:buFont typeface="+mj-lt"/>
+              <a:buAutoNum type="arabicPeriod"/>
+            </a:pPr>
+            <a:r>
+              <a:rPr lang="en-US" dirty="0" smtClean="0">
+                <a:solidFill>
+                  <a:srgbClr val="FF0000"/>
+                </a:solidFill>
+              </a:rPr>
+              <a:t>E P2 </a:t>
+            </a:r>
+            <a:r>
+              <a:rPr lang="en-US" dirty="0" err="1" smtClean="0">
+                <a:solidFill>
+                  <a:srgbClr val="FF0000"/>
+                </a:solidFill>
+              </a:rPr>
+              <a:t>ServiceComposer</a:t>
+            </a:r>
+            <a:r>
+              <a:rPr lang="en-US" dirty="0" smtClean="0">
+                <a:solidFill>
+                  <a:srgbClr val="FF0000"/>
+                </a:solidFill>
+              </a:rPr>
+              <a:t> and </a:t>
+            </a:r>
+            <a:r>
+              <a:rPr lang="en-US" strike="sngStrike" dirty="0" err="1" smtClean="0">
+                <a:solidFill>
+                  <a:srgbClr val="FF0000"/>
+                </a:solidFill>
+              </a:rPr>
+              <a:t>CloudHandler</a:t>
+            </a:r>
+            <a:r>
+              <a:rPr lang="en-US" strike="sngStrike" dirty="0" smtClean="0">
+                <a:solidFill>
+                  <a:srgbClr val="FF0000"/>
+                </a:solidFill>
+              </a:rPr>
+              <a:t> </a:t>
+            </a:r>
+            <a:r>
+              <a:rPr lang="en-US" strike="sngStrike" dirty="0" smtClean="0">
+                <a:solidFill>
+                  <a:srgbClr val="FF0000"/>
+                </a:solidFill>
+              </a:rPr>
+              <a:t>dispatching </a:t>
+            </a:r>
+            <a:r>
+              <a:rPr lang="en-US" dirty="0" smtClean="0">
+                <a:solidFill>
+                  <a:srgbClr val="FF0000"/>
+                </a:solidFill>
+              </a:rPr>
+              <a:t>(*One down, one to go (~copy-paste)</a:t>
+            </a:r>
+            <a:endParaRPr lang="en-US" dirty="0" smtClean="0">
+              <a:solidFill>
+                <a:srgbClr val="FF0000"/>
+              </a:solidFill>
+            </a:endParaRPr>
+          </a:p>
+          <a:p>
+            <a:pPr marL="457200" indent="-457200">
+              <a:buFont typeface="+mj-lt"/>
+              <a:buAutoNum type="arabicPeriod"/>
+            </a:pPr>
+            <a:r>
+              <a:rPr lang="en-US" strike="sngStrike" dirty="0" smtClean="0">
+                <a:solidFill>
+                  <a:srgbClr val="FF0000"/>
+                </a:solidFill>
+              </a:rPr>
+              <a:t>E P2 IP rollback</a:t>
+            </a:r>
+          </a:p>
+          <a:p>
+            <a:pPr marL="457200" indent="-457200">
+              <a:buFont typeface="+mj-lt"/>
+              <a:buAutoNum type="arabicPeriod"/>
+            </a:pPr>
+            <a:r>
+              <a:rPr lang="en-US" dirty="0" smtClean="0">
+                <a:solidFill>
+                  <a:srgbClr val="FF0000"/>
+                </a:solidFill>
+              </a:rPr>
+              <a:t>E P2 Evaluable variables (semantic ordering, evaluation)</a:t>
+            </a:r>
+          </a:p>
+          <a:p>
+            <a:pPr marL="457200" indent="-457200">
+              <a:buFont typeface="+mj-lt"/>
+              <a:buAutoNum type="arabicPeriod"/>
+            </a:pPr>
+            <a:endParaRPr lang="en-US" dirty="0" smtClean="0">
+              <a:solidFill>
+                <a:srgbClr val="FF0000"/>
+              </a:solidFill>
+            </a:endParaRPr>
+          </a:p>
+          <a:p>
+            <a:pPr marL="457200" indent="-457200">
+              <a:buFont typeface="+mj-lt"/>
+              <a:buAutoNum type="arabicPeriod"/>
+            </a:pPr>
+            <a:r>
+              <a:rPr lang="en-US" dirty="0" smtClean="0">
+                <a:solidFill>
+                  <a:srgbClr val="FF0000"/>
+                </a:solidFill>
+              </a:rPr>
+              <a:t>E P1 Schema checking</a:t>
+            </a:r>
+          </a:p>
+          <a:p>
+            <a:pPr marL="457200" indent="-457200">
+              <a:buFont typeface="+mj-lt"/>
+              <a:buAutoNum type="arabicPeriod"/>
+            </a:pPr>
+            <a:r>
+              <a:rPr lang="en-US" dirty="0" smtClean="0">
+                <a:solidFill>
+                  <a:srgbClr val="FF0000"/>
+                </a:solidFill>
+              </a:rPr>
+              <a:t>P1 </a:t>
+            </a:r>
+            <a:r>
+              <a:rPr lang="en-US" dirty="0" err="1" smtClean="0">
+                <a:solidFill>
+                  <a:srgbClr val="FF0000"/>
+                </a:solidFill>
+              </a:rPr>
+              <a:t>InfoBroker</a:t>
+            </a:r>
+            <a:r>
+              <a:rPr lang="en-US" dirty="0" smtClean="0">
+                <a:solidFill>
+                  <a:srgbClr val="FF0000"/>
+                </a:solidFill>
+              </a:rPr>
+              <a:t> Caching</a:t>
+            </a:r>
+          </a:p>
+          <a:p>
+            <a:pPr marL="457200" indent="-457200">
+              <a:buFont typeface="+mj-lt"/>
+              <a:buAutoNum type="arabicPeriod"/>
+            </a:pPr>
+            <a:r>
+              <a:rPr lang="en-US" dirty="0" smtClean="0">
+                <a:solidFill>
+                  <a:srgbClr val="FF0000"/>
+                </a:solidFill>
+              </a:rPr>
+              <a:t>P1 Enactor: New behavior as needed by the Portal</a:t>
+            </a:r>
+          </a:p>
+          <a:p>
+            <a:pPr marL="457200" indent="-457200">
+              <a:buFont typeface="+mj-lt"/>
+              <a:buAutoNum type="arabicPeriod"/>
+            </a:pPr>
+            <a:r>
+              <a:rPr lang="en-US" dirty="0" smtClean="0">
+                <a:solidFill>
+                  <a:srgbClr val="FF0000"/>
+                </a:solidFill>
+              </a:rPr>
+              <a:t>P4-&gt;P1 Cookbook version specification (can be circumvented</a:t>
+            </a:r>
+            <a:r>
+              <a:rPr lang="en-US" dirty="0" smtClean="0">
+                <a:solidFill>
+                  <a:srgbClr val="FF0000"/>
+                </a:solidFill>
+              </a:rPr>
+              <a:t>)</a:t>
+            </a:r>
+          </a:p>
+          <a:p>
+            <a:pPr marL="457200" indent="-457200">
+              <a:buFont typeface="+mj-lt"/>
+              <a:buAutoNum type="arabicPeriod"/>
+            </a:pPr>
+            <a:endParaRPr lang="en-US" dirty="0">
+              <a:solidFill>
+                <a:srgbClr val="FF0000"/>
+              </a:solidFill>
+            </a:endParaRPr>
+          </a:p>
+          <a:p>
+            <a:pPr marL="457200" indent="-457200">
+              <a:buFont typeface="+mj-lt"/>
+              <a:buAutoNum type="arabicPeriod"/>
+            </a:pPr>
+            <a:r>
+              <a:rPr lang="en-US" dirty="0" smtClean="0">
+                <a:solidFill>
+                  <a:srgbClr val="FF0000"/>
+                </a:solidFill>
+              </a:rPr>
+              <a:t>++ </a:t>
+            </a:r>
+            <a:r>
+              <a:rPr lang="en-US" strike="sngStrike" dirty="0" err="1" smtClean="0">
+                <a:solidFill>
+                  <a:srgbClr val="FF0000"/>
+                </a:solidFill>
+              </a:rPr>
+              <a:t>CloudBroker</a:t>
+            </a:r>
+            <a:r>
+              <a:rPr lang="en-US" strike="sngStrike" dirty="0" smtClean="0">
+                <a:solidFill>
+                  <a:srgbClr val="FF0000"/>
+                </a:solidFill>
+              </a:rPr>
+              <a:t> plugin</a:t>
+            </a:r>
+          </a:p>
+          <a:p>
+            <a:pPr marL="457200" indent="-457200">
+              <a:buFont typeface="+mj-lt"/>
+              <a:buAutoNum type="arabicPeriod"/>
+            </a:pPr>
+            <a:r>
+              <a:rPr lang="en-US" dirty="0" smtClean="0">
+                <a:solidFill>
+                  <a:srgbClr val="FF0000"/>
+                </a:solidFill>
+              </a:rPr>
+              <a:t>++ </a:t>
+            </a:r>
+            <a:r>
+              <a:rPr lang="en-US" dirty="0" err="1" smtClean="0">
+                <a:solidFill>
+                  <a:srgbClr val="FF0000"/>
+                </a:solidFill>
+              </a:rPr>
+              <a:t>Docker</a:t>
+            </a:r>
+            <a:r>
+              <a:rPr lang="en-US" dirty="0" smtClean="0">
+                <a:solidFill>
+                  <a:srgbClr val="FF0000"/>
+                </a:solidFill>
+              </a:rPr>
+              <a:t> plugin</a:t>
+            </a:r>
+          </a:p>
+          <a:p>
+            <a:pPr marL="457200" indent="-457200">
+              <a:buFont typeface="+mj-lt"/>
+              <a:buAutoNum type="arabicPeriod"/>
+            </a:pPr>
+            <a:r>
+              <a:rPr lang="en-US" dirty="0" smtClean="0">
+                <a:solidFill>
+                  <a:srgbClr val="FF0000"/>
+                </a:solidFill>
+              </a:rPr>
+              <a:t>++ Fault tolerance and scalability by </a:t>
+            </a:r>
+            <a:r>
+              <a:rPr lang="en-US" dirty="0" err="1" smtClean="0">
+                <a:solidFill>
+                  <a:srgbClr val="FF0000"/>
+                </a:solidFill>
+              </a:rPr>
+              <a:t>Junaid</a:t>
+            </a:r>
+            <a:endParaRPr lang="en-US" dirty="0" smtClean="0">
+              <a:solidFill>
+                <a:srgbClr val="FF0000"/>
+              </a:solidFill>
+            </a:endParaRPr>
+          </a:p>
+          <a:p>
+            <a:pPr marL="457200" indent="-457200">
+              <a:buFont typeface="+mj-lt"/>
+              <a:buAutoNum type="arabicPeriod"/>
+            </a:pPr>
+            <a:r>
+              <a:rPr lang="en-US" dirty="0" smtClean="0">
+                <a:solidFill>
+                  <a:srgbClr val="FF0000"/>
+                </a:solidFill>
+              </a:rPr>
+              <a:t>++ Refactoring </a:t>
+            </a:r>
+          </a:p>
+          <a:p>
+            <a:pPr marL="628650" lvl="1" indent="-228600">
+              <a:buFont typeface="+mj-lt"/>
+              <a:buAutoNum type="arabicPeriod"/>
+            </a:pPr>
+            <a:r>
+              <a:rPr lang="en-US" strike="sngStrike" dirty="0" smtClean="0">
+                <a:solidFill>
+                  <a:srgbClr val="FF0000"/>
+                </a:solidFill>
+              </a:rPr>
+              <a:t>Fix </a:t>
+            </a:r>
+            <a:r>
+              <a:rPr lang="en-US" sz="1700" strike="sngStrike" dirty="0">
+                <a:solidFill>
+                  <a:srgbClr val="FF0000"/>
+                </a:solidFill>
+              </a:rPr>
+              <a:t>deployment</a:t>
+            </a:r>
+            <a:r>
+              <a:rPr lang="en-US" strike="sngStrike" dirty="0" smtClean="0">
+                <a:solidFill>
+                  <a:srgbClr val="FF0000"/>
+                </a:solidFill>
+              </a:rPr>
+              <a:t> issues (packaging)</a:t>
+            </a:r>
+            <a:endParaRPr lang="en-US" dirty="0">
+              <a:solidFill>
+                <a:srgbClr val="FF0000"/>
+              </a:solidFill>
+            </a:endParaRPr>
+          </a:p>
+          <a:p>
+            <a:pPr marL="628650" lvl="1" indent="-228600">
+              <a:buFont typeface="+mj-lt"/>
+              <a:buAutoNum type="arabicPeriod"/>
+            </a:pPr>
+            <a:r>
+              <a:rPr lang="en-US" strike="sngStrike" dirty="0">
+                <a:solidFill>
+                  <a:srgbClr val="FF0000"/>
+                </a:solidFill>
+              </a:rPr>
+              <a:t>E</a:t>
+            </a:r>
+            <a:r>
+              <a:rPr lang="en-US" strike="sngStrike" dirty="0" smtClean="0">
+                <a:solidFill>
+                  <a:srgbClr val="FF0000"/>
+                </a:solidFill>
+              </a:rPr>
+              <a:t>xceptions module</a:t>
+            </a:r>
+            <a:r>
+              <a:rPr lang="en-US" dirty="0" smtClean="0">
+                <a:solidFill>
+                  <a:srgbClr val="FF0000"/>
+                </a:solidFill>
+              </a:rPr>
+              <a:t>, </a:t>
+            </a:r>
+            <a:r>
+              <a:rPr lang="en-US" strike="sngStrike" dirty="0" smtClean="0">
+                <a:solidFill>
+                  <a:srgbClr val="FF0000"/>
+                </a:solidFill>
+              </a:rPr>
+              <a:t>constants module</a:t>
+            </a:r>
+            <a:endParaRPr lang="en-US" dirty="0" smtClean="0">
+              <a:solidFill>
+                <a:srgbClr val="FF0000"/>
+              </a:solidFill>
+            </a:endParaRPr>
+          </a:p>
+          <a:p>
+            <a:pPr marL="457200" indent="-457200">
+              <a:buFont typeface="+mj-lt"/>
+              <a:buAutoNum type="arabicPeriod"/>
+            </a:pPr>
+            <a:r>
+              <a:rPr lang="en-US" dirty="0" smtClean="0">
+                <a:solidFill>
+                  <a:srgbClr val="FF0000"/>
+                </a:solidFill>
+              </a:rPr>
+              <a:t>++ Documentation, code review, tidy </a:t>
+            </a:r>
+            <a:r>
+              <a:rPr lang="en-US" dirty="0" err="1" smtClean="0">
+                <a:solidFill>
+                  <a:srgbClr val="FF0000"/>
+                </a:solidFill>
+              </a:rPr>
+              <a:t>Jira</a:t>
+            </a:r>
+            <a:r>
+              <a:rPr lang="en-US" smtClean="0">
+                <a:solidFill>
+                  <a:srgbClr val="FF0000"/>
+                </a:solidFill>
+              </a:rPr>
+              <a:t>, handing </a:t>
+            </a:r>
+            <a:r>
+              <a:rPr lang="en-US" dirty="0" smtClean="0">
+                <a:solidFill>
+                  <a:srgbClr val="FF0000"/>
+                </a:solidFill>
+              </a:rPr>
+              <a:t>over the project</a:t>
+            </a:r>
+            <a:endParaRPr lang="en-US" dirty="0" smtClean="0">
+              <a:solidFill>
+                <a:srgbClr val="FF0000"/>
+              </a:solidFill>
+            </a:endParaRPr>
+          </a:p>
+        </p:txBody>
+      </p:sp>
+    </p:spTree>
+    <p:extLst>
+      <p:ext uri="{BB962C8B-B14F-4D97-AF65-F5344CB8AC3E}">
+        <p14:creationId xmlns:p14="http://schemas.microsoft.com/office/powerpoint/2010/main" val="1184724519"/>
+      </p:ext>
+    </p:extLst>
+  </p:cSld>
+  <p:clrMapOvr>
+    <a:masterClrMapping/>
+  </p:clrMapOvr>
+  <p:timing>
+    <p:tnLst>
+      <p:par>
+        <p:cTn xmlns:p14="http://schemas.microsoft.com/office/powerpoint/2010/main" id="1" dur="indefinite" restart="never" nodeType="tmRoot"/>
+      </p:par>
+    </p:tnLst>
+  </p:timing>
+</p:sld>
+</file>
+
+<file path=ppt/slides/slide29.xml><?xml version="1.0" encoding="utf-8"?>
+<p:sld xmlns:a="http://schemas.openxmlformats.org/drawingml/2006/main" xmlns:r="http://schemas.openxmlformats.org/officeDocument/2006/relationships" xmlns:p="http://schemas.openxmlformats.org/presentationml/2006/main">
+  <p:cSld>
+    <p:spTree>
+      <p:nvGrpSpPr>
+        <p:cNvPr id="1" name=""/>
+        <p:cNvGrpSpPr/>
+        <p:nvPr/>
+      </p:nvGrpSpPr>
+      <p:grpSpPr>
+        <a:xfrm>
+          <a:off x="0" y="0"/>
+          <a:ext cx="0" cy="0"/>
+          <a:chOff x="0" y="0"/>
+          <a:chExt cx="0" cy="0"/>
+        </a:xfrm>
+      </p:grpSpPr>
+      <p:sp>
+        <p:nvSpPr>
+          <p:cNvPr id="2" name="Title 1"/>
+          <p:cNvSpPr>
+            <a:spLocks noGrp="1"/>
+          </p:cNvSpPr>
+          <p:nvPr>
+            <p:ph type="title"/>
+          </p:nvPr>
+        </p:nvSpPr>
+        <p:spPr/>
+        <p:txBody>
+          <a:bodyPr/>
+          <a:lstStyle/>
+          <a:p>
+            <a:r>
+              <a:rPr lang="en-US" dirty="0" smtClean="0"/>
+              <a:t>Components</a:t>
+            </a:r>
+            <a:endParaRPr lang="en-US" dirty="0"/>
+          </a:p>
+        </p:txBody>
+      </p:sp>
+      <p:sp>
+        <p:nvSpPr>
+          <p:cNvPr id="3" name="Content Placeholder 2"/>
+          <p:cNvSpPr>
+            <a:spLocks noGrp="1"/>
+          </p:cNvSpPr>
+          <p:nvPr>
+            <p:ph idx="1"/>
+          </p:nvPr>
+        </p:nvSpPr>
+        <p:spPr/>
+        <p:txBody>
+          <a:bodyPr>
+            <a:normAutofit/>
+          </a:bodyPr>
+          <a:lstStyle/>
+          <a:p>
+            <a:r>
+              <a:rPr lang="en-US" dirty="0" err="1" smtClean="0"/>
+              <a:t>InfoBroker</a:t>
+            </a:r>
+            <a:r>
+              <a:rPr lang="en-US" dirty="0" smtClean="0"/>
+              <a:t> (incl. the User Data Store)</a:t>
+            </a:r>
+          </a:p>
+          <a:p>
+            <a:pPr lvl="1"/>
+            <a:r>
+              <a:rPr lang="en-US" dirty="0" smtClean="0"/>
+              <a:t>Architecturally centralized information source</a:t>
+            </a:r>
+          </a:p>
+          <a:p>
+            <a:r>
+              <a:rPr lang="en-US" dirty="0" smtClean="0"/>
+              <a:t>Compiler</a:t>
+            </a:r>
+          </a:p>
+          <a:p>
+            <a:pPr lvl="1"/>
+            <a:r>
+              <a:rPr lang="en-US" dirty="0" smtClean="0"/>
+              <a:t>Translates an incoming infrastructure specification into internal representation</a:t>
+            </a:r>
+          </a:p>
+          <a:p>
+            <a:r>
+              <a:rPr lang="en-US" dirty="0" smtClean="0"/>
+              <a:t>Enactor</a:t>
+            </a:r>
+          </a:p>
+          <a:p>
+            <a:pPr lvl="1"/>
+            <a:r>
+              <a:rPr lang="en-US" dirty="0" smtClean="0"/>
+              <a:t>Makes decisions about the infrastructure components, generates IP </a:t>
+            </a:r>
+            <a:r>
+              <a:rPr lang="en-US" i="1" dirty="0" smtClean="0"/>
+              <a:t>Commands</a:t>
+            </a:r>
+          </a:p>
+          <a:p>
+            <a:r>
+              <a:rPr lang="en-US" dirty="0" err="1" smtClean="0"/>
+              <a:t>InfraProcessor</a:t>
+            </a:r>
+            <a:endParaRPr lang="en-US" dirty="0" smtClean="0"/>
+          </a:p>
+          <a:p>
+            <a:pPr lvl="1"/>
+            <a:r>
+              <a:rPr lang="en-US" dirty="0" smtClean="0"/>
+              <a:t>Knows how to perform a complex IP </a:t>
+            </a:r>
+            <a:r>
+              <a:rPr lang="en-US" i="1" dirty="0" smtClean="0"/>
+              <a:t>Command</a:t>
+            </a:r>
+            <a:r>
+              <a:rPr lang="en-US" dirty="0" smtClean="0"/>
+              <a:t> using its backends (SC and CH)</a:t>
+            </a:r>
+          </a:p>
+          <a:p>
+            <a:r>
+              <a:rPr lang="en-US" dirty="0" err="1"/>
+              <a:t>CloudHandler</a:t>
+            </a:r>
+            <a:endParaRPr lang="en-US" dirty="0"/>
+          </a:p>
+          <a:p>
+            <a:pPr lvl="1"/>
+            <a:r>
+              <a:rPr lang="en-US" dirty="0" smtClean="0"/>
+              <a:t>Responsible for acquiring a resource</a:t>
+            </a:r>
+          </a:p>
+          <a:p>
+            <a:r>
+              <a:rPr lang="en-US" dirty="0" err="1" smtClean="0"/>
+              <a:t>ServiceComposer</a:t>
+            </a:r>
+            <a:endParaRPr lang="en-US" dirty="0" smtClean="0"/>
+          </a:p>
+          <a:p>
+            <a:pPr lvl="1"/>
+            <a:r>
+              <a:rPr lang="en-US" dirty="0" smtClean="0"/>
+              <a:t>Responsible for setting up services on available resources</a:t>
+            </a:r>
+          </a:p>
+        </p:txBody>
+      </p:sp>
+    </p:spTree>
+    <p:extLst>
+      <p:ext uri="{BB962C8B-B14F-4D97-AF65-F5344CB8AC3E}">
+        <p14:creationId xmlns:p14="http://schemas.microsoft.com/office/powerpoint/2010/main" val="1452318741"/>
+      </p:ext>
+    </p:extLst>
+  </p:cSld>
+  <p:clrMapOvr>
+    <a:masterClrMapping/>
+  </p:clrMapOvr>
+  <p:timing>
+    <p:tnLst>
+      <p:par>
+        <p:cTn xmlns:p14="http://schemas.microsoft.com/office/powerpoint/2010/main" id="1" dur="indefinite" restart="never" nodeType="tmRoot"/>
+      </p:par>
+    </p:tnLst>
+  </p:timing>
+</p:sld>
+</file>
+
+<file path=ppt/slides/slide3.xml><?xml version="1.0" encoding="utf-8"?>
+<p:sld xmlns:a="http://schemas.openxmlformats.org/drawingml/2006/main" xmlns:r="http://schemas.openxmlformats.org/officeDocument/2006/relationships" xmlns:p="http://schemas.openxmlformats.org/presentationml/2006/main">
+  <p:cSld>
+    <p:spTree>
+      <p:nvGrpSpPr>
+        <p:cNvPr id="1" name=""/>
+        <p:cNvGrpSpPr/>
+        <p:nvPr/>
+      </p:nvGrpSpPr>
+      <p:grpSpPr>
+        <a:xfrm>
+          <a:off x="0" y="0"/>
+          <a:ext cx="0" cy="0"/>
+          <a:chOff x="0" y="0"/>
+          <a:chExt cx="0" cy="0"/>
+        </a:xfrm>
+      </p:grpSpPr>
+      <p:sp>
+        <p:nvSpPr>
+          <p:cNvPr id="2" name="Title 1"/>
+          <p:cNvSpPr>
+            <a:spLocks noGrp="1"/>
+          </p:cNvSpPr>
+          <p:nvPr>
+            <p:ph type="title"/>
+          </p:nvPr>
+        </p:nvSpPr>
+        <p:spPr/>
+        <p:txBody>
+          <a:bodyPr/>
+          <a:lstStyle/>
+          <a:p>
+            <a:r>
+              <a:rPr lang="en-US" dirty="0" smtClean="0"/>
+              <a:t>Motivation</a:t>
+            </a:r>
+            <a:endParaRPr lang="en-US" dirty="0"/>
+          </a:p>
+        </p:txBody>
+      </p:sp>
+      <p:sp>
+        <p:nvSpPr>
+          <p:cNvPr id="3" name="Content Placeholder 2"/>
+          <p:cNvSpPr>
+            <a:spLocks noGrp="1"/>
+          </p:cNvSpPr>
+          <p:nvPr>
+            <p:ph idx="1"/>
+          </p:nvPr>
+        </p:nvSpPr>
+        <p:spPr/>
+        <p:txBody>
+          <a:bodyPr/>
+          <a:lstStyle/>
+          <a:p>
+            <a:r>
+              <a:rPr lang="en-US" dirty="0" smtClean="0"/>
+              <a:t>Automated infrastructure instantiation and management</a:t>
+            </a:r>
+          </a:p>
+          <a:p>
+            <a:pPr lvl="1"/>
+            <a:r>
+              <a:rPr lang="en-US" dirty="0" smtClean="0"/>
+              <a:t>Offline description how an infrastructure should look like</a:t>
+            </a:r>
+          </a:p>
+          <a:p>
+            <a:pPr lvl="1"/>
+            <a:r>
+              <a:rPr lang="en-US" dirty="0" smtClean="0"/>
+              <a:t>An infrastructure can be instantiated automatically, or with a single click of a user</a:t>
+            </a:r>
+          </a:p>
+          <a:p>
+            <a:pPr lvl="2"/>
+            <a:r>
+              <a:rPr lang="en-US" dirty="0" smtClean="0"/>
+              <a:t>Hence the name: </a:t>
+            </a:r>
+            <a:r>
+              <a:rPr lang="en-US" sz="2400" b="1" dirty="0" smtClean="0"/>
+              <a:t>One-Click Cloud Orchestrator</a:t>
+            </a:r>
+          </a:p>
+          <a:p>
+            <a:pPr lvl="2"/>
+            <a:endParaRPr lang="en-US" sz="1800" dirty="0" smtClean="0"/>
+          </a:p>
+          <a:p>
+            <a:r>
+              <a:rPr lang="en-US" sz="2600" dirty="0" smtClean="0"/>
+              <a:t>Automation in a cloud</a:t>
+            </a:r>
+          </a:p>
+          <a:p>
+            <a:pPr lvl="1"/>
+            <a:r>
+              <a:rPr lang="en-US" sz="1800" dirty="0" smtClean="0"/>
+              <a:t>Node </a:t>
+            </a:r>
+            <a:r>
+              <a:rPr lang="en-US" sz="1800" b="1" dirty="0" smtClean="0"/>
+              <a:t>instantiation</a:t>
+            </a:r>
+          </a:p>
+          <a:p>
+            <a:pPr lvl="2"/>
+            <a:r>
+              <a:rPr lang="en-US" sz="1800" dirty="0" smtClean="0"/>
+              <a:t>Through an API or a UI</a:t>
+            </a:r>
+          </a:p>
+          <a:p>
+            <a:pPr lvl="1"/>
+            <a:r>
+              <a:rPr lang="en-US" sz="1800" dirty="0" smtClean="0"/>
+              <a:t>Node configuration </a:t>
+            </a:r>
+            <a:r>
+              <a:rPr lang="en-US" sz="1800" b="1" dirty="0" smtClean="0"/>
+              <a:t>management</a:t>
+            </a:r>
+          </a:p>
+          <a:p>
+            <a:pPr lvl="2"/>
+            <a:r>
+              <a:rPr lang="en-US" sz="1800" dirty="0" smtClean="0"/>
+              <a:t>Chef, Puppet, etc.</a:t>
+            </a:r>
+          </a:p>
+          <a:p>
+            <a:pPr lvl="1"/>
+            <a:r>
+              <a:rPr lang="en-US" sz="1800" dirty="0" smtClean="0"/>
+              <a:t>Our goal is a extending these to infrastructures</a:t>
+            </a:r>
+          </a:p>
+          <a:p>
+            <a:pPr lvl="1"/>
+            <a:endParaRPr lang="en-US" dirty="0"/>
+          </a:p>
+        </p:txBody>
+      </p:sp>
+    </p:spTree>
+    <p:extLst>
+      <p:ext uri="{BB962C8B-B14F-4D97-AF65-F5344CB8AC3E}">
+        <p14:creationId xmlns:p14="http://schemas.microsoft.com/office/powerpoint/2010/main" val="3635800677"/>
+      </p:ext>
+    </p:extLst>
+  </p:cSld>
+  <p:clrMapOvr>
+    <a:masterClrMapping/>
+  </p:clrMapOvr>
+  <p:timing>
+    <p:tnLst>
+      <p:par>
+        <p:cTn xmlns:p14="http://schemas.microsoft.com/office/powerpoint/2010/main" id="1" dur="indefinite" restart="never" nodeType="tmRoot"/>
+      </p:par>
+    </p:tnLst>
+  </p:timing>
+</p:sld>
+</file>
+
+<file path=ppt/slides/slide30.xml><?xml version="1.0" encoding="utf-8"?>
+<p:sld xmlns:a="http://schemas.openxmlformats.org/drawingml/2006/main" xmlns:r="http://schemas.openxmlformats.org/officeDocument/2006/relationships" xmlns:p="http://schemas.openxmlformats.org/presentationml/2006/main">
+  <p:cSld>
+    <p:spTree>
+      <p:nvGrpSpPr>
+        <p:cNvPr id="1" name=""/>
+        <p:cNvGrpSpPr/>
+        <p:nvPr/>
+      </p:nvGrpSpPr>
+      <p:grpSpPr>
+        <a:xfrm>
+          <a:off x="0" y="0"/>
+          <a:ext cx="0" cy="0"/>
+          <a:chOff x="0" y="0"/>
+          <a:chExt cx="0" cy="0"/>
+        </a:xfrm>
+      </p:grpSpPr>
+      <p:sp>
+        <p:nvSpPr>
+          <p:cNvPr id="2" name="Title 1"/>
+          <p:cNvSpPr>
+            <a:spLocks noGrp="1"/>
+          </p:cNvSpPr>
+          <p:nvPr>
+            <p:ph type="title"/>
+          </p:nvPr>
+        </p:nvSpPr>
+        <p:spPr/>
+        <p:txBody>
+          <a:bodyPr/>
+          <a:lstStyle/>
+          <a:p>
+            <a:endParaRPr lang="en-US" dirty="0"/>
+          </a:p>
+        </p:txBody>
+      </p:sp>
+      <p:sp>
+        <p:nvSpPr>
+          <p:cNvPr id="3" name="Content Placeholder 2"/>
+          <p:cNvSpPr>
+            <a:spLocks noGrp="1"/>
+          </p:cNvSpPr>
+          <p:nvPr>
+            <p:ph idx="1"/>
+          </p:nvPr>
+        </p:nvSpPr>
+        <p:spPr/>
+        <p:txBody>
+          <a:bodyPr/>
+          <a:lstStyle/>
+          <a:p>
+            <a:endParaRPr lang="en-US"/>
+          </a:p>
+        </p:txBody>
+      </p:sp>
+    </p:spTree>
+    <p:extLst>
+      <p:ext uri="{BB962C8B-B14F-4D97-AF65-F5344CB8AC3E}">
+        <p14:creationId xmlns:p14="http://schemas.microsoft.com/office/powerpoint/2010/main" val="4194412556"/>
+      </p:ext>
+    </p:extLst>
+  </p:cSld>
+  <p:clrMapOvr>
+    <a:masterClrMapping/>
+  </p:clrMapOvr>
+  <p:timing>
+    <p:tnLst>
+      <p:par>
+        <p:cTn xmlns:p14="http://schemas.microsoft.com/office/powerpoint/2010/main" id="1" dur="indefinite" restart="never" nodeType="tmRoot"/>
+      </p:par>
+    </p:tnLst>
+  </p:timing>
+</p:sld>
+</file>
+
+<file path=ppt/slides/slide31.xml><?xml version="1.0" encoding="utf-8"?>
+<p:sld xmlns:a="http://schemas.openxmlformats.org/drawingml/2006/main" xmlns:r="http://schemas.openxmlformats.org/officeDocument/2006/relationships" xmlns:p="http://schemas.openxmlformats.org/presentationml/2006/main">
+  <p:cSld>
+    <p:spTree>
+      <p:nvGrpSpPr>
+        <p:cNvPr id="1" name=""/>
+        <p:cNvGrpSpPr/>
+        <p:nvPr/>
+      </p:nvGrpSpPr>
+      <p:grpSpPr>
+        <a:xfrm>
+          <a:off x="0" y="0"/>
+          <a:ext cx="0" cy="0"/>
+          <a:chOff x="0" y="0"/>
+          <a:chExt cx="0" cy="0"/>
+        </a:xfrm>
+      </p:grpSpPr>
+      <p:sp>
+        <p:nvSpPr>
+          <p:cNvPr id="2" name="Title 1"/>
+          <p:cNvSpPr>
+            <a:spLocks noGrp="1"/>
+          </p:cNvSpPr>
+          <p:nvPr>
+            <p:ph type="title"/>
+          </p:nvPr>
+        </p:nvSpPr>
+        <p:spPr/>
+        <p:txBody>
+          <a:bodyPr/>
+          <a:lstStyle/>
+          <a:p>
+            <a:r>
+              <a:rPr lang="en-US" dirty="0" smtClean="0"/>
+              <a:t>Development Environment</a:t>
+            </a:r>
+            <a:endParaRPr lang="en-US" dirty="0"/>
+          </a:p>
+        </p:txBody>
+      </p:sp>
+      <p:sp>
+        <p:nvSpPr>
+          <p:cNvPr id="3" name="Content Placeholder 2"/>
+          <p:cNvSpPr>
+            <a:spLocks noGrp="1"/>
+          </p:cNvSpPr>
+          <p:nvPr>
+            <p:ph idx="1"/>
+          </p:nvPr>
+        </p:nvSpPr>
+        <p:spPr/>
+        <p:txBody>
+          <a:bodyPr>
+            <a:normAutofit fontScale="92500" lnSpcReduction="10000"/>
+          </a:bodyPr>
+          <a:lstStyle/>
+          <a:p>
+            <a:r>
+              <a:rPr lang="en-US" dirty="0" smtClean="0"/>
+              <a:t>Python 2.7</a:t>
+            </a:r>
+          </a:p>
+          <a:p>
+            <a:r>
+              <a:rPr lang="en-US" dirty="0" err="1" smtClean="0"/>
+              <a:t>Git</a:t>
+            </a:r>
+            <a:r>
+              <a:rPr lang="en-US" dirty="0"/>
+              <a:t> [</a:t>
+            </a:r>
+            <a:r>
+              <a:rPr lang="en-US" dirty="0">
+                <a:hlinkClick r:id="rId2"/>
+              </a:rPr>
+              <a:t>https://</a:t>
+            </a:r>
+            <a:r>
+              <a:rPr lang="en-US" dirty="0" err="1">
+                <a:hlinkClick r:id="rId2"/>
+              </a:rPr>
+              <a:t>gitlab.lpds.sztaki.hu</a:t>
+            </a:r>
+            <a:r>
+              <a:rPr lang="en-US" dirty="0">
+                <a:hlinkClick r:id="rId2"/>
+              </a:rPr>
+              <a:t>/groups/cloud-</a:t>
+            </a:r>
+            <a:r>
+              <a:rPr lang="en-US" dirty="0" smtClean="0">
+                <a:hlinkClick r:id="rId2"/>
+              </a:rPr>
+              <a:t>orchestrator</a:t>
+            </a:r>
+            <a:r>
+              <a:rPr lang="en-US" dirty="0" smtClean="0"/>
+              <a:t>]</a:t>
+            </a:r>
+          </a:p>
+          <a:p>
+            <a:r>
+              <a:rPr lang="en-US" dirty="0" err="1" smtClean="0"/>
+              <a:t>Jira</a:t>
+            </a:r>
+            <a:r>
+              <a:rPr lang="en-US" dirty="0" smtClean="0"/>
+              <a:t> [</a:t>
+            </a:r>
+            <a:r>
+              <a:rPr lang="en-US" dirty="0" smtClean="0">
+                <a:hlinkClick r:id="rId3"/>
+              </a:rPr>
+              <a:t>https://jira.lpds.sztaki.hu/browse/OCD</a:t>
+            </a:r>
+            <a:r>
+              <a:rPr lang="en-US" dirty="0" smtClean="0"/>
+              <a:t>]</a:t>
+            </a:r>
+          </a:p>
+          <a:p>
+            <a:r>
+              <a:rPr lang="en-US" dirty="0"/>
+              <a:t>Documentation [</a:t>
+            </a:r>
+            <a:r>
+              <a:rPr lang="en-US" dirty="0">
+                <a:hlinkClick r:id="rId4"/>
+              </a:rPr>
+              <a:t>http:/</a:t>
+            </a:r>
+            <a:r>
+              <a:rPr lang="en-US" dirty="0" smtClean="0">
+                <a:hlinkClick r:id="rId4"/>
+              </a:rPr>
+              <a:t>/c153-33.localcloud/</a:t>
+            </a:r>
+            <a:r>
+              <a:rPr lang="en-US" dirty="0">
+                <a:hlinkClick r:id="rId4"/>
+              </a:rPr>
+              <a:t>util-doc/util.html</a:t>
+            </a:r>
+            <a:r>
+              <a:rPr lang="en-US" dirty="0" smtClean="0"/>
+              <a:t>]</a:t>
+            </a:r>
+          </a:p>
+          <a:p>
+            <a:pPr lvl="1"/>
+            <a:r>
+              <a:rPr lang="en-US" dirty="0" smtClean="0"/>
+              <a:t>Sphinx, </a:t>
+            </a:r>
+            <a:r>
+              <a:rPr lang="en-US" dirty="0" err="1" smtClean="0"/>
+              <a:t>docstrings</a:t>
+            </a:r>
+            <a:endParaRPr lang="en-US" dirty="0" smtClean="0"/>
+          </a:p>
+          <a:p>
+            <a:r>
+              <a:rPr lang="en-US" dirty="0" smtClean="0"/>
+              <a:t>Testing: Python </a:t>
+            </a:r>
+            <a:r>
+              <a:rPr lang="en-US" i="1" u="sng" dirty="0" err="1" smtClean="0"/>
+              <a:t>nosetests</a:t>
+            </a:r>
+            <a:endParaRPr lang="en-US" i="1" u="sng" dirty="0" smtClean="0"/>
+          </a:p>
+          <a:p>
+            <a:r>
+              <a:rPr lang="en-US" dirty="0" smtClean="0"/>
+              <a:t>Deployment: </a:t>
+            </a:r>
+            <a:r>
+              <a:rPr lang="en-US" i="1" dirty="0" err="1" smtClean="0"/>
+              <a:t>setuptools</a:t>
+            </a:r>
+            <a:endParaRPr lang="en-US" i="1" dirty="0"/>
+          </a:p>
+          <a:p>
+            <a:pPr lvl="1"/>
+            <a:r>
+              <a:rPr lang="en-US" dirty="0" smtClean="0"/>
+              <a:t>Development </a:t>
+            </a:r>
+            <a:r>
+              <a:rPr lang="en-US" dirty="0" err="1" smtClean="0"/>
+              <a:t>pacakge</a:t>
+            </a:r>
+            <a:r>
+              <a:rPr lang="en-US" dirty="0" smtClean="0"/>
+              <a:t> repo: [</a:t>
+            </a:r>
+            <a:r>
+              <a:rPr lang="en-US" dirty="0" smtClean="0">
+                <a:hlinkClick r:id="rId5"/>
+              </a:rPr>
+              <a:t>http://c153-86.localcloud:8080/packages</a:t>
+            </a:r>
+            <a:r>
+              <a:rPr lang="en-US" dirty="0" smtClean="0"/>
+              <a:t>]</a:t>
+            </a:r>
+          </a:p>
+          <a:p>
+            <a:pPr lvl="1"/>
+            <a:r>
+              <a:rPr lang="en-US" dirty="0" smtClean="0"/>
+              <a:t>Works best with </a:t>
+            </a:r>
+            <a:r>
+              <a:rPr lang="en-US" i="1" dirty="0" err="1" smtClean="0"/>
+              <a:t>virtualenv</a:t>
+            </a:r>
+            <a:endParaRPr lang="en-US" i="1" dirty="0" smtClean="0"/>
+          </a:p>
+          <a:p>
+            <a:r>
+              <a:rPr lang="en-US" dirty="0" smtClean="0"/>
+              <a:t>Package dependencies</a:t>
+            </a:r>
+          </a:p>
+          <a:p>
+            <a:pPr lvl="1"/>
+            <a:r>
+              <a:rPr lang="en-US" dirty="0" err="1" smtClean="0"/>
+              <a:t>PyYAML</a:t>
+            </a:r>
+            <a:r>
+              <a:rPr lang="en-US" dirty="0" smtClean="0"/>
+              <a:t>, </a:t>
+            </a:r>
+            <a:r>
+              <a:rPr lang="en-US" dirty="0" err="1" smtClean="0"/>
+              <a:t>argparse</a:t>
+            </a:r>
+            <a:r>
+              <a:rPr lang="en-US" dirty="0" smtClean="0"/>
+              <a:t>, python-</a:t>
+            </a:r>
+            <a:r>
+              <a:rPr lang="en-US" dirty="0" err="1" smtClean="0"/>
+              <a:t>dateutil</a:t>
+            </a:r>
+            <a:r>
+              <a:rPr lang="en-US" dirty="0" smtClean="0"/>
+              <a:t>, </a:t>
+            </a:r>
+            <a:r>
+              <a:rPr lang="en-US" dirty="0" err="1" smtClean="0"/>
+              <a:t>pika</a:t>
+            </a:r>
+            <a:r>
+              <a:rPr lang="en-US" dirty="0" smtClean="0"/>
+              <a:t> (for </a:t>
+            </a:r>
+            <a:r>
+              <a:rPr lang="en-US" dirty="0" err="1" smtClean="0"/>
+              <a:t>RabbitMQ</a:t>
+            </a:r>
+            <a:r>
+              <a:rPr lang="en-US" dirty="0" smtClean="0"/>
+              <a:t>), </a:t>
+            </a:r>
+            <a:r>
+              <a:rPr lang="en-US" dirty="0" err="1" smtClean="0"/>
+              <a:t>Boto</a:t>
+            </a:r>
+            <a:r>
+              <a:rPr lang="en-US" dirty="0" smtClean="0"/>
+              <a:t>, etc.</a:t>
+            </a:r>
+          </a:p>
+          <a:p>
+            <a:r>
+              <a:rPr lang="en-US" dirty="0" smtClean="0"/>
+              <a:t>TODO: Integrating these into Jenkins</a:t>
+            </a:r>
+          </a:p>
+          <a:p>
+            <a:pPr lvl="1"/>
+            <a:r>
+              <a:rPr lang="en-US" dirty="0" smtClean="0"/>
+              <a:t>Automatic package repo updating</a:t>
+            </a:r>
+          </a:p>
+          <a:p>
+            <a:pPr lvl="1"/>
+            <a:r>
+              <a:rPr lang="en-US" dirty="0"/>
+              <a:t>A</a:t>
+            </a:r>
+            <a:r>
+              <a:rPr lang="en-US" dirty="0" smtClean="0"/>
+              <a:t>utomatic testing</a:t>
+            </a:r>
+          </a:p>
+        </p:txBody>
+      </p:sp>
+    </p:spTree>
+    <p:extLst>
+      <p:ext uri="{BB962C8B-B14F-4D97-AF65-F5344CB8AC3E}">
+        <p14:creationId xmlns:p14="http://schemas.microsoft.com/office/powerpoint/2010/main" val="2413531741"/>
+      </p:ext>
+    </p:extLst>
+  </p:cSld>
+  <p:clrMapOvr>
+    <a:masterClrMapping/>
+  </p:clrMapOvr>
+  <p:timing>
+    <p:tnLst>
+      <p:par>
+        <p:cTn xmlns:p14="http://schemas.microsoft.com/office/powerpoint/2010/main" id="1" dur="indefinite" restart="never" nodeType="tmRoot"/>
+      </p:par>
+    </p:tnLst>
+  </p:timing>
+</p:sld>
+</file>
+
+<file path=ppt/slides/slide32.xml><?xml version="1.0" encoding="utf-8"?>
+<p:sld xmlns:a="http://schemas.openxmlformats.org/drawingml/2006/main" xmlns:r="http://schemas.openxmlformats.org/officeDocument/2006/relationships" xmlns:p="http://schemas.openxmlformats.org/presentationml/2006/main">
+  <p:cSld>
+    <p:spTree>
+      <p:nvGrpSpPr>
+        <p:cNvPr id="1" name=""/>
+        <p:cNvGrpSpPr/>
+        <p:nvPr/>
+      </p:nvGrpSpPr>
+      <p:grpSpPr>
+        <a:xfrm>
+          <a:off x="0" y="0"/>
+          <a:ext cx="0" cy="0"/>
+          <a:chOff x="0" y="0"/>
+          <a:chExt cx="0" cy="0"/>
+        </a:xfrm>
+      </p:grpSpPr>
+      <p:sp>
+        <p:nvSpPr>
+          <p:cNvPr id="2" name="Title 1"/>
+          <p:cNvSpPr>
+            <a:spLocks noGrp="1"/>
+          </p:cNvSpPr>
+          <p:nvPr>
+            <p:ph type="title"/>
+          </p:nvPr>
+        </p:nvSpPr>
+        <p:spPr/>
+        <p:txBody>
+          <a:bodyPr/>
+          <a:lstStyle/>
+          <a:p>
+            <a:r>
+              <a:rPr lang="en-US" dirty="0" smtClean="0"/>
               <a:t>Repositories</a:t>
             </a:r>
             <a:endParaRPr lang="en-US" dirty="0"/>
@@ -6779,7 +12037,7 @@
 </p:sld>
 </file>
 
-<file path=ppt/slides/slide23.xml><?xml version="1.0" encoding="utf-8"?>
+<file path=ppt/slides/slide33.xml><?xml version="1.0" encoding="utf-8"?>
 <p:sld xmlns:a="http://schemas.openxmlformats.org/drawingml/2006/main" xmlns:r="http://schemas.openxmlformats.org/officeDocument/2006/relationships" xmlns:p="http://schemas.openxmlformats.org/presentationml/2006/main">
   <p:cSld>
     <p:spTree>
@@ -6934,7 +12192,7 @@
 </p:sld>
 </file>
 
-<file path=ppt/slides/slide24.xml><?xml version="1.0" encoding="utf-8"?>
+<file path=ppt/slides/slide34.xml><?xml version="1.0" encoding="utf-8"?>
 <p:sld xmlns:a="http://schemas.openxmlformats.org/drawingml/2006/main" xmlns:r="http://schemas.openxmlformats.org/officeDocument/2006/relationships" xmlns:p="http://schemas.openxmlformats.org/presentationml/2006/main">
   <p:cSld>
     <p:spTree>
@@ -7116,7 +12374,7 @@
 </p:sld>
 </file>
 
-<file path=ppt/slides/slide25.xml><?xml version="1.0" encoding="utf-8"?>
+<file path=ppt/slides/slide35.xml><?xml version="1.0" encoding="utf-8"?>
 <p:sld xmlns:a="http://schemas.openxmlformats.org/drawingml/2006/main" xmlns:r="http://schemas.openxmlformats.org/officeDocument/2006/relationships" xmlns:p="http://schemas.openxmlformats.org/presentationml/2006/main">
   <p:cSld>
     <p:spTree>
@@ -7292,7 +12550,7 @@
 </p:sld>
 </file>
 
-<file path=ppt/slides/slide26.xml><?xml version="1.0" encoding="utf-8"?>
+<file path=ppt/slides/slide36.xml><?xml version="1.0" encoding="utf-8"?>
 <p:sld xmlns:a="http://schemas.openxmlformats.org/drawingml/2006/main" xmlns:r="http://schemas.openxmlformats.org/officeDocument/2006/relationships" xmlns:p="http://schemas.openxmlformats.org/presentationml/2006/main">
   <p:cSld>
     <p:spTree>
@@ -7639,7 +12897,7 @@
 </p:sld>
 </file>
 
-<file path=ppt/slides/slide27.xml><?xml version="1.0" encoding="utf-8"?>
+<file path=ppt/slides/slide37.xml><?xml version="1.0" encoding="utf-8"?>
 <p:sld xmlns:a="http://schemas.openxmlformats.org/drawingml/2006/main" xmlns:r="http://schemas.openxmlformats.org/officeDocument/2006/relationships" xmlns:p="http://schemas.openxmlformats.org/presentationml/2006/main">
   <p:cSld>
     <p:spTree>
@@ -8006,7 +13264,7 @@
 </p:sld>
 </file>
 
-<file path=ppt/slides/slide28.xml><?xml version="1.0" encoding="utf-8"?>
+<file path=ppt/slides/slide38.xml><?xml version="1.0" encoding="utf-8"?>
 <p:sld xmlns:a="http://schemas.openxmlformats.org/drawingml/2006/main" xmlns:r="http://schemas.openxmlformats.org/officeDocument/2006/relationships" xmlns:p="http://schemas.openxmlformats.org/presentationml/2006/main">
   <p:cSld>
     <p:spTree>
@@ -8364,7 +13622,7 @@
 </p:sld>
 </file>
 
-<file path=ppt/slides/slide29.xml><?xml version="1.0" encoding="utf-8"?>
+<file path=ppt/slides/slide39.xml><?xml version="1.0" encoding="utf-8"?>
 <p:sld xmlns:a="http://schemas.openxmlformats.org/drawingml/2006/main" xmlns:r="http://schemas.openxmlformats.org/officeDocument/2006/relationships" xmlns:p="http://schemas.openxmlformats.org/presentationml/2006/main">
   <p:cSld>
     <p:spTree>
@@ -8680,574 +13938,6 @@
 </p:sld>
 </file>
 
-<file path=ppt/slides/slide3.xml><?xml version="1.0" encoding="utf-8"?>
-<p:sld xmlns:a="http://schemas.openxmlformats.org/drawingml/2006/main" xmlns:r="http://schemas.openxmlformats.org/officeDocument/2006/relationships" xmlns:p="http://schemas.openxmlformats.org/presentationml/2006/main">
-  <p:cSld>
-    <p:spTree>
-      <p:nvGrpSpPr>
-        <p:cNvPr id="1" name=""/>
-        <p:cNvGrpSpPr/>
-        <p:nvPr/>
-      </p:nvGrpSpPr>
-      <p:grpSpPr>
-        <a:xfrm>
-          <a:off x="0" y="0"/>
-          <a:ext cx="0" cy="0"/>
-          <a:chOff x="0" y="0"/>
-          <a:chExt cx="0" cy="0"/>
-        </a:xfrm>
-      </p:grpSpPr>
-      <p:sp>
-        <p:nvSpPr>
-          <p:cNvPr id="2" name="Title 1"/>
-          <p:cNvSpPr>
-            <a:spLocks noGrp="1"/>
-          </p:cNvSpPr>
-          <p:nvPr>
-            <p:ph type="title"/>
-          </p:nvPr>
-        </p:nvSpPr>
-        <p:spPr/>
-        <p:txBody>
-          <a:bodyPr/>
-          <a:lstStyle/>
-          <a:p>
-            <a:r>
-              <a:rPr lang="en-US" dirty="0" smtClean="0"/>
-              <a:t>Motivation</a:t>
-            </a:r>
-            <a:endParaRPr lang="en-US" dirty="0"/>
-          </a:p>
-        </p:txBody>
-      </p:sp>
-      <p:sp>
-        <p:nvSpPr>
-          <p:cNvPr id="3" name="Content Placeholder 2"/>
-          <p:cNvSpPr>
-            <a:spLocks noGrp="1"/>
-          </p:cNvSpPr>
-          <p:nvPr>
-            <p:ph idx="1"/>
-          </p:nvPr>
-        </p:nvSpPr>
-        <p:spPr/>
-        <p:txBody>
-          <a:bodyPr/>
-          <a:lstStyle/>
-          <a:p>
-            <a:r>
-              <a:rPr lang="en-US" dirty="0" smtClean="0"/>
-              <a:t>Automated infrastructure instantiation and management</a:t>
-            </a:r>
-          </a:p>
-          <a:p>
-            <a:pPr lvl="1"/>
-            <a:r>
-              <a:rPr lang="en-US" dirty="0" smtClean="0"/>
-              <a:t>Offline description how an infrastructure should look like</a:t>
-            </a:r>
-          </a:p>
-          <a:p>
-            <a:pPr lvl="1"/>
-            <a:r>
-              <a:rPr lang="en-US" dirty="0" smtClean="0"/>
-              <a:t>An infrastructure can be instantiated automatically, or with a single click of a user</a:t>
-            </a:r>
-          </a:p>
-          <a:p>
-            <a:pPr lvl="2"/>
-            <a:r>
-              <a:rPr lang="en-US" dirty="0" smtClean="0"/>
-              <a:t>Hence the name: </a:t>
-            </a:r>
-            <a:r>
-              <a:rPr lang="en-US" sz="2400" b="1" dirty="0" smtClean="0"/>
-              <a:t>One-Click Cloud Orchestrator</a:t>
-            </a:r>
-          </a:p>
-          <a:p>
-            <a:pPr lvl="2"/>
-            <a:endParaRPr lang="en-US" sz="1800" dirty="0" smtClean="0"/>
-          </a:p>
-          <a:p>
-            <a:r>
-              <a:rPr lang="en-US" sz="2600" dirty="0" smtClean="0"/>
-              <a:t>Automation in a cloud</a:t>
-            </a:r>
-          </a:p>
-          <a:p>
-            <a:pPr lvl="1"/>
-            <a:r>
-              <a:rPr lang="en-US" sz="1800" dirty="0" smtClean="0"/>
-              <a:t>Node </a:t>
-            </a:r>
-            <a:r>
-              <a:rPr lang="en-US" sz="1800" b="1" dirty="0" smtClean="0"/>
-              <a:t>instantiation</a:t>
-            </a:r>
-          </a:p>
-          <a:p>
-            <a:pPr lvl="2"/>
-            <a:r>
-              <a:rPr lang="en-US" sz="1800" dirty="0" smtClean="0"/>
-              <a:t>Through an API or a UI</a:t>
-            </a:r>
-          </a:p>
-          <a:p>
-            <a:pPr lvl="1"/>
-            <a:r>
-              <a:rPr lang="en-US" sz="1800" dirty="0" smtClean="0"/>
-              <a:t>Node configuration </a:t>
-            </a:r>
-            <a:r>
-              <a:rPr lang="en-US" sz="1800" b="1" dirty="0" smtClean="0"/>
-              <a:t>management</a:t>
-            </a:r>
-          </a:p>
-          <a:p>
-            <a:pPr lvl="2"/>
-            <a:r>
-              <a:rPr lang="en-US" sz="1800" dirty="0" smtClean="0"/>
-              <a:t>Chef, Puppet, etc.</a:t>
-            </a:r>
-          </a:p>
-          <a:p>
-            <a:pPr lvl="1"/>
-            <a:r>
-              <a:rPr lang="en-US" sz="1800" dirty="0" smtClean="0"/>
-              <a:t>Our goal is a extending these to infrastructures</a:t>
-            </a:r>
-          </a:p>
-          <a:p>
-            <a:pPr lvl="1"/>
-            <a:endParaRPr lang="en-US" dirty="0"/>
-          </a:p>
-        </p:txBody>
-      </p:sp>
-    </p:spTree>
-    <p:extLst>
-      <p:ext uri="{BB962C8B-B14F-4D97-AF65-F5344CB8AC3E}">
-        <p14:creationId xmlns:p14="http://schemas.microsoft.com/office/powerpoint/2010/main" val="3635800677"/>
-      </p:ext>
-    </p:extLst>
-  </p:cSld>
-  <p:clrMapOvr>
-    <a:masterClrMapping/>
-  </p:clrMapOvr>
-  <p:timing>
-    <p:tnLst>
-      <p:par>
-        <p:cTn xmlns:p14="http://schemas.microsoft.com/office/powerpoint/2010/main" id="1" dur="indefinite" restart="never" nodeType="tmRoot"/>
-      </p:par>
-    </p:tnLst>
-  </p:timing>
-</p:sld>
-</file>
-
-<file path=ppt/slides/slide30.xml><?xml version="1.0" encoding="utf-8"?>
-<p:sld xmlns:a="http://schemas.openxmlformats.org/drawingml/2006/main" xmlns:r="http://schemas.openxmlformats.org/officeDocument/2006/relationships" xmlns:p="http://schemas.openxmlformats.org/presentationml/2006/main">
-  <p:cSld>
-    <p:spTree>
-      <p:nvGrpSpPr>
-        <p:cNvPr id="1" name=""/>
-        <p:cNvGrpSpPr/>
-        <p:nvPr/>
-      </p:nvGrpSpPr>
-      <p:grpSpPr>
-        <a:xfrm>
-          <a:off x="0" y="0"/>
-          <a:ext cx="0" cy="0"/>
-          <a:chOff x="0" y="0"/>
-          <a:chExt cx="0" cy="0"/>
-        </a:xfrm>
-      </p:grpSpPr>
-      <p:sp>
-        <p:nvSpPr>
-          <p:cNvPr id="2" name="Title 1"/>
-          <p:cNvSpPr>
-            <a:spLocks noGrp="1"/>
-          </p:cNvSpPr>
-          <p:nvPr>
-            <p:ph type="title"/>
-          </p:nvPr>
-        </p:nvSpPr>
-        <p:spPr/>
-        <p:txBody>
-          <a:bodyPr/>
-          <a:lstStyle/>
-          <a:p>
-            <a:r>
-              <a:rPr lang="en-US" dirty="0" smtClean="0"/>
-              <a:t>Current Status</a:t>
-            </a:r>
-            <a:endParaRPr lang="en-US" dirty="0"/>
-          </a:p>
-        </p:txBody>
-      </p:sp>
-      <p:sp>
-        <p:nvSpPr>
-          <p:cNvPr id="3" name="Content Placeholder 2"/>
-          <p:cNvSpPr>
-            <a:spLocks noGrp="1"/>
-          </p:cNvSpPr>
-          <p:nvPr>
-            <p:ph idx="1"/>
-          </p:nvPr>
-        </p:nvSpPr>
-        <p:spPr/>
-        <p:txBody>
-          <a:bodyPr>
-            <a:normAutofit/>
-          </a:bodyPr>
-          <a:lstStyle/>
-          <a:p>
-            <a:r>
-              <a:rPr lang="en-US" dirty="0" smtClean="0"/>
-              <a:t>Aside the Service Composer and an API, OCCO is mostly functional</a:t>
-            </a:r>
-          </a:p>
-          <a:p>
-            <a:r>
-              <a:rPr lang="en-US" dirty="0" smtClean="0"/>
-              <a:t>This means that an infrastructure can be instantiated from a description</a:t>
-            </a:r>
-          </a:p>
-          <a:p>
-            <a:pPr lvl="1"/>
-            <a:r>
-              <a:rPr lang="en-US" dirty="0" smtClean="0"/>
-              <a:t>VMs are started and contextualized as specified in the description [demo]</a:t>
-            </a:r>
-          </a:p>
-          <a:p>
-            <a:pPr lvl="1"/>
-            <a:endParaRPr lang="en-US" dirty="0"/>
-          </a:p>
-          <a:p>
-            <a:r>
-              <a:rPr lang="en-US" dirty="0" smtClean="0"/>
-              <a:t>The codebase is about 80% </a:t>
-            </a:r>
-            <a:r>
-              <a:rPr lang="en-US" i="1" dirty="0" smtClean="0"/>
-              <a:t>extensively</a:t>
-            </a:r>
-            <a:r>
-              <a:rPr lang="en-US" dirty="0" smtClean="0"/>
-              <a:t> documented</a:t>
-            </a:r>
-          </a:p>
-          <a:p>
-            <a:pPr lvl="1"/>
-            <a:r>
-              <a:rPr lang="en-US" dirty="0" smtClean="0"/>
-              <a:t>Developer documentation: [</a:t>
-            </a:r>
-            <a:r>
-              <a:rPr lang="en-US" dirty="0" smtClean="0">
-                <a:hlinkClick r:id="rId2"/>
-              </a:rPr>
-              <a:t>http://c153-33.localcloud/util-doc</a:t>
-            </a:r>
-            <a:r>
-              <a:rPr lang="en-US" dirty="0" smtClean="0"/>
-              <a:t>] (from LPDS network only)</a:t>
-            </a:r>
-          </a:p>
-          <a:p>
-            <a:r>
-              <a:rPr lang="en-US" dirty="0" smtClean="0"/>
-              <a:t>About 5000 lines of Python code, of which 3000 are documentation and comments; plus overhead (package definitions, etc.); plus lots of UML diagrams</a:t>
-            </a:r>
-          </a:p>
-        </p:txBody>
-      </p:sp>
-    </p:spTree>
-    <p:extLst>
-      <p:ext uri="{BB962C8B-B14F-4D97-AF65-F5344CB8AC3E}">
-        <p14:creationId xmlns:p14="http://schemas.microsoft.com/office/powerpoint/2010/main" val="3580204493"/>
-      </p:ext>
-    </p:extLst>
-  </p:cSld>
-  <p:clrMapOvr>
-    <a:masterClrMapping/>
-  </p:clrMapOvr>
-  <p:timing>
-    <p:tnLst>
-      <p:par>
-        <p:cTn xmlns:p14="http://schemas.microsoft.com/office/powerpoint/2010/main" id="1" dur="indefinite" restart="never" nodeType="tmRoot"/>
-      </p:par>
-    </p:tnLst>
-  </p:timing>
-</p:sld>
-</file>
-
-<file path=ppt/slides/slide31.xml><?xml version="1.0" encoding="utf-8"?>
-<p:sld xmlns:a="http://schemas.openxmlformats.org/drawingml/2006/main" xmlns:r="http://schemas.openxmlformats.org/officeDocument/2006/relationships" xmlns:p="http://schemas.openxmlformats.org/presentationml/2006/main">
-  <p:cSld>
-    <p:spTree>
-      <p:nvGrpSpPr>
-        <p:cNvPr id="1" name=""/>
-        <p:cNvGrpSpPr/>
-        <p:nvPr/>
-      </p:nvGrpSpPr>
-      <p:grpSpPr>
-        <a:xfrm>
-          <a:off x="0" y="0"/>
-          <a:ext cx="0" cy="0"/>
-          <a:chOff x="0" y="0"/>
-          <a:chExt cx="0" cy="0"/>
-        </a:xfrm>
-      </p:grpSpPr>
-      <p:sp>
-        <p:nvSpPr>
-          <p:cNvPr id="2" name="Title 1"/>
-          <p:cNvSpPr>
-            <a:spLocks noGrp="1"/>
-          </p:cNvSpPr>
-          <p:nvPr>
-            <p:ph type="title"/>
-          </p:nvPr>
-        </p:nvSpPr>
-        <p:spPr/>
-        <p:txBody>
-          <a:bodyPr/>
-          <a:lstStyle/>
-          <a:p>
-            <a:r>
-              <a:rPr lang="en-US" dirty="0" smtClean="0"/>
-              <a:t>Plans</a:t>
-            </a:r>
-            <a:endParaRPr lang="en-US" dirty="0"/>
-          </a:p>
-        </p:txBody>
-      </p:sp>
-      <p:sp>
-        <p:nvSpPr>
-          <p:cNvPr id="3" name="Content Placeholder 2"/>
-          <p:cNvSpPr>
-            <a:spLocks noGrp="1"/>
-          </p:cNvSpPr>
-          <p:nvPr>
-            <p:ph idx="1"/>
-          </p:nvPr>
-        </p:nvSpPr>
-        <p:spPr/>
-        <p:txBody>
-          <a:bodyPr/>
-          <a:lstStyle/>
-          <a:p>
-            <a:r>
-              <a:rPr lang="en-US" dirty="0" smtClean="0"/>
-              <a:t>Priority tasks (~in order)</a:t>
-            </a:r>
-          </a:p>
-          <a:p>
-            <a:pPr marL="800100" lvl="1" indent="-342900">
-              <a:buFont typeface="+mj-lt"/>
-              <a:buAutoNum type="arabicPeriod"/>
-            </a:pPr>
-            <a:r>
-              <a:rPr lang="en-US" dirty="0" smtClean="0"/>
-              <a:t>Finishing documentation (2-3 days, immediate to-do; required to share code)</a:t>
-            </a:r>
-          </a:p>
-          <a:p>
-            <a:pPr marL="800100" lvl="1" indent="-342900">
-              <a:buFont typeface="+mj-lt"/>
-              <a:buAutoNum type="arabicPeriod"/>
-            </a:pPr>
-            <a:r>
-              <a:rPr lang="en-US" dirty="0" smtClean="0"/>
-              <a:t>API to integrate the primitives provided by the existing system into coherent use-cases</a:t>
-            </a:r>
-          </a:p>
-          <a:p>
-            <a:pPr lvl="2"/>
-            <a:r>
-              <a:rPr lang="en-US" dirty="0" smtClean="0"/>
-              <a:t>Adam Novak</a:t>
-            </a:r>
-          </a:p>
-          <a:p>
-            <a:pPr marL="800100" lvl="1" indent="-342900">
-              <a:buFont typeface="+mj-lt"/>
-              <a:buAutoNum type="arabicPeriod"/>
-            </a:pPr>
-            <a:r>
-              <a:rPr lang="en-US" dirty="0" smtClean="0"/>
-              <a:t>Update unit tests (they’ve been neglected in the sprinting)</a:t>
-            </a:r>
-          </a:p>
-          <a:p>
-            <a:pPr marL="800100" lvl="1" indent="-342900">
-              <a:buFont typeface="+mj-lt"/>
-              <a:buAutoNum type="arabicPeriod"/>
-            </a:pPr>
-            <a:r>
-              <a:rPr lang="en-US" dirty="0" smtClean="0"/>
-              <a:t>Jenkins integration tests</a:t>
-            </a:r>
-          </a:p>
-          <a:p>
-            <a:pPr marL="800100" lvl="1" indent="-342900">
-              <a:buFont typeface="+mj-lt"/>
-              <a:buAutoNum type="arabicPeriod"/>
-            </a:pPr>
-            <a:r>
-              <a:rPr lang="en-US" dirty="0" smtClean="0"/>
-              <a:t>Service Composer</a:t>
-            </a:r>
-          </a:p>
-          <a:p>
-            <a:pPr marL="1200150" lvl="2" indent="-342900"/>
-            <a:r>
-              <a:rPr lang="en-US" dirty="0" smtClean="0"/>
-              <a:t>Required before release</a:t>
-            </a:r>
-          </a:p>
-        </p:txBody>
-      </p:sp>
-    </p:spTree>
-    <p:extLst>
-      <p:ext uri="{BB962C8B-B14F-4D97-AF65-F5344CB8AC3E}">
-        <p14:creationId xmlns:p14="http://schemas.microsoft.com/office/powerpoint/2010/main" val="3357330212"/>
-      </p:ext>
-    </p:extLst>
-  </p:cSld>
-  <p:clrMapOvr>
-    <a:masterClrMapping/>
-  </p:clrMapOvr>
-  <p:timing>
-    <p:tnLst>
-      <p:par>
-        <p:cTn xmlns:p14="http://schemas.microsoft.com/office/powerpoint/2010/main" id="1" dur="indefinite" restart="never" nodeType="tmRoot"/>
-      </p:par>
-    </p:tnLst>
-  </p:timing>
-</p:sld>
-</file>
-
-<file path=ppt/slides/slide32.xml><?xml version="1.0" encoding="utf-8"?>
-<p:sld xmlns:a="http://schemas.openxmlformats.org/drawingml/2006/main" xmlns:r="http://schemas.openxmlformats.org/officeDocument/2006/relationships" xmlns:p="http://schemas.openxmlformats.org/presentationml/2006/main">
-  <p:cSld>
-    <p:spTree>
-      <p:nvGrpSpPr>
-        <p:cNvPr id="1" name=""/>
-        <p:cNvGrpSpPr/>
-        <p:nvPr/>
-      </p:nvGrpSpPr>
-      <p:grpSpPr>
-        <a:xfrm>
-          <a:off x="0" y="0"/>
-          <a:ext cx="0" cy="0"/>
-          <a:chOff x="0" y="0"/>
-          <a:chExt cx="0" cy="0"/>
-        </a:xfrm>
-      </p:grpSpPr>
-      <p:sp>
-        <p:nvSpPr>
-          <p:cNvPr id="2" name="Title 1"/>
-          <p:cNvSpPr>
-            <a:spLocks noGrp="1"/>
-          </p:cNvSpPr>
-          <p:nvPr>
-            <p:ph type="title"/>
-          </p:nvPr>
-        </p:nvSpPr>
-        <p:spPr/>
-        <p:txBody>
-          <a:bodyPr/>
-          <a:lstStyle/>
-          <a:p>
-            <a:r>
-              <a:rPr lang="en-US" dirty="0" smtClean="0"/>
-              <a:t>Acknowledgements</a:t>
-            </a:r>
-            <a:endParaRPr lang="en-US" dirty="0"/>
-          </a:p>
-        </p:txBody>
-      </p:sp>
-      <p:sp>
-        <p:nvSpPr>
-          <p:cNvPr id="3" name="Content Placeholder 2"/>
-          <p:cNvSpPr>
-            <a:spLocks noGrp="1"/>
-          </p:cNvSpPr>
-          <p:nvPr>
-            <p:ph idx="1"/>
-          </p:nvPr>
-        </p:nvSpPr>
-        <p:spPr/>
-        <p:txBody>
-          <a:bodyPr/>
-          <a:lstStyle/>
-          <a:p>
-            <a:r>
-              <a:rPr lang="en-US" dirty="0" smtClean="0"/>
-              <a:t>Mark </a:t>
-            </a:r>
-            <a:r>
-              <a:rPr lang="en-US" dirty="0" err="1" smtClean="0"/>
-              <a:t>Gergely</a:t>
-            </a:r>
-            <a:r>
-              <a:rPr lang="en-US" dirty="0" smtClean="0"/>
-              <a:t>, co-architect</a:t>
-            </a:r>
-          </a:p>
-          <a:p>
-            <a:r>
-              <a:rPr lang="en-US" dirty="0"/>
-              <a:t>Adam Novak, co-</a:t>
-            </a:r>
-            <a:r>
-              <a:rPr lang="en-US" dirty="0" smtClean="0"/>
-              <a:t>developer</a:t>
-            </a:r>
-          </a:p>
-          <a:p>
-            <a:r>
-              <a:rPr lang="en-US" dirty="0" smtClean="0"/>
-              <a:t>Special </a:t>
-            </a:r>
-            <a:r>
-              <a:rPr lang="en-US" smtClean="0"/>
-              <a:t>thanks to:</a:t>
-            </a:r>
-            <a:endParaRPr lang="en-US" dirty="0" smtClean="0"/>
-          </a:p>
-          <a:p>
-            <a:pPr lvl="1"/>
-            <a:r>
-              <a:rPr lang="en-US" sz="2400" dirty="0" err="1" smtClean="0"/>
-              <a:t>Jozsef</a:t>
-            </a:r>
-            <a:r>
-              <a:rPr lang="en-US" sz="2400" dirty="0" smtClean="0"/>
-              <a:t> Kovacs, Gabor </a:t>
-            </a:r>
-            <a:r>
-              <a:rPr lang="en-US" sz="2400" dirty="0" err="1" smtClean="0"/>
-              <a:t>Kecskemeti</a:t>
-            </a:r>
-            <a:endParaRPr lang="en-US" sz="2400" dirty="0"/>
-          </a:p>
-        </p:txBody>
-      </p:sp>
-    </p:spTree>
-    <p:extLst>
-      <p:ext uri="{BB962C8B-B14F-4D97-AF65-F5344CB8AC3E}">
-        <p14:creationId xmlns:p14="http://schemas.microsoft.com/office/powerpoint/2010/main" val="2124004554"/>
-      </p:ext>
-    </p:extLst>
-  </p:cSld>
-  <p:clrMapOvr>
-    <a:masterClrMapping/>
-  </p:clrMapOvr>
-</p:sld>
-</file>
-
 <file path=ppt/slides/slide4.xml><?xml version="1.0" encoding="utf-8"?>
 <p:sld xmlns:a="http://schemas.openxmlformats.org/drawingml/2006/main" xmlns:r="http://schemas.openxmlformats.org/officeDocument/2006/relationships" xmlns:p="http://schemas.openxmlformats.org/presentationml/2006/main">
   <p:cSld>
@@ -9450,6 +14140,410 @@
 </p:sld>
 </file>
 
+<file path=ppt/slides/slide40.xml><?xml version="1.0" encoding="utf-8"?>
+<p:sld xmlns:a="http://schemas.openxmlformats.org/drawingml/2006/main" xmlns:r="http://schemas.openxmlformats.org/officeDocument/2006/relationships" xmlns:p="http://schemas.openxmlformats.org/presentationml/2006/main">
+  <p:cSld>
+    <p:spTree>
+      <p:nvGrpSpPr>
+        <p:cNvPr id="1" name=""/>
+        <p:cNvGrpSpPr/>
+        <p:nvPr/>
+      </p:nvGrpSpPr>
+      <p:grpSpPr>
+        <a:xfrm>
+          <a:off x="0" y="0"/>
+          <a:ext cx="0" cy="0"/>
+          <a:chOff x="0" y="0"/>
+          <a:chExt cx="0" cy="0"/>
+        </a:xfrm>
+      </p:grpSpPr>
+      <p:sp>
+        <p:nvSpPr>
+          <p:cNvPr id="2" name="Title 1"/>
+          <p:cNvSpPr>
+            <a:spLocks noGrp="1"/>
+          </p:cNvSpPr>
+          <p:nvPr>
+            <p:ph type="title"/>
+          </p:nvPr>
+        </p:nvSpPr>
+        <p:spPr/>
+        <p:txBody>
+          <a:bodyPr/>
+          <a:lstStyle/>
+          <a:p>
+            <a:r>
+              <a:rPr lang="en-US" dirty="0" smtClean="0"/>
+              <a:t>Current Status</a:t>
+            </a:r>
+            <a:endParaRPr lang="en-US" dirty="0"/>
+          </a:p>
+        </p:txBody>
+      </p:sp>
+      <p:sp>
+        <p:nvSpPr>
+          <p:cNvPr id="3" name="Content Placeholder 2"/>
+          <p:cNvSpPr>
+            <a:spLocks noGrp="1"/>
+          </p:cNvSpPr>
+          <p:nvPr>
+            <p:ph idx="1"/>
+          </p:nvPr>
+        </p:nvSpPr>
+        <p:spPr/>
+        <p:txBody>
+          <a:bodyPr>
+            <a:normAutofit/>
+          </a:bodyPr>
+          <a:lstStyle/>
+          <a:p>
+            <a:r>
+              <a:rPr lang="en-US" dirty="0" smtClean="0"/>
+              <a:t>Aside the Service Composer and an API, OCCO is mostly functional</a:t>
+            </a:r>
+          </a:p>
+          <a:p>
+            <a:r>
+              <a:rPr lang="en-US" dirty="0" smtClean="0"/>
+              <a:t>This means that an infrastructure can be instantiated from a description</a:t>
+            </a:r>
+          </a:p>
+          <a:p>
+            <a:pPr lvl="1"/>
+            <a:r>
+              <a:rPr lang="en-US" dirty="0" smtClean="0"/>
+              <a:t>VMs are started and contextualized as specified in the description [demo]</a:t>
+            </a:r>
+          </a:p>
+          <a:p>
+            <a:pPr lvl="1"/>
+            <a:endParaRPr lang="en-US" dirty="0"/>
+          </a:p>
+          <a:p>
+            <a:r>
+              <a:rPr lang="en-US" dirty="0" smtClean="0"/>
+              <a:t>The codebase is about 80% </a:t>
+            </a:r>
+            <a:r>
+              <a:rPr lang="en-US" i="1" dirty="0" smtClean="0"/>
+              <a:t>extensively</a:t>
+            </a:r>
+            <a:r>
+              <a:rPr lang="en-US" dirty="0" smtClean="0"/>
+              <a:t> documented</a:t>
+            </a:r>
+          </a:p>
+          <a:p>
+            <a:pPr lvl="1"/>
+            <a:r>
+              <a:rPr lang="en-US" dirty="0" smtClean="0"/>
+              <a:t>Developer documentation: [</a:t>
+            </a:r>
+            <a:r>
+              <a:rPr lang="en-US" dirty="0" smtClean="0">
+                <a:hlinkClick r:id="rId2"/>
+              </a:rPr>
+              <a:t>http://c153-33.localcloud/util-doc</a:t>
+            </a:r>
+            <a:r>
+              <a:rPr lang="en-US" dirty="0" smtClean="0"/>
+              <a:t>] (from LPDS network only)</a:t>
+            </a:r>
+          </a:p>
+          <a:p>
+            <a:r>
+              <a:rPr lang="en-US" dirty="0" smtClean="0"/>
+              <a:t>About 5000 lines of Python code, of which 3000 are documentation and comments; plus overhead (package definitions, etc.); plus lots of UML diagrams</a:t>
+            </a:r>
+          </a:p>
+        </p:txBody>
+      </p:sp>
+    </p:spTree>
+    <p:extLst>
+      <p:ext uri="{BB962C8B-B14F-4D97-AF65-F5344CB8AC3E}">
+        <p14:creationId xmlns:p14="http://schemas.microsoft.com/office/powerpoint/2010/main" val="3580204493"/>
+      </p:ext>
+    </p:extLst>
+  </p:cSld>
+  <p:clrMapOvr>
+    <a:masterClrMapping/>
+  </p:clrMapOvr>
+  <p:timing>
+    <p:tnLst>
+      <p:par>
+        <p:cTn xmlns:p14="http://schemas.microsoft.com/office/powerpoint/2010/main" id="1" dur="indefinite" restart="never" nodeType="tmRoot"/>
+      </p:par>
+    </p:tnLst>
+  </p:timing>
+</p:sld>
+</file>
+
+<file path=ppt/slides/slide41.xml><?xml version="1.0" encoding="utf-8"?>
+<p:sld xmlns:a="http://schemas.openxmlformats.org/drawingml/2006/main" xmlns:r="http://schemas.openxmlformats.org/officeDocument/2006/relationships" xmlns:p="http://schemas.openxmlformats.org/presentationml/2006/main">
+  <p:cSld>
+    <p:spTree>
+      <p:nvGrpSpPr>
+        <p:cNvPr id="1" name=""/>
+        <p:cNvGrpSpPr/>
+        <p:nvPr/>
+      </p:nvGrpSpPr>
+      <p:grpSpPr>
+        <a:xfrm>
+          <a:off x="0" y="0"/>
+          <a:ext cx="0" cy="0"/>
+          <a:chOff x="0" y="0"/>
+          <a:chExt cx="0" cy="0"/>
+        </a:xfrm>
+      </p:grpSpPr>
+      <p:sp>
+        <p:nvSpPr>
+          <p:cNvPr id="2" name="Title 1"/>
+          <p:cNvSpPr>
+            <a:spLocks noGrp="1"/>
+          </p:cNvSpPr>
+          <p:nvPr>
+            <p:ph type="title"/>
+          </p:nvPr>
+        </p:nvSpPr>
+        <p:spPr/>
+        <p:txBody>
+          <a:bodyPr/>
+          <a:lstStyle/>
+          <a:p>
+            <a:r>
+              <a:rPr lang="en-US" dirty="0" smtClean="0"/>
+              <a:t>Plans</a:t>
+            </a:r>
+            <a:endParaRPr lang="en-US" dirty="0"/>
+          </a:p>
+        </p:txBody>
+      </p:sp>
+      <p:sp>
+        <p:nvSpPr>
+          <p:cNvPr id="3" name="Content Placeholder 2"/>
+          <p:cNvSpPr>
+            <a:spLocks noGrp="1"/>
+          </p:cNvSpPr>
+          <p:nvPr>
+            <p:ph idx="1"/>
+          </p:nvPr>
+        </p:nvSpPr>
+        <p:spPr/>
+        <p:txBody>
+          <a:bodyPr/>
+          <a:lstStyle/>
+          <a:p>
+            <a:r>
+              <a:rPr lang="en-US" dirty="0" smtClean="0"/>
+              <a:t>Priority tasks (~in order)</a:t>
+            </a:r>
+          </a:p>
+          <a:p>
+            <a:pPr marL="800100" lvl="1" indent="-342900">
+              <a:buFont typeface="+mj-lt"/>
+              <a:buAutoNum type="arabicPeriod"/>
+            </a:pPr>
+            <a:r>
+              <a:rPr lang="en-US" dirty="0" smtClean="0"/>
+              <a:t>Finishing documentation (2-3 days, immediate to-do; required to share code)</a:t>
+            </a:r>
+          </a:p>
+          <a:p>
+            <a:pPr marL="800100" lvl="1" indent="-342900">
+              <a:buFont typeface="+mj-lt"/>
+              <a:buAutoNum type="arabicPeriod"/>
+            </a:pPr>
+            <a:r>
+              <a:rPr lang="en-US" dirty="0" smtClean="0"/>
+              <a:t>API to integrate the primitives provided by the existing system into coherent use-cases</a:t>
+            </a:r>
+          </a:p>
+          <a:p>
+            <a:pPr lvl="2"/>
+            <a:r>
+              <a:rPr lang="en-US" dirty="0" smtClean="0"/>
+              <a:t>Adam Novak</a:t>
+            </a:r>
+          </a:p>
+          <a:p>
+            <a:pPr marL="800100" lvl="1" indent="-342900">
+              <a:buFont typeface="+mj-lt"/>
+              <a:buAutoNum type="arabicPeriod"/>
+            </a:pPr>
+            <a:r>
+              <a:rPr lang="en-US" dirty="0" smtClean="0"/>
+              <a:t>Update unit tests (they’ve been neglected in the sprinting)</a:t>
+            </a:r>
+          </a:p>
+          <a:p>
+            <a:pPr marL="800100" lvl="1" indent="-342900">
+              <a:buFont typeface="+mj-lt"/>
+              <a:buAutoNum type="arabicPeriod"/>
+            </a:pPr>
+            <a:r>
+              <a:rPr lang="en-US" dirty="0" smtClean="0"/>
+              <a:t>Jenkins integration tests</a:t>
+            </a:r>
+          </a:p>
+          <a:p>
+            <a:pPr marL="800100" lvl="1" indent="-342900">
+              <a:buFont typeface="+mj-lt"/>
+              <a:buAutoNum type="arabicPeriod"/>
+            </a:pPr>
+            <a:r>
+              <a:rPr lang="en-US" dirty="0" smtClean="0"/>
+              <a:t>Service Composer</a:t>
+            </a:r>
+          </a:p>
+          <a:p>
+            <a:pPr marL="1200150" lvl="2" indent="-342900"/>
+            <a:r>
+              <a:rPr lang="en-US" dirty="0" smtClean="0"/>
+              <a:t>Required before release</a:t>
+            </a:r>
+          </a:p>
+        </p:txBody>
+      </p:sp>
+    </p:spTree>
+    <p:extLst>
+      <p:ext uri="{BB962C8B-B14F-4D97-AF65-F5344CB8AC3E}">
+        <p14:creationId xmlns:p14="http://schemas.microsoft.com/office/powerpoint/2010/main" val="3357330212"/>
+      </p:ext>
+    </p:extLst>
+  </p:cSld>
+  <p:clrMapOvr>
+    <a:masterClrMapping/>
+  </p:clrMapOvr>
+  <p:timing>
+    <p:tnLst>
+      <p:par>
+        <p:cTn xmlns:p14="http://schemas.microsoft.com/office/powerpoint/2010/main" id="1" dur="indefinite" restart="never" nodeType="tmRoot"/>
+      </p:par>
+    </p:tnLst>
+  </p:timing>
+</p:sld>
+</file>
+
+<file path=ppt/slides/slide42.xml><?xml version="1.0" encoding="utf-8"?>
+<p:sld xmlns:a="http://schemas.openxmlformats.org/drawingml/2006/main" xmlns:r="http://schemas.openxmlformats.org/officeDocument/2006/relationships" xmlns:p="http://schemas.openxmlformats.org/presentationml/2006/main">
+  <p:cSld>
+    <p:spTree>
+      <p:nvGrpSpPr>
+        <p:cNvPr id="1" name=""/>
+        <p:cNvGrpSpPr/>
+        <p:nvPr/>
+      </p:nvGrpSpPr>
+      <p:grpSpPr>
+        <a:xfrm>
+          <a:off x="0" y="0"/>
+          <a:ext cx="0" cy="0"/>
+          <a:chOff x="0" y="0"/>
+          <a:chExt cx="0" cy="0"/>
+        </a:xfrm>
+      </p:grpSpPr>
+      <p:sp>
+        <p:nvSpPr>
+          <p:cNvPr id="2" name="Title 1"/>
+          <p:cNvSpPr>
+            <a:spLocks noGrp="1"/>
+          </p:cNvSpPr>
+          <p:nvPr>
+            <p:ph type="title"/>
+          </p:nvPr>
+        </p:nvSpPr>
+        <p:spPr/>
+        <p:txBody>
+          <a:bodyPr/>
+          <a:lstStyle/>
+          <a:p>
+            <a:r>
+              <a:rPr lang="en-US" dirty="0" smtClean="0"/>
+              <a:t>Acknowledgements</a:t>
+            </a:r>
+            <a:endParaRPr lang="en-US" dirty="0"/>
+          </a:p>
+        </p:txBody>
+      </p:sp>
+      <p:sp>
+        <p:nvSpPr>
+          <p:cNvPr id="3" name="Content Placeholder 2"/>
+          <p:cNvSpPr>
+            <a:spLocks noGrp="1"/>
+          </p:cNvSpPr>
+          <p:nvPr>
+            <p:ph idx="1"/>
+          </p:nvPr>
+        </p:nvSpPr>
+        <p:spPr/>
+        <p:txBody>
+          <a:bodyPr/>
+          <a:lstStyle/>
+          <a:p>
+            <a:r>
+              <a:rPr lang="en-US" dirty="0" smtClean="0"/>
+              <a:t>Mark </a:t>
+            </a:r>
+            <a:r>
+              <a:rPr lang="en-US" dirty="0" err="1" smtClean="0"/>
+              <a:t>Gergely</a:t>
+            </a:r>
+            <a:r>
+              <a:rPr lang="en-US" dirty="0" smtClean="0"/>
+              <a:t>, co-architect</a:t>
+            </a:r>
+          </a:p>
+          <a:p>
+            <a:r>
+              <a:rPr lang="en-US" dirty="0"/>
+              <a:t>Adam Novak, co-</a:t>
+            </a:r>
+            <a:r>
+              <a:rPr lang="en-US" dirty="0" smtClean="0"/>
+              <a:t>developer</a:t>
+            </a:r>
+          </a:p>
+          <a:p>
+            <a:r>
+              <a:rPr lang="en-US" dirty="0" smtClean="0"/>
+              <a:t>Special </a:t>
+            </a:r>
+            <a:r>
+              <a:rPr lang="en-US" smtClean="0"/>
+              <a:t>thanks to:</a:t>
+            </a:r>
+            <a:endParaRPr lang="en-US" dirty="0" smtClean="0"/>
+          </a:p>
+          <a:p>
+            <a:pPr lvl="1"/>
+            <a:r>
+              <a:rPr lang="en-US" sz="2400" dirty="0" err="1" smtClean="0"/>
+              <a:t>Jozsef</a:t>
+            </a:r>
+            <a:r>
+              <a:rPr lang="en-US" sz="2400" dirty="0" smtClean="0"/>
+              <a:t> Kovacs, Gabor </a:t>
+            </a:r>
+            <a:r>
+              <a:rPr lang="en-US" sz="2400" dirty="0" err="1" smtClean="0"/>
+              <a:t>Kecskemeti</a:t>
+            </a:r>
+            <a:endParaRPr lang="en-US" sz="2400" dirty="0"/>
+          </a:p>
+        </p:txBody>
+      </p:sp>
+    </p:spTree>
+    <p:extLst>
+      <p:ext uri="{BB962C8B-B14F-4D97-AF65-F5344CB8AC3E}">
+        <p14:creationId xmlns:p14="http://schemas.microsoft.com/office/powerpoint/2010/main" val="2124004554"/>
+      </p:ext>
+    </p:extLst>
+  </p:cSld>
+  <p:clrMapOvr>
+    <a:masterClrMapping/>
+  </p:clrMapOvr>
+</p:sld>
+</file>
+
 <file path=ppt/slides/slide5.xml><?xml version="1.0" encoding="utf-8"?>
 <p:sld xmlns:a="http://schemas.openxmlformats.org/drawingml/2006/main" xmlns:r="http://schemas.openxmlformats.org/officeDocument/2006/relationships" xmlns:p="http://schemas.openxmlformats.org/presentationml/2006/main">
   <p:cSld>
@@ -9504,7 +14598,7 @@
           <p:nvPr>
             <p:extLst>
               <p:ext uri="{D42A27DB-BD31-4B8C-83A1-F6EECF244321}">
-                <p14:modId xmlns:p14="http://schemas.microsoft.com/office/powerpoint/2010/main" val="1074937877"/>
+                <p14:modId xmlns:p14="http://schemas.microsoft.com/office/powerpoint/2010/main" val="4054334814"/>
               </p:ext>
             </p:extLst>
           </p:nvPr>
@@ -13935,15 +19029,22 @@
                     <a:p>
                       <a:pPr algn="ctr" fontAlgn="ctr"/>
                       <a:r>
-                        <a:rPr lang="en-US" sz="600" b="1" i="0" u="none" strike="noStrike">
+                        <a:rPr lang="en-US" sz="600" b="1" i="0" u="none" strike="noStrike" dirty="0" smtClean="0">
                           <a:solidFill>
                             <a:srgbClr val="3F3F3F"/>
                           </a:solidFill>
                           <a:effectLst/>
                           <a:latin typeface="Arial"/>
                         </a:rPr>
-                        <a:t>No</a:t>
+                        <a:t>No (Yes)</a:t>
                       </a:r>
+                      <a:endParaRPr lang="en-US" sz="600" b="1" i="0" u="none" strike="noStrike" dirty="0">
+                        <a:solidFill>
+                          <a:srgbClr val="3F3F3F"/>
+                        </a:solidFill>
+                        <a:effectLst/>
+                        <a:latin typeface="Arial"/>
+                      </a:endParaRPr>
                     </a:p>
                   </a:txBody>
                   <a:tcPr marL="9386" marR="9386" marT="9386" marB="0" anchor="ctr">
@@ -14537,7 +19638,7 @@
                     <a:p>
                       <a:pPr algn="ctr" fontAlgn="ctr"/>
                       <a:r>
-                        <a:rPr lang="en-US" sz="600" b="1" i="0" u="none" strike="noStrike">
+                        <a:rPr lang="en-US" sz="600" b="1" i="0" u="none" strike="noStrike" dirty="0">
                           <a:solidFill>
                             <a:srgbClr val="3F3F3F"/>
                           </a:solidFill>
@@ -15139,7 +20240,7 @@
                     <a:p>
                       <a:pPr algn="ctr" fontAlgn="ctr"/>
                       <a:r>
-                        <a:rPr lang="en-US" sz="600" b="1" i="0" u="none" strike="noStrike">
+                        <a:rPr lang="en-US" sz="600" b="1" i="0" u="none" strike="noStrike" dirty="0">
                           <a:solidFill>
                             <a:srgbClr val="3F3F3F"/>
                           </a:solidFill>
@@ -15748,7 +20849,7 @@
                           <a:effectLst/>
                           <a:latin typeface="Arial"/>
                         </a:rPr>
-                        <a:t>Yes(?)</a:t>
+                        <a:t>Yes(No?)</a:t>
                       </a:r>
                       <a:endParaRPr lang="en-US" sz="600" b="1" i="0" u="none" strike="noStrike" dirty="0">
                         <a:solidFill>
@@ -17610,14 +22711,34 @@
                     <a:p>
                       <a:pPr algn="ctr" fontAlgn="ctr"/>
                       <a:r>
-                        <a:rPr lang="en-US" sz="600" b="1" i="0" u="none" strike="noStrike">
+                        <a:rPr lang="en-US" sz="600" b="1" i="0" u="none" strike="noStrike" dirty="0">
                           <a:solidFill>
                             <a:srgbClr val="3F3F3F"/>
                           </a:solidFill>
                           <a:effectLst/>
                           <a:latin typeface="Arial"/>
                         </a:rPr>
-                        <a:t>loose integration with Chef, other SotA composer(s)</a:t>
+                        <a:t>loose integration with Chef, other </a:t>
+                      </a:r>
+                      <a:r>
+                        <a:rPr lang="en-US" sz="600" b="1" i="0" u="none" strike="noStrike" dirty="0" err="1">
+                          <a:solidFill>
+                            <a:srgbClr val="3F3F3F"/>
+                          </a:solidFill>
+                          <a:effectLst/>
+                          <a:latin typeface="Arial"/>
+                        </a:rPr>
+                        <a:t>SotA</a:t>
+                      </a:r>
+                      <a:r>
+                        <a:rPr lang="en-US" sz="600" b="1" i="0" u="none" strike="noStrike" dirty="0">
+                          <a:solidFill>
+                            <a:srgbClr val="3F3F3F"/>
+                          </a:solidFill>
+                          <a:effectLst/>
+                          <a:latin typeface="Arial"/>
+                        </a:rPr>
+                        <a:t> composer(s)</a:t>
                       </a:r>
                     </a:p>
                   </a:txBody>
